--- a/publication/Think_Present_Papers.pptx
+++ b/publication/Think_Present_Papers.pptx
@@ -5,7 +5,7 @@
     <p:sldMasterId id="2147483648" r:id="rId1"/>
   </p:sldMasterIdLst>
   <p:notesMasterIdLst>
-    <p:notesMasterId r:id="rId21"/>
+    <p:notesMasterId r:id="rId24"/>
   </p:notesMasterIdLst>
   <p:sldIdLst>
     <p:sldId id="257" r:id="rId2"/>
@@ -18,15 +18,18 @@
     <p:sldId id="264" r:id="rId9"/>
     <p:sldId id="265" r:id="rId10"/>
     <p:sldId id="266" r:id="rId11"/>
-    <p:sldId id="267" r:id="rId12"/>
-    <p:sldId id="268" r:id="rId13"/>
-    <p:sldId id="269" r:id="rId14"/>
-    <p:sldId id="273" r:id="rId15"/>
-    <p:sldId id="274" r:id="rId16"/>
-    <p:sldId id="275" r:id="rId17"/>
-    <p:sldId id="270" r:id="rId18"/>
-    <p:sldId id="271" r:id="rId19"/>
-    <p:sldId id="272" r:id="rId20"/>
+    <p:sldId id="268" r:id="rId12"/>
+    <p:sldId id="269" r:id="rId13"/>
+    <p:sldId id="273" r:id="rId14"/>
+    <p:sldId id="274" r:id="rId15"/>
+    <p:sldId id="275" r:id="rId16"/>
+    <p:sldId id="270" r:id="rId17"/>
+    <p:sldId id="271" r:id="rId18"/>
+    <p:sldId id="272" r:id="rId19"/>
+    <p:sldId id="279" r:id="rId20"/>
+    <p:sldId id="277" r:id="rId21"/>
+    <p:sldId id="278" r:id="rId22"/>
+    <p:sldId id="276" r:id="rId23"/>
   </p:sldIdLst>
   <p:sldSz cx="12192000" cy="6858000"/>
   <p:notesSz cx="6858000" cy="9144000"/>
@@ -215,7 +218,7 @@
           <a:p>
             <a:fld id="{A0C0608D-E44C-4031-91FF-9325BA57F2A8}" type="datetimeFigureOut">
               <a:rPr lang="zh-CN" altLang="en-US" smtClean="0"/>
-              <a:t>2024/3/15</a:t>
+              <a:t>2024/11/26</a:t>
             </a:fld>
             <a:endParaRPr lang="zh-CN" altLang="en-US"/>
           </a:p>
@@ -629,7 +632,7 @@
           <a:p>
             <a:fld id="{C7D552E7-C7D2-4C79-97EB-7694FD71FEDD}" type="datetime1">
               <a:rPr lang="zh-CN" altLang="en-US" smtClean="0"/>
-              <a:t>2024/3/15</a:t>
+              <a:t>2024/11/26</a:t>
             </a:fld>
             <a:endParaRPr lang="zh-CN" altLang="en-US"/>
           </a:p>
@@ -827,7 +830,7 @@
           <a:p>
             <a:fld id="{37A1C8DC-8C49-4FF7-8951-4E0A9FFDD7B7}" type="datetime1">
               <a:rPr lang="zh-CN" altLang="en-US" smtClean="0"/>
-              <a:t>2024/3/15</a:t>
+              <a:t>2024/11/26</a:t>
             </a:fld>
             <a:endParaRPr lang="zh-CN" altLang="en-US"/>
           </a:p>
@@ -1035,7 +1038,7 @@
           <a:p>
             <a:fld id="{9C3BBBDC-A7C5-498F-9775-B6E9892BD622}" type="datetime1">
               <a:rPr lang="zh-CN" altLang="en-US" smtClean="0"/>
-              <a:t>2024/3/15</a:t>
+              <a:t>2024/11/26</a:t>
             </a:fld>
             <a:endParaRPr lang="zh-CN" altLang="en-US"/>
           </a:p>
@@ -1233,7 +1236,7 @@
           <a:p>
             <a:fld id="{B094EDAE-BCBD-46AB-A839-945DBD830FDF}" type="datetime1">
               <a:rPr lang="zh-CN" altLang="en-US" smtClean="0"/>
-              <a:t>2024/3/15</a:t>
+              <a:t>2024/11/26</a:t>
             </a:fld>
             <a:endParaRPr lang="zh-CN" altLang="en-US"/>
           </a:p>
@@ -1508,7 +1511,7 @@
           <a:p>
             <a:fld id="{C11BD931-76A9-45D5-B8A1-F26CC07CFEDA}" type="datetime1">
               <a:rPr lang="zh-CN" altLang="en-US" smtClean="0"/>
-              <a:t>2024/3/15</a:t>
+              <a:t>2024/11/26</a:t>
             </a:fld>
             <a:endParaRPr lang="zh-CN" altLang="en-US"/>
           </a:p>
@@ -1773,7 +1776,7 @@
           <a:p>
             <a:fld id="{DF6313B0-F3B1-403E-9010-3E3FCB25A33D}" type="datetime1">
               <a:rPr lang="zh-CN" altLang="en-US" smtClean="0"/>
-              <a:t>2024/3/15</a:t>
+              <a:t>2024/11/26</a:t>
             </a:fld>
             <a:endParaRPr lang="zh-CN" altLang="en-US"/>
           </a:p>
@@ -2185,7 +2188,7 @@
           <a:p>
             <a:fld id="{914D7020-8D1C-400B-9570-0B7047CFC6F0}" type="datetime1">
               <a:rPr lang="zh-CN" altLang="en-US" smtClean="0"/>
-              <a:t>2024/3/15</a:t>
+              <a:t>2024/11/26</a:t>
             </a:fld>
             <a:endParaRPr lang="zh-CN" altLang="en-US"/>
           </a:p>
@@ -2326,7 +2329,7 @@
           <a:p>
             <a:fld id="{5C024216-52A2-43F7-842B-AB96EDE6D665}" type="datetime1">
               <a:rPr lang="zh-CN" altLang="en-US" smtClean="0"/>
-              <a:t>2024/3/15</a:t>
+              <a:t>2024/11/26</a:t>
             </a:fld>
             <a:endParaRPr lang="zh-CN" altLang="en-US"/>
           </a:p>
@@ -2439,7 +2442,7 @@
           <a:p>
             <a:fld id="{96070F17-EF4C-4477-BF8A-0D56F9EF64D9}" type="datetime1">
               <a:rPr lang="zh-CN" altLang="en-US" smtClean="0"/>
-              <a:t>2024/3/15</a:t>
+              <a:t>2024/11/26</a:t>
             </a:fld>
             <a:endParaRPr lang="zh-CN" altLang="en-US"/>
           </a:p>
@@ -2750,7 +2753,7 @@
           <a:p>
             <a:fld id="{89468DBF-22EE-417D-864F-7B5C15A69409}" type="datetime1">
               <a:rPr lang="zh-CN" altLang="en-US" smtClean="0"/>
-              <a:t>2024/3/15</a:t>
+              <a:t>2024/11/26</a:t>
             </a:fld>
             <a:endParaRPr lang="zh-CN" altLang="en-US"/>
           </a:p>
@@ -3038,7 +3041,7 @@
           <a:p>
             <a:fld id="{BA140EE1-9319-4CC8-A024-71AF38819C7D}" type="datetime1">
               <a:rPr lang="zh-CN" altLang="en-US" smtClean="0"/>
-              <a:t>2024/3/15</a:t>
+              <a:t>2024/11/26</a:t>
             </a:fld>
             <a:endParaRPr lang="zh-CN" altLang="en-US"/>
           </a:p>
@@ -3279,7 +3282,7 @@
           <a:p>
             <a:fld id="{48210126-6AE4-44B5-9E5A-7F34F837E0B0}" type="datetime1">
               <a:rPr lang="zh-CN" altLang="en-US" smtClean="0"/>
-              <a:t>2024/3/15</a:t>
+              <a:t>2024/11/26</a:t>
             </a:fld>
             <a:endParaRPr lang="zh-CN" altLang="en-US"/>
           </a:p>
@@ -4075,7 +4078,7 @@
           <p:cNvPr id="2" name="标题 1">
             <a:extLst>
               <a:ext uri="{FF2B5EF4-FFF2-40B4-BE49-F238E27FC236}">
-                <a16:creationId xmlns:a16="http://schemas.microsoft.com/office/drawing/2014/main" id="{B118B946-0428-474E-8C5A-AC7DC0200CFA}"/>
+                <a16:creationId xmlns:a16="http://schemas.microsoft.com/office/drawing/2014/main" id="{14177370-3F09-4BD7-8837-39656EEAC38D}"/>
               </a:ext>
             </a:extLst>
           </p:cNvPr>
@@ -4097,48 +4100,79 @@
                 <a:latin typeface="Times New Roman" panose="02020603050405020304" pitchFamily="18" charset="0"/>
                 <a:cs typeface="Times New Roman" panose="02020603050405020304" pitchFamily="18" charset="0"/>
               </a:rPr>
-              <a:t>Your Solution (Example)</a:t>
+              <a:t>Experiment Studies</a:t>
             </a:r>
             <a:endParaRPr lang="zh-CN" altLang="en-US" dirty="0"/>
           </a:p>
         </p:txBody>
       </p:sp>
-      <p:pic>
-        <p:nvPicPr>
-          <p:cNvPr id="5" name="图片 4">
-            <a:extLst>
-              <a:ext uri="{FF2B5EF4-FFF2-40B4-BE49-F238E27FC236}">
-                <a16:creationId xmlns:a16="http://schemas.microsoft.com/office/drawing/2014/main" id="{0F86E9D8-8C70-419E-A442-48B0B1E37A1B}"/>
-              </a:ext>
-            </a:extLst>
-          </p:cNvPr>
-          <p:cNvPicPr>
-            <a:picLocks noChangeAspect="1"/>
-          </p:cNvPicPr>
-          <p:nvPr/>
-        </p:nvPicPr>
-        <p:blipFill>
-          <a:blip r:embed="rId2"/>
-          <a:stretch>
-            <a:fillRect/>
-          </a:stretch>
-        </p:blipFill>
-        <p:spPr>
-          <a:xfrm>
-            <a:off x="1421130" y="1840865"/>
-            <a:ext cx="9349740" cy="3369834"/>
-          </a:xfrm>
-          <a:prstGeom prst="rect">
-            <a:avLst/>
-          </a:prstGeom>
-        </p:spPr>
-      </p:pic>
-      <p:sp>
-        <p:nvSpPr>
-          <p:cNvPr id="6" name="灯片编号占位符 5">
-            <a:extLst>
-              <a:ext uri="{FF2B5EF4-FFF2-40B4-BE49-F238E27FC236}">
-                <a16:creationId xmlns:a16="http://schemas.microsoft.com/office/drawing/2014/main" id="{ECCCBAD4-4D6E-4FB3-B98D-91508FE4BE33}"/>
+      <p:sp>
+        <p:nvSpPr>
+          <p:cNvPr id="3" name="内容占位符 2">
+            <a:extLst>
+              <a:ext uri="{FF2B5EF4-FFF2-40B4-BE49-F238E27FC236}">
+                <a16:creationId xmlns:a16="http://schemas.microsoft.com/office/drawing/2014/main" id="{320A67B7-1552-47CC-BFE4-4C0DA8C9BC43}"/>
+              </a:ext>
+            </a:extLst>
+          </p:cNvPr>
+          <p:cNvSpPr>
+            <a:spLocks noGrp="1"/>
+          </p:cNvSpPr>
+          <p:nvPr>
+            <p:ph idx="1"/>
+          </p:nvPr>
+        </p:nvSpPr>
+        <p:spPr/>
+        <p:txBody>
+          <a:bodyPr/>
+          <a:lstStyle/>
+          <a:p>
+            <a:r>
+              <a:rPr lang="en-US" altLang="zh-CN" dirty="0">
+                <a:latin typeface="Times New Roman" panose="02020603050405020304" pitchFamily="18" charset="0"/>
+                <a:cs typeface="Times New Roman" panose="02020603050405020304" pitchFamily="18" charset="0"/>
+              </a:rPr>
+              <a:t>Clearly describe your datasets.</a:t>
+            </a:r>
+          </a:p>
+          <a:p>
+            <a:endParaRPr lang="en-US" altLang="zh-CN" dirty="0">
+              <a:latin typeface="Times New Roman" panose="02020603050405020304" pitchFamily="18" charset="0"/>
+              <a:cs typeface="Times New Roman" panose="02020603050405020304" pitchFamily="18" charset="0"/>
+            </a:endParaRPr>
+          </a:p>
+          <a:p>
+            <a:r>
+              <a:rPr lang="en-US" altLang="zh-CN" dirty="0">
+                <a:latin typeface="Times New Roman" panose="02020603050405020304" pitchFamily="18" charset="0"/>
+                <a:cs typeface="Times New Roman" panose="02020603050405020304" pitchFamily="18" charset="0"/>
+              </a:rPr>
+              <a:t>Think deeply about which experiments you should show.</a:t>
+            </a:r>
+          </a:p>
+          <a:p>
+            <a:endParaRPr lang="en-US" altLang="zh-CN" dirty="0">
+              <a:latin typeface="Times New Roman" panose="02020603050405020304" pitchFamily="18" charset="0"/>
+              <a:cs typeface="Times New Roman" panose="02020603050405020304" pitchFamily="18" charset="0"/>
+            </a:endParaRPr>
+          </a:p>
+          <a:p>
+            <a:r>
+              <a:rPr lang="en-US" altLang="zh-CN" dirty="0">
+                <a:latin typeface="Times New Roman" panose="02020603050405020304" pitchFamily="18" charset="0"/>
+                <a:cs typeface="Times New Roman" panose="02020603050405020304" pitchFamily="18" charset="0"/>
+              </a:rPr>
+              <a:t>Only show a few important experiments (Do not put every experiment in the slides).</a:t>
+            </a:r>
+          </a:p>
+        </p:txBody>
+      </p:sp>
+      <p:sp>
+        <p:nvSpPr>
+          <p:cNvPr id="4" name="灯片编号占位符 3">
+            <a:extLst>
+              <a:ext uri="{FF2B5EF4-FFF2-40B4-BE49-F238E27FC236}">
+                <a16:creationId xmlns:a16="http://schemas.microsoft.com/office/drawing/2014/main" id="{22727BC9-1E6B-4782-A3B1-DB7A08FCB199}"/>
               </a:ext>
             </a:extLst>
           </p:cNvPr>
@@ -4165,7 +4199,7 @@
     </p:spTree>
     <p:extLst>
       <p:ext uri="{BB962C8B-B14F-4D97-AF65-F5344CB8AC3E}">
-        <p14:creationId xmlns:p14="http://schemas.microsoft.com/office/powerpoint/2010/main" val="740324019"/>
+        <p14:creationId xmlns:p14="http://schemas.microsoft.com/office/powerpoint/2010/main" val="2882955231"/>
       </p:ext>
     </p:extLst>
   </p:cSld>
@@ -4197,7 +4231,7 @@
           <p:cNvPr id="2" name="标题 1">
             <a:extLst>
               <a:ext uri="{FF2B5EF4-FFF2-40B4-BE49-F238E27FC236}">
-                <a16:creationId xmlns:a16="http://schemas.microsoft.com/office/drawing/2014/main" id="{14177370-3F09-4BD7-8837-39656EEAC38D}"/>
+                <a16:creationId xmlns:a16="http://schemas.microsoft.com/office/drawing/2014/main" id="{D18B5D35-E57E-4E1A-B31C-E713B8F23B62}"/>
               </a:ext>
             </a:extLst>
           </p:cNvPr>
@@ -4219,79 +4253,48 @@
                 <a:latin typeface="Times New Roman" panose="02020603050405020304" pitchFamily="18" charset="0"/>
                 <a:cs typeface="Times New Roman" panose="02020603050405020304" pitchFamily="18" charset="0"/>
               </a:rPr>
-              <a:t>Experiment Studies</a:t>
+              <a:t>Experiment Studies (Example)</a:t>
             </a:r>
             <a:endParaRPr lang="zh-CN" altLang="en-US" dirty="0"/>
           </a:p>
         </p:txBody>
       </p:sp>
-      <p:sp>
-        <p:nvSpPr>
-          <p:cNvPr id="3" name="内容占位符 2">
-            <a:extLst>
-              <a:ext uri="{FF2B5EF4-FFF2-40B4-BE49-F238E27FC236}">
-                <a16:creationId xmlns:a16="http://schemas.microsoft.com/office/drawing/2014/main" id="{320A67B7-1552-47CC-BFE4-4C0DA8C9BC43}"/>
-              </a:ext>
-            </a:extLst>
-          </p:cNvPr>
-          <p:cNvSpPr>
-            <a:spLocks noGrp="1"/>
-          </p:cNvSpPr>
-          <p:nvPr>
-            <p:ph idx="1"/>
-          </p:nvPr>
-        </p:nvSpPr>
-        <p:spPr/>
-        <p:txBody>
-          <a:bodyPr/>
-          <a:lstStyle/>
-          <a:p>
-            <a:r>
-              <a:rPr lang="en-US" altLang="zh-CN" dirty="0">
-                <a:latin typeface="Times New Roman" panose="02020603050405020304" pitchFamily="18" charset="0"/>
-                <a:cs typeface="Times New Roman" panose="02020603050405020304" pitchFamily="18" charset="0"/>
-              </a:rPr>
-              <a:t>Clearly describe your datasets.</a:t>
-            </a:r>
-          </a:p>
-          <a:p>
-            <a:endParaRPr lang="en-US" altLang="zh-CN" dirty="0">
-              <a:latin typeface="Times New Roman" panose="02020603050405020304" pitchFamily="18" charset="0"/>
-              <a:cs typeface="Times New Roman" panose="02020603050405020304" pitchFamily="18" charset="0"/>
-            </a:endParaRPr>
-          </a:p>
-          <a:p>
-            <a:r>
-              <a:rPr lang="en-US" altLang="zh-CN" dirty="0">
-                <a:latin typeface="Times New Roman" panose="02020603050405020304" pitchFamily="18" charset="0"/>
-                <a:cs typeface="Times New Roman" panose="02020603050405020304" pitchFamily="18" charset="0"/>
-              </a:rPr>
-              <a:t>Think deeply about which experiments you should show.</a:t>
-            </a:r>
-          </a:p>
-          <a:p>
-            <a:endParaRPr lang="en-US" altLang="zh-CN" dirty="0">
-              <a:latin typeface="Times New Roman" panose="02020603050405020304" pitchFamily="18" charset="0"/>
-              <a:cs typeface="Times New Roman" panose="02020603050405020304" pitchFamily="18" charset="0"/>
-            </a:endParaRPr>
-          </a:p>
-          <a:p>
-            <a:r>
-              <a:rPr lang="en-US" altLang="zh-CN" dirty="0">
-                <a:latin typeface="Times New Roman" panose="02020603050405020304" pitchFamily="18" charset="0"/>
-                <a:cs typeface="Times New Roman" panose="02020603050405020304" pitchFamily="18" charset="0"/>
-              </a:rPr>
-              <a:t>Only show a few important experiments (Do not put every experiment in the slides).</a:t>
-            </a:r>
-          </a:p>
-        </p:txBody>
-      </p:sp>
-      <p:sp>
-        <p:nvSpPr>
-          <p:cNvPr id="4" name="灯片编号占位符 3">
-            <a:extLst>
-              <a:ext uri="{FF2B5EF4-FFF2-40B4-BE49-F238E27FC236}">
-                <a16:creationId xmlns:a16="http://schemas.microsoft.com/office/drawing/2014/main" id="{22727BC9-1E6B-4782-A3B1-DB7A08FCB199}"/>
+      <p:pic>
+        <p:nvPicPr>
+          <p:cNvPr id="5" name="图片 4">
+            <a:extLst>
+              <a:ext uri="{FF2B5EF4-FFF2-40B4-BE49-F238E27FC236}">
+                <a16:creationId xmlns:a16="http://schemas.microsoft.com/office/drawing/2014/main" id="{923381DB-3766-45D2-BF33-4E332814E10A}"/>
+              </a:ext>
+            </a:extLst>
+          </p:cNvPr>
+          <p:cNvPicPr>
+            <a:picLocks noChangeAspect="1"/>
+          </p:cNvPicPr>
+          <p:nvPr/>
+        </p:nvPicPr>
+        <p:blipFill>
+          <a:blip r:embed="rId2"/>
+          <a:stretch>
+            <a:fillRect/>
+          </a:stretch>
+        </p:blipFill>
+        <p:spPr>
+          <a:xfrm>
+            <a:off x="1853220" y="1690688"/>
+            <a:ext cx="8485559" cy="4627151"/>
+          </a:xfrm>
+          <a:prstGeom prst="rect">
+            <a:avLst/>
+          </a:prstGeom>
+        </p:spPr>
+      </p:pic>
+      <p:sp>
+        <p:nvSpPr>
+          <p:cNvPr id="6" name="灯片编号占位符 5">
+            <a:extLst>
+              <a:ext uri="{FF2B5EF4-FFF2-40B4-BE49-F238E27FC236}">
+                <a16:creationId xmlns:a16="http://schemas.microsoft.com/office/drawing/2014/main" id="{C18640C8-FE87-4E98-9F1F-4C089A75DF29}"/>
               </a:ext>
             </a:extLst>
           </p:cNvPr>
@@ -4318,7 +4321,7 @@
     </p:spTree>
     <p:extLst>
       <p:ext uri="{BB962C8B-B14F-4D97-AF65-F5344CB8AC3E}">
-        <p14:creationId xmlns:p14="http://schemas.microsoft.com/office/powerpoint/2010/main" val="2882955231"/>
+        <p14:creationId xmlns:p14="http://schemas.microsoft.com/office/powerpoint/2010/main" val="3993095335"/>
       </p:ext>
     </p:extLst>
   </p:cSld>
@@ -4350,7 +4353,7 @@
           <p:cNvPr id="2" name="标题 1">
             <a:extLst>
               <a:ext uri="{FF2B5EF4-FFF2-40B4-BE49-F238E27FC236}">
-                <a16:creationId xmlns:a16="http://schemas.microsoft.com/office/drawing/2014/main" id="{D18B5D35-E57E-4E1A-B31C-E713B8F23B62}"/>
+                <a16:creationId xmlns:a16="http://schemas.microsoft.com/office/drawing/2014/main" id="{4B1ED255-3DAB-4774-8F9E-9F310C0408D2}"/>
               </a:ext>
             </a:extLst>
           </p:cNvPr>
@@ -4361,59 +4364,102 @@
             <p:ph type="title"/>
           </p:nvPr>
         </p:nvSpPr>
-        <p:spPr/>
-        <p:txBody>
-          <a:bodyPr/>
-          <a:lstStyle/>
-          <a:p>
-            <a:pPr algn="ctr"/>
-            <a:r>
-              <a:rPr lang="en-US" altLang="zh-CN" dirty="0">
-                <a:latin typeface="Times New Roman" panose="02020603050405020304" pitchFamily="18" charset="0"/>
-                <a:cs typeface="Times New Roman" panose="02020603050405020304" pitchFamily="18" charset="0"/>
-              </a:rPr>
-              <a:t>Experiment Studies (Example)</a:t>
-            </a:r>
-            <a:endParaRPr lang="zh-CN" altLang="en-US" dirty="0"/>
-          </a:p>
-        </p:txBody>
-      </p:sp>
-      <p:pic>
-        <p:nvPicPr>
-          <p:cNvPr id="5" name="图片 4">
-            <a:extLst>
-              <a:ext uri="{FF2B5EF4-FFF2-40B4-BE49-F238E27FC236}">
-                <a16:creationId xmlns:a16="http://schemas.microsoft.com/office/drawing/2014/main" id="{923381DB-3766-45D2-BF33-4E332814E10A}"/>
-              </a:ext>
-            </a:extLst>
-          </p:cNvPr>
-          <p:cNvPicPr>
-            <a:picLocks noChangeAspect="1"/>
-          </p:cNvPicPr>
-          <p:nvPr/>
-        </p:nvPicPr>
-        <p:blipFill>
-          <a:blip r:embed="rId2"/>
-          <a:stretch>
-            <a:fillRect/>
-          </a:stretch>
-        </p:blipFill>
         <p:spPr>
           <a:xfrm>
-            <a:off x="1853220" y="1690688"/>
-            <a:ext cx="8485559" cy="4627151"/>
+            <a:off x="800594" y="136525"/>
+            <a:ext cx="10515600" cy="1325563"/>
           </a:xfrm>
-          <a:prstGeom prst="rect">
-            <a:avLst/>
-          </a:prstGeom>
         </p:spPr>
-      </p:pic>
-      <p:sp>
-        <p:nvSpPr>
-          <p:cNvPr id="6" name="灯片编号占位符 5">
-            <a:extLst>
-              <a:ext uri="{FF2B5EF4-FFF2-40B4-BE49-F238E27FC236}">
-                <a16:creationId xmlns:a16="http://schemas.microsoft.com/office/drawing/2014/main" id="{C18640C8-FE87-4E98-9F1F-4C089A75DF29}"/>
+        <p:txBody>
+          <a:bodyPr/>
+          <a:lstStyle/>
+          <a:p>
+            <a:pPr algn="ctr"/>
+            <a:r>
+              <a:rPr lang="en-US" altLang="zh-CN" dirty="0">
+                <a:latin typeface="Times New Roman" panose="02020603050405020304" pitchFamily="18" charset="0"/>
+                <a:cs typeface="Times New Roman" panose="02020603050405020304" pitchFamily="18" charset="0"/>
+              </a:rPr>
+              <a:t>Conclusion and Future Work</a:t>
+            </a:r>
+            <a:endParaRPr lang="zh-CN" altLang="en-US" dirty="0"/>
+          </a:p>
+        </p:txBody>
+      </p:sp>
+      <p:sp>
+        <p:nvSpPr>
+          <p:cNvPr id="3" name="内容占位符 2">
+            <a:extLst>
+              <a:ext uri="{FF2B5EF4-FFF2-40B4-BE49-F238E27FC236}">
+                <a16:creationId xmlns:a16="http://schemas.microsoft.com/office/drawing/2014/main" id="{0B4461AC-2581-44A9-AD45-B18BEACF7CF8}"/>
+              </a:ext>
+            </a:extLst>
+          </p:cNvPr>
+          <p:cNvSpPr>
+            <a:spLocks noGrp="1"/>
+          </p:cNvSpPr>
+          <p:nvPr>
+            <p:ph idx="1"/>
+          </p:nvPr>
+        </p:nvSpPr>
+        <p:spPr>
+          <a:xfrm>
+            <a:off x="505690" y="1421863"/>
+            <a:ext cx="10515600" cy="5192693"/>
+          </a:xfrm>
+        </p:spPr>
+        <p:txBody>
+          <a:bodyPr>
+            <a:normAutofit/>
+          </a:bodyPr>
+          <a:lstStyle/>
+          <a:p>
+            <a:r>
+              <a:rPr lang="en-US" altLang="zh-CN" dirty="0">
+                <a:latin typeface="Times" panose="02020603050405020304" pitchFamily="18" charset="0"/>
+              </a:rPr>
+              <a:t>Pretty standard. If step 1 to step 5 are perfectly done, this part can also be done perfectly.</a:t>
+            </a:r>
+          </a:p>
+          <a:p>
+            <a:endParaRPr lang="en-US" altLang="zh-CN" dirty="0">
+              <a:latin typeface="Times" panose="02020603050405020304" pitchFamily="18" charset="0"/>
+            </a:endParaRPr>
+          </a:p>
+          <a:p>
+            <a:r>
+              <a:rPr lang="en-US" altLang="zh-CN" dirty="0">
+                <a:latin typeface="Times" panose="02020603050405020304" pitchFamily="18" charset="0"/>
+              </a:rPr>
+              <a:t>Highlight your contribution.</a:t>
+            </a:r>
+          </a:p>
+          <a:p>
+            <a:endParaRPr lang="en-US" altLang="zh-CN" dirty="0">
+              <a:latin typeface="Times" panose="02020603050405020304" pitchFamily="18" charset="0"/>
+            </a:endParaRPr>
+          </a:p>
+          <a:p>
+            <a:r>
+              <a:rPr lang="en-US" altLang="zh-CN" dirty="0">
+                <a:latin typeface="Times" panose="02020603050405020304" pitchFamily="18" charset="0"/>
+              </a:rPr>
+              <a:t>State what you will do next. Think of your next work when you write your slides (or papers). (KEEP ASKING QUESTIONS)</a:t>
+            </a:r>
+          </a:p>
+          <a:p>
+            <a:endParaRPr lang="en-US" altLang="zh-CN" dirty="0">
+              <a:latin typeface="Times" panose="02020603050405020304" pitchFamily="18" charset="0"/>
+            </a:endParaRPr>
+          </a:p>
+        </p:txBody>
+      </p:sp>
+      <p:sp>
+        <p:nvSpPr>
+          <p:cNvPr id="4" name="灯片编号占位符 3">
+            <a:extLst>
+              <a:ext uri="{FF2B5EF4-FFF2-40B4-BE49-F238E27FC236}">
+                <a16:creationId xmlns:a16="http://schemas.microsoft.com/office/drawing/2014/main" id="{FBB35F85-7F25-4178-A9E6-BD2032B15A95}"/>
               </a:ext>
             </a:extLst>
           </p:cNvPr>
@@ -4440,7 +4486,7 @@
     </p:spTree>
     <p:extLst>
       <p:ext uri="{BB962C8B-B14F-4D97-AF65-F5344CB8AC3E}">
-        <p14:creationId xmlns:p14="http://schemas.microsoft.com/office/powerpoint/2010/main" val="3993095335"/>
+        <p14:creationId xmlns:p14="http://schemas.microsoft.com/office/powerpoint/2010/main" val="1292896742"/>
       </p:ext>
     </p:extLst>
   </p:cSld>
@@ -4472,171 +4518,6 @@
           <p:cNvPr id="2" name="标题 1">
             <a:extLst>
               <a:ext uri="{FF2B5EF4-FFF2-40B4-BE49-F238E27FC236}">
-                <a16:creationId xmlns:a16="http://schemas.microsoft.com/office/drawing/2014/main" id="{4B1ED255-3DAB-4774-8F9E-9F310C0408D2}"/>
-              </a:ext>
-            </a:extLst>
-          </p:cNvPr>
-          <p:cNvSpPr>
-            <a:spLocks noGrp="1"/>
-          </p:cNvSpPr>
-          <p:nvPr>
-            <p:ph type="title"/>
-          </p:nvPr>
-        </p:nvSpPr>
-        <p:spPr>
-          <a:xfrm>
-            <a:off x="800594" y="136525"/>
-            <a:ext cx="10515600" cy="1325563"/>
-          </a:xfrm>
-        </p:spPr>
-        <p:txBody>
-          <a:bodyPr/>
-          <a:lstStyle/>
-          <a:p>
-            <a:pPr algn="ctr"/>
-            <a:r>
-              <a:rPr lang="en-US" altLang="zh-CN" dirty="0">
-                <a:latin typeface="Times New Roman" panose="02020603050405020304" pitchFamily="18" charset="0"/>
-                <a:cs typeface="Times New Roman" panose="02020603050405020304" pitchFamily="18" charset="0"/>
-              </a:rPr>
-              <a:t>Conclusion and Future Work</a:t>
-            </a:r>
-            <a:endParaRPr lang="zh-CN" altLang="en-US" dirty="0"/>
-          </a:p>
-        </p:txBody>
-      </p:sp>
-      <p:sp>
-        <p:nvSpPr>
-          <p:cNvPr id="3" name="内容占位符 2">
-            <a:extLst>
-              <a:ext uri="{FF2B5EF4-FFF2-40B4-BE49-F238E27FC236}">
-                <a16:creationId xmlns:a16="http://schemas.microsoft.com/office/drawing/2014/main" id="{0B4461AC-2581-44A9-AD45-B18BEACF7CF8}"/>
-              </a:ext>
-            </a:extLst>
-          </p:cNvPr>
-          <p:cNvSpPr>
-            <a:spLocks noGrp="1"/>
-          </p:cNvSpPr>
-          <p:nvPr>
-            <p:ph idx="1"/>
-          </p:nvPr>
-        </p:nvSpPr>
-        <p:spPr>
-          <a:xfrm>
-            <a:off x="505690" y="1421863"/>
-            <a:ext cx="10515600" cy="5192693"/>
-          </a:xfrm>
-        </p:spPr>
-        <p:txBody>
-          <a:bodyPr>
-            <a:normAutofit/>
-          </a:bodyPr>
-          <a:lstStyle/>
-          <a:p>
-            <a:r>
-              <a:rPr lang="en-US" altLang="zh-CN" dirty="0">
-                <a:latin typeface="Times" panose="02020603050405020304" pitchFamily="18" charset="0"/>
-              </a:rPr>
-              <a:t>Pretty standard. If step 1 to step 5 are perfectly done, this part can also be done perfectly.</a:t>
-            </a:r>
-          </a:p>
-          <a:p>
-            <a:endParaRPr lang="en-US" altLang="zh-CN" dirty="0">
-              <a:latin typeface="Times" panose="02020603050405020304" pitchFamily="18" charset="0"/>
-            </a:endParaRPr>
-          </a:p>
-          <a:p>
-            <a:r>
-              <a:rPr lang="en-US" altLang="zh-CN" dirty="0">
-                <a:latin typeface="Times" panose="02020603050405020304" pitchFamily="18" charset="0"/>
-              </a:rPr>
-              <a:t>Highlight your contribution.</a:t>
-            </a:r>
-          </a:p>
-          <a:p>
-            <a:endParaRPr lang="en-US" altLang="zh-CN" dirty="0">
-              <a:latin typeface="Times" panose="02020603050405020304" pitchFamily="18" charset="0"/>
-            </a:endParaRPr>
-          </a:p>
-          <a:p>
-            <a:r>
-              <a:rPr lang="en-US" altLang="zh-CN" dirty="0">
-                <a:latin typeface="Times" panose="02020603050405020304" pitchFamily="18" charset="0"/>
-              </a:rPr>
-              <a:t>State what you will do next. Think of your next work when you write your slides (or papers). (KEEP ASKING QUESTIONS)</a:t>
-            </a:r>
-          </a:p>
-          <a:p>
-            <a:endParaRPr lang="en-US" altLang="zh-CN" dirty="0">
-              <a:latin typeface="Times" panose="02020603050405020304" pitchFamily="18" charset="0"/>
-            </a:endParaRPr>
-          </a:p>
-        </p:txBody>
-      </p:sp>
-      <p:sp>
-        <p:nvSpPr>
-          <p:cNvPr id="4" name="灯片编号占位符 3">
-            <a:extLst>
-              <a:ext uri="{FF2B5EF4-FFF2-40B4-BE49-F238E27FC236}">
-                <a16:creationId xmlns:a16="http://schemas.microsoft.com/office/drawing/2014/main" id="{FBB35F85-7F25-4178-A9E6-BD2032B15A95}"/>
-              </a:ext>
-            </a:extLst>
-          </p:cNvPr>
-          <p:cNvSpPr>
-            <a:spLocks noGrp="1"/>
-          </p:cNvSpPr>
-          <p:nvPr>
-            <p:ph type="sldNum" sz="quarter" idx="12"/>
-          </p:nvPr>
-        </p:nvSpPr>
-        <p:spPr/>
-        <p:txBody>
-          <a:bodyPr/>
-          <a:lstStyle/>
-          <a:p>
-            <a:fld id="{3BAA0D2F-30BB-43E9-B553-3D3588F912D8}" type="slidenum">
-              <a:rPr lang="zh-CN" altLang="en-US" smtClean="0"/>
-              <a:t>14</a:t>
-            </a:fld>
-            <a:endParaRPr lang="zh-CN" altLang="en-US"/>
-          </a:p>
-        </p:txBody>
-      </p:sp>
-    </p:spTree>
-    <p:extLst>
-      <p:ext uri="{BB962C8B-B14F-4D97-AF65-F5344CB8AC3E}">
-        <p14:creationId xmlns:p14="http://schemas.microsoft.com/office/powerpoint/2010/main" val="1292896742"/>
-      </p:ext>
-    </p:extLst>
-  </p:cSld>
-  <p:clrMapOvr>
-    <a:masterClrMapping/>
-  </p:clrMapOvr>
-</p:sld>
-</file>
-
-<file path=ppt/slides/slide15.xml><?xml version="1.0" encoding="utf-8"?>
-<p:sld xmlns:a="http://schemas.openxmlformats.org/drawingml/2006/main" xmlns:r="http://schemas.openxmlformats.org/officeDocument/2006/relationships" xmlns:p="http://schemas.openxmlformats.org/presentationml/2006/main">
-  <p:cSld>
-    <p:spTree>
-      <p:nvGrpSpPr>
-        <p:cNvPr id="1" name=""/>
-        <p:cNvGrpSpPr/>
-        <p:nvPr/>
-      </p:nvGrpSpPr>
-      <p:grpSpPr>
-        <a:xfrm>
-          <a:off x="0" y="0"/>
-          <a:ext cx="0" cy="0"/>
-          <a:chOff x="0" y="0"/>
-          <a:chExt cx="0" cy="0"/>
-        </a:xfrm>
-      </p:grpSpPr>
-      <p:sp>
-        <p:nvSpPr>
-          <p:cNvPr id="2" name="标题 1">
-            <a:extLst>
-              <a:ext uri="{FF2B5EF4-FFF2-40B4-BE49-F238E27FC236}">
                 <a16:creationId xmlns:a16="http://schemas.microsoft.com/office/drawing/2014/main" id="{3659CBC0-3A4A-4F5F-B1CF-863199E34862}"/>
               </a:ext>
             </a:extLst>
@@ -4693,7 +4574,7 @@
           <a:p>
             <a:fld id="{3BAA0D2F-30BB-43E9-B553-3D3588F912D8}" type="slidenum">
               <a:rPr lang="zh-CN" altLang="en-US" smtClean="0"/>
-              <a:t>15</a:t>
+              <a:t>14</a:t>
             </a:fld>
             <a:endParaRPr lang="zh-CN" altLang="en-US"/>
           </a:p>
@@ -7432,6 +7313,695 @@
 </p:sld>
 </file>
 
+<file path=ppt/slides/slide15.xml><?xml version="1.0" encoding="utf-8"?>
+<p:sld xmlns:a="http://schemas.openxmlformats.org/drawingml/2006/main" xmlns:r="http://schemas.openxmlformats.org/officeDocument/2006/relationships" xmlns:p="http://schemas.openxmlformats.org/presentationml/2006/main">
+  <p:cSld>
+    <p:spTree>
+      <p:nvGrpSpPr>
+        <p:cNvPr id="1" name=""/>
+        <p:cNvGrpSpPr/>
+        <p:nvPr/>
+      </p:nvGrpSpPr>
+      <p:grpSpPr>
+        <a:xfrm>
+          <a:off x="0" y="0"/>
+          <a:ext cx="0" cy="0"/>
+          <a:chOff x="0" y="0"/>
+          <a:chExt cx="0" cy="0"/>
+        </a:xfrm>
+      </p:grpSpPr>
+      <p:sp>
+        <p:nvSpPr>
+          <p:cNvPr id="2" name="标题 1">
+            <a:extLst>
+              <a:ext uri="{FF2B5EF4-FFF2-40B4-BE49-F238E27FC236}">
+                <a16:creationId xmlns:a16="http://schemas.microsoft.com/office/drawing/2014/main" id="{841FA60D-996E-4DD3-81BC-806C2D18AEA9}"/>
+              </a:ext>
+            </a:extLst>
+          </p:cNvPr>
+          <p:cNvSpPr>
+            <a:spLocks noGrp="1"/>
+          </p:cNvSpPr>
+          <p:nvPr>
+            <p:ph type="title"/>
+          </p:nvPr>
+        </p:nvSpPr>
+        <p:spPr>
+          <a:xfrm>
+            <a:off x="838200" y="0"/>
+            <a:ext cx="10515600" cy="1325563"/>
+          </a:xfrm>
+        </p:spPr>
+        <p:txBody>
+          <a:bodyPr/>
+          <a:lstStyle/>
+          <a:p>
+            <a:pPr algn="ctr"/>
+            <a:r>
+              <a:rPr lang="en-US" altLang="zh-CN" dirty="0">
+                <a:latin typeface="Times New Roman" panose="02020603050405020304" pitchFamily="18" charset="0"/>
+                <a:cs typeface="Times New Roman" panose="02020603050405020304" pitchFamily="18" charset="0"/>
+              </a:rPr>
+              <a:t>Future Work with Good Quality</a:t>
+            </a:r>
+            <a:endParaRPr lang="zh-CN" altLang="en-US" dirty="0"/>
+          </a:p>
+        </p:txBody>
+      </p:sp>
+      <p:sp>
+        <p:nvSpPr>
+          <p:cNvPr id="3" name="内容占位符 2">
+            <a:extLst>
+              <a:ext uri="{FF2B5EF4-FFF2-40B4-BE49-F238E27FC236}">
+                <a16:creationId xmlns:a16="http://schemas.microsoft.com/office/drawing/2014/main" id="{C3CAB320-5387-4E0E-A470-50E299F8FEC7}"/>
+              </a:ext>
+            </a:extLst>
+          </p:cNvPr>
+          <p:cNvSpPr>
+            <a:spLocks noGrp="1"/>
+          </p:cNvSpPr>
+          <p:nvPr>
+            <p:ph idx="1"/>
+          </p:nvPr>
+        </p:nvSpPr>
+        <p:spPr>
+          <a:xfrm>
+            <a:off x="784860" y="1325563"/>
+            <a:ext cx="10515600" cy="5326380"/>
+          </a:xfrm>
+        </p:spPr>
+        <p:txBody>
+          <a:bodyPr>
+            <a:normAutofit/>
+          </a:bodyPr>
+          <a:lstStyle/>
+          <a:p>
+            <a:pPr marL="0" indent="0">
+              <a:buNone/>
+            </a:pPr>
+            <a:r>
+              <a:rPr lang="en-US" altLang="zh-CN" sz="1600" dirty="0">
+                <a:latin typeface="Times New Roman" panose="02020603050405020304" pitchFamily="18" charset="0"/>
+                <a:cs typeface="Times New Roman" panose="02020603050405020304" pitchFamily="18" charset="0"/>
+              </a:rPr>
+              <a:t>[a] </a:t>
+            </a:r>
+            <a:r>
+              <a:rPr lang="sv-SE" altLang="zh-CN" sz="1600" b="1" dirty="0">
+                <a:latin typeface="Times New Roman" panose="02020603050405020304" pitchFamily="18" charset="0"/>
+                <a:cs typeface="Times New Roman" panose="02020603050405020304" pitchFamily="18" charset="0"/>
+              </a:rPr>
+              <a:t>Tsz Nam Chan</a:t>
+            </a:r>
+            <a:r>
+              <a:rPr lang="sv-SE" altLang="zh-CN" sz="1600" dirty="0">
+                <a:latin typeface="Times New Roman" panose="02020603050405020304" pitchFamily="18" charset="0"/>
+                <a:cs typeface="Times New Roman" panose="02020603050405020304" pitchFamily="18" charset="0"/>
+              </a:rPr>
+              <a:t>, Man Lung Yiu, Leong Hou U: “KARL: Fast Kernel Aggregation Queries” </a:t>
+            </a:r>
+            <a:r>
+              <a:rPr lang="sv-SE" altLang="zh-CN" sz="1600" b="1" dirty="0">
+                <a:latin typeface="Times New Roman" panose="02020603050405020304" pitchFamily="18" charset="0"/>
+                <a:cs typeface="Times New Roman" panose="02020603050405020304" pitchFamily="18" charset="0"/>
+              </a:rPr>
+              <a:t>ICDE 2019</a:t>
+            </a:r>
+            <a:r>
+              <a:rPr lang="sv-SE" altLang="zh-CN" sz="1600" dirty="0">
+                <a:latin typeface="Times New Roman" panose="02020603050405020304" pitchFamily="18" charset="0"/>
+                <a:cs typeface="Times New Roman" panose="02020603050405020304" pitchFamily="18" charset="0"/>
+              </a:rPr>
+              <a:t>, pages 542-553</a:t>
+            </a:r>
+            <a:r>
+              <a:rPr lang="en-US" altLang="zh-CN" sz="1600" dirty="0">
+                <a:latin typeface="Times New Roman" panose="02020603050405020304" pitchFamily="18" charset="0"/>
+                <a:cs typeface="Times New Roman" panose="02020603050405020304" pitchFamily="18" charset="0"/>
+              </a:rPr>
+              <a:t>.</a:t>
+            </a:r>
+          </a:p>
+          <a:p>
+            <a:pPr marL="0" indent="0">
+              <a:buNone/>
+            </a:pPr>
+            <a:r>
+              <a:rPr lang="en-US" altLang="zh-CN" sz="1600" dirty="0">
+                <a:latin typeface="Times New Roman" panose="02020603050405020304" pitchFamily="18" charset="0"/>
+                <a:cs typeface="Times New Roman" panose="02020603050405020304" pitchFamily="18" charset="0"/>
+              </a:rPr>
+              <a:t>[b] </a:t>
+            </a:r>
+            <a:r>
+              <a:rPr lang="en-US" altLang="zh-CN" sz="1600" b="1" dirty="0">
+                <a:latin typeface="Times New Roman" panose="02020603050405020304" pitchFamily="18" charset="0"/>
+                <a:cs typeface="Times New Roman" panose="02020603050405020304" pitchFamily="18" charset="0"/>
+              </a:rPr>
+              <a:t>Tsz Nam Chan</a:t>
+            </a:r>
+            <a:r>
+              <a:rPr lang="en-US" altLang="zh-CN" sz="1600" dirty="0">
+                <a:latin typeface="Times New Roman" panose="02020603050405020304" pitchFamily="18" charset="0"/>
+                <a:cs typeface="Times New Roman" panose="02020603050405020304" pitchFamily="18" charset="0"/>
+              </a:rPr>
+              <a:t>, Reynold Cheng, Man Lung </a:t>
+            </a:r>
+            <a:r>
+              <a:rPr lang="en-US" altLang="zh-CN" sz="1600" dirty="0" err="1">
+                <a:latin typeface="Times New Roman" panose="02020603050405020304" pitchFamily="18" charset="0"/>
+                <a:cs typeface="Times New Roman" panose="02020603050405020304" pitchFamily="18" charset="0"/>
+              </a:rPr>
+              <a:t>Yiu</a:t>
+            </a:r>
+            <a:r>
+              <a:rPr lang="en-US" altLang="zh-CN" sz="1600" dirty="0">
+                <a:latin typeface="Times New Roman" panose="02020603050405020304" pitchFamily="18" charset="0"/>
+                <a:cs typeface="Times New Roman" panose="02020603050405020304" pitchFamily="18" charset="0"/>
+              </a:rPr>
+              <a:t>: “QUAD: Quadratic-Bound-Based Kernel Density Visualization” </a:t>
+            </a:r>
+            <a:r>
+              <a:rPr lang="en-US" altLang="zh-CN" sz="1600" b="1" dirty="0">
+                <a:latin typeface="Times New Roman" panose="02020603050405020304" pitchFamily="18" charset="0"/>
+                <a:cs typeface="Times New Roman" panose="02020603050405020304" pitchFamily="18" charset="0"/>
+              </a:rPr>
+              <a:t>SIGMOD 2020</a:t>
+            </a:r>
+            <a:r>
+              <a:rPr lang="en-US" altLang="zh-CN" sz="1600" dirty="0">
+                <a:latin typeface="Times New Roman" panose="02020603050405020304" pitchFamily="18" charset="0"/>
+                <a:cs typeface="Times New Roman" panose="02020603050405020304" pitchFamily="18" charset="0"/>
+              </a:rPr>
+              <a:t>, pages 35-50.</a:t>
+            </a:r>
+          </a:p>
+          <a:p>
+            <a:pPr marL="0" indent="0">
+              <a:buNone/>
+            </a:pPr>
+            <a:r>
+              <a:rPr lang="en-US" altLang="zh-CN" sz="1600" dirty="0">
+                <a:latin typeface="Times New Roman" panose="02020603050405020304" pitchFamily="18" charset="0"/>
+                <a:cs typeface="Times New Roman" panose="02020603050405020304" pitchFamily="18" charset="0"/>
+              </a:rPr>
+              <a:t>[c] </a:t>
+            </a:r>
+            <a:r>
+              <a:rPr lang="en-US" altLang="zh-CN" sz="1600" b="1" dirty="0">
+                <a:latin typeface="Times New Roman" panose="02020603050405020304" pitchFamily="18" charset="0"/>
+                <a:cs typeface="Times New Roman" panose="02020603050405020304" pitchFamily="18" charset="0"/>
+              </a:rPr>
+              <a:t>Tsz Nam Chan</a:t>
+            </a:r>
+            <a:r>
+              <a:rPr lang="en-US" altLang="zh-CN" sz="1600" dirty="0">
+                <a:latin typeface="Times New Roman" panose="02020603050405020304" pitchFamily="18" charset="0"/>
+                <a:cs typeface="Times New Roman" panose="02020603050405020304" pitchFamily="18" charset="0"/>
+              </a:rPr>
+              <a:t>, Leong Hou U, Reynold Cheng, Man Lung </a:t>
+            </a:r>
+            <a:r>
+              <a:rPr lang="en-US" altLang="zh-CN" sz="1600" dirty="0" err="1">
+                <a:latin typeface="Times New Roman" panose="02020603050405020304" pitchFamily="18" charset="0"/>
+                <a:cs typeface="Times New Roman" panose="02020603050405020304" pitchFamily="18" charset="0"/>
+              </a:rPr>
+              <a:t>Yiu</a:t>
+            </a:r>
+            <a:r>
+              <a:rPr lang="en-US" altLang="zh-CN" sz="1600" dirty="0">
+                <a:latin typeface="Times New Roman" panose="02020603050405020304" pitchFamily="18" charset="0"/>
+                <a:cs typeface="Times New Roman" panose="02020603050405020304" pitchFamily="18" charset="0"/>
+              </a:rPr>
+              <a:t>, </a:t>
+            </a:r>
+            <a:r>
+              <a:rPr lang="en-US" altLang="zh-CN" sz="1600" dirty="0" err="1">
+                <a:latin typeface="Times New Roman" panose="02020603050405020304" pitchFamily="18" charset="0"/>
+                <a:cs typeface="Times New Roman" panose="02020603050405020304" pitchFamily="18" charset="0"/>
+              </a:rPr>
+              <a:t>Shivansh</a:t>
+            </a:r>
+            <a:r>
+              <a:rPr lang="en-US" altLang="zh-CN" sz="1600" dirty="0">
+                <a:latin typeface="Times New Roman" panose="02020603050405020304" pitchFamily="18" charset="0"/>
+                <a:cs typeface="Times New Roman" panose="02020603050405020304" pitchFamily="18" charset="0"/>
+              </a:rPr>
+              <a:t> Mittal: “Efficient Algorithms for Kernel Aggregation Queries” </a:t>
+            </a:r>
+            <a:r>
+              <a:rPr lang="en-US" altLang="zh-CN" sz="1600" b="1" dirty="0">
+                <a:latin typeface="Times New Roman" panose="02020603050405020304" pitchFamily="18" charset="0"/>
+                <a:cs typeface="Times New Roman" panose="02020603050405020304" pitchFamily="18" charset="0"/>
+              </a:rPr>
+              <a:t>IEEE TKDE 2022</a:t>
+            </a:r>
+            <a:r>
+              <a:rPr lang="en-US" altLang="zh-CN" sz="1600" dirty="0">
+                <a:latin typeface="Times New Roman" panose="02020603050405020304" pitchFamily="18" charset="0"/>
+                <a:cs typeface="Times New Roman" panose="02020603050405020304" pitchFamily="18" charset="0"/>
+              </a:rPr>
+              <a:t> (vol 34), pages 2726-2739.</a:t>
+            </a:r>
+          </a:p>
+          <a:p>
+            <a:pPr marL="0" indent="0">
+              <a:buNone/>
+            </a:pPr>
+            <a:r>
+              <a:rPr lang="en-US" altLang="zh-CN" sz="1600" dirty="0">
+                <a:latin typeface="Times New Roman" panose="02020603050405020304" pitchFamily="18" charset="0"/>
+                <a:cs typeface="Times New Roman" panose="02020603050405020304" pitchFamily="18" charset="0"/>
+              </a:rPr>
+              <a:t>[d] </a:t>
+            </a:r>
+            <a:r>
+              <a:rPr lang="en-US" altLang="zh-CN" sz="1600" b="1" dirty="0">
+                <a:latin typeface="Times New Roman" panose="02020603050405020304" pitchFamily="18" charset="0"/>
+                <a:cs typeface="Times New Roman" panose="02020603050405020304" pitchFamily="18" charset="0"/>
+              </a:rPr>
+              <a:t>Tsz Nam Chan</a:t>
+            </a:r>
+            <a:r>
+              <a:rPr lang="en-US" altLang="zh-CN" sz="1600" dirty="0">
+                <a:latin typeface="Times New Roman" panose="02020603050405020304" pitchFamily="18" charset="0"/>
+                <a:cs typeface="Times New Roman" panose="02020603050405020304" pitchFamily="18" charset="0"/>
+              </a:rPr>
+              <a:t>, </a:t>
+            </a:r>
+            <a:r>
+              <a:rPr lang="en-US" altLang="zh-CN" sz="1600" dirty="0" err="1">
+                <a:latin typeface="Times New Roman" panose="02020603050405020304" pitchFamily="18" charset="0"/>
+                <a:cs typeface="Times New Roman" panose="02020603050405020304" pitchFamily="18" charset="0"/>
+              </a:rPr>
+              <a:t>Zhe</a:t>
+            </a:r>
+            <a:r>
+              <a:rPr lang="en-US" altLang="zh-CN" sz="1600" dirty="0">
+                <a:latin typeface="Times New Roman" panose="02020603050405020304" pitchFamily="18" charset="0"/>
+                <a:cs typeface="Times New Roman" panose="02020603050405020304" pitchFamily="18" charset="0"/>
+              </a:rPr>
+              <a:t> Li, Leong Hou U, Reynold Cheng: “PLAME: Piecewise-Linear Approximate Measure for Additive Kernel SVM” </a:t>
+            </a:r>
+            <a:r>
+              <a:rPr lang="en-US" altLang="zh-CN" sz="1600" b="1" dirty="0">
+                <a:latin typeface="Times New Roman" panose="02020603050405020304" pitchFamily="18" charset="0"/>
+                <a:cs typeface="Times New Roman" panose="02020603050405020304" pitchFamily="18" charset="0"/>
+              </a:rPr>
+              <a:t>IEEE TKDE 2023</a:t>
+            </a:r>
+            <a:r>
+              <a:rPr lang="en-US" altLang="zh-CN" sz="1600" dirty="0">
+                <a:latin typeface="Times New Roman" panose="02020603050405020304" pitchFamily="18" charset="0"/>
+                <a:cs typeface="Times New Roman" panose="02020603050405020304" pitchFamily="18" charset="0"/>
+              </a:rPr>
+              <a:t> (vol. 35), pages 9985-9997.</a:t>
+            </a:r>
+          </a:p>
+          <a:p>
+            <a:pPr marL="0" indent="0">
+              <a:buNone/>
+            </a:pPr>
+            <a:r>
+              <a:rPr lang="en-US" altLang="zh-CN" sz="1600" dirty="0">
+                <a:latin typeface="Times New Roman" panose="02020603050405020304" pitchFamily="18" charset="0"/>
+                <a:cs typeface="Times New Roman" panose="02020603050405020304" pitchFamily="18" charset="0"/>
+              </a:rPr>
+              <a:t>[e] </a:t>
+            </a:r>
+            <a:r>
+              <a:rPr lang="en-US" altLang="zh-CN" sz="1600" b="1" dirty="0">
+                <a:latin typeface="Times New Roman" panose="02020603050405020304" pitchFamily="18" charset="0"/>
+                <a:cs typeface="Times New Roman" panose="02020603050405020304" pitchFamily="18" charset="0"/>
+              </a:rPr>
+              <a:t>Tsz Nam Chan</a:t>
+            </a:r>
+            <a:r>
+              <a:rPr lang="en-US" altLang="zh-CN" sz="1600" dirty="0">
+                <a:latin typeface="Times New Roman" panose="02020603050405020304" pitchFamily="18" charset="0"/>
+                <a:cs typeface="Times New Roman" panose="02020603050405020304" pitchFamily="18" charset="0"/>
+              </a:rPr>
+              <a:t>, Pak Lon Ip, Leong Hou U, Weng Hou Tong, </a:t>
+            </a:r>
+            <a:r>
+              <a:rPr lang="en-US" altLang="zh-CN" sz="1600" dirty="0" err="1">
+                <a:latin typeface="Times New Roman" panose="02020603050405020304" pitchFamily="18" charset="0"/>
+                <a:cs typeface="Times New Roman" panose="02020603050405020304" pitchFamily="18" charset="0"/>
+              </a:rPr>
+              <a:t>Shivansh</a:t>
+            </a:r>
+            <a:r>
+              <a:rPr lang="en-US" altLang="zh-CN" sz="1600" dirty="0">
+                <a:latin typeface="Times New Roman" panose="02020603050405020304" pitchFamily="18" charset="0"/>
+                <a:cs typeface="Times New Roman" panose="02020603050405020304" pitchFamily="18" charset="0"/>
+              </a:rPr>
+              <a:t> Mittal, Ye Li, Reynold Cheng: “KDV-Explorer: A Near Real-Time Kernel Density Visualization System for Spatial Analysis” </a:t>
+            </a:r>
+            <a:r>
+              <a:rPr lang="en-US" altLang="zh-CN" sz="1600" b="1" dirty="0">
+                <a:latin typeface="Times New Roman" panose="02020603050405020304" pitchFamily="18" charset="0"/>
+                <a:cs typeface="Times New Roman" panose="02020603050405020304" pitchFamily="18" charset="0"/>
+              </a:rPr>
+              <a:t>PVLDB 2021</a:t>
+            </a:r>
+            <a:r>
+              <a:rPr lang="en-US" altLang="zh-CN" sz="1600" dirty="0">
+                <a:latin typeface="Times New Roman" panose="02020603050405020304" pitchFamily="18" charset="0"/>
+                <a:cs typeface="Times New Roman" panose="02020603050405020304" pitchFamily="18" charset="0"/>
+              </a:rPr>
+              <a:t> (vol 14), pages 2655-2658 (Demo track).</a:t>
+            </a:r>
+          </a:p>
+          <a:p>
+            <a:pPr marL="0" indent="0">
+              <a:buNone/>
+            </a:pPr>
+            <a:r>
+              <a:rPr lang="en-US" altLang="zh-CN" sz="1600" dirty="0">
+                <a:latin typeface="Times New Roman" panose="02020603050405020304" pitchFamily="18" charset="0"/>
+                <a:cs typeface="Times New Roman" panose="02020603050405020304" pitchFamily="18" charset="0"/>
+              </a:rPr>
+              <a:t>[f] </a:t>
+            </a:r>
+            <a:r>
+              <a:rPr lang="en-US" altLang="zh-CN" sz="1600" b="1" dirty="0">
+                <a:latin typeface="Times New Roman" panose="02020603050405020304" pitchFamily="18" charset="0"/>
+                <a:cs typeface="Times New Roman" panose="02020603050405020304" pitchFamily="18" charset="0"/>
+              </a:rPr>
+              <a:t>Tsz Nam Chan</a:t>
+            </a:r>
+            <a:r>
+              <a:rPr lang="en-US" altLang="zh-CN" sz="1600" dirty="0">
+                <a:latin typeface="Times New Roman" panose="02020603050405020304" pitchFamily="18" charset="0"/>
+                <a:cs typeface="Times New Roman" panose="02020603050405020304" pitchFamily="18" charset="0"/>
+              </a:rPr>
+              <a:t>, </a:t>
+            </a:r>
+            <a:r>
+              <a:rPr lang="en-US" altLang="zh-CN" sz="1600" dirty="0" err="1">
+                <a:latin typeface="Times New Roman" panose="02020603050405020304" pitchFamily="18" charset="0"/>
+                <a:cs typeface="Times New Roman" panose="02020603050405020304" pitchFamily="18" charset="0"/>
+              </a:rPr>
+              <a:t>Zhe</a:t>
+            </a:r>
+            <a:r>
+              <a:rPr lang="en-US" altLang="zh-CN" sz="1600" dirty="0">
+                <a:latin typeface="Times New Roman" panose="02020603050405020304" pitchFamily="18" charset="0"/>
+                <a:cs typeface="Times New Roman" panose="02020603050405020304" pitchFamily="18" charset="0"/>
+              </a:rPr>
+              <a:t> Li, Leong Hou U, </a:t>
+            </a:r>
+            <a:r>
+              <a:rPr lang="en-US" altLang="zh-CN" sz="1600" dirty="0" err="1">
+                <a:latin typeface="Times New Roman" panose="02020603050405020304" pitchFamily="18" charset="0"/>
+                <a:cs typeface="Times New Roman" panose="02020603050405020304" pitchFamily="18" charset="0"/>
+              </a:rPr>
+              <a:t>Jianliang</a:t>
+            </a:r>
+            <a:r>
+              <a:rPr lang="en-US" altLang="zh-CN" sz="1600" dirty="0">
+                <a:latin typeface="Times New Roman" panose="02020603050405020304" pitchFamily="18" charset="0"/>
+                <a:cs typeface="Times New Roman" panose="02020603050405020304" pitchFamily="18" charset="0"/>
+              </a:rPr>
+              <a:t> Xu, Reynold Cheng: “Fast Augmentation Algorithms for Network Kernel Density Visualization” </a:t>
+            </a:r>
+            <a:r>
+              <a:rPr lang="en-US" altLang="zh-CN" sz="1600" b="1" dirty="0">
+                <a:latin typeface="Times New Roman" panose="02020603050405020304" pitchFamily="18" charset="0"/>
+                <a:cs typeface="Times New Roman" panose="02020603050405020304" pitchFamily="18" charset="0"/>
+              </a:rPr>
+              <a:t>PVLDB 2021</a:t>
+            </a:r>
+            <a:r>
+              <a:rPr lang="en-US" altLang="zh-CN" sz="1600" dirty="0">
+                <a:latin typeface="Times New Roman" panose="02020603050405020304" pitchFamily="18" charset="0"/>
+                <a:cs typeface="Times New Roman" panose="02020603050405020304" pitchFamily="18" charset="0"/>
+              </a:rPr>
+              <a:t> (vol 14), pages 1503-1516.</a:t>
+            </a:r>
+          </a:p>
+          <a:p>
+            <a:pPr marL="0" indent="0">
+              <a:buNone/>
+            </a:pPr>
+            <a:r>
+              <a:rPr lang="en-US" altLang="zh-CN" sz="1600" dirty="0">
+                <a:latin typeface="Times New Roman" panose="02020603050405020304" pitchFamily="18" charset="0"/>
+                <a:cs typeface="Times New Roman" panose="02020603050405020304" pitchFamily="18" charset="0"/>
+              </a:rPr>
+              <a:t>[g] </a:t>
+            </a:r>
+            <a:r>
+              <a:rPr lang="en-US" altLang="zh-CN" sz="1600" b="1" dirty="0">
+                <a:latin typeface="Times New Roman" panose="02020603050405020304" pitchFamily="18" charset="0"/>
+                <a:cs typeface="Times New Roman" panose="02020603050405020304" pitchFamily="18" charset="0"/>
+              </a:rPr>
+              <a:t>Tsz Nam Chan</a:t>
+            </a:r>
+            <a:r>
+              <a:rPr lang="en-US" altLang="zh-CN" sz="1600" dirty="0">
+                <a:latin typeface="Times New Roman" panose="02020603050405020304" pitchFamily="18" charset="0"/>
+                <a:cs typeface="Times New Roman" panose="02020603050405020304" pitchFamily="18" charset="0"/>
+              </a:rPr>
+              <a:t>, Pak Lon Ip, Leong Hou U, Byron Choi, </a:t>
+            </a:r>
+            <a:r>
+              <a:rPr lang="en-US" altLang="zh-CN" sz="1600" dirty="0" err="1">
+                <a:latin typeface="Times New Roman" panose="02020603050405020304" pitchFamily="18" charset="0"/>
+                <a:cs typeface="Times New Roman" panose="02020603050405020304" pitchFamily="18" charset="0"/>
+              </a:rPr>
+              <a:t>Jianliang</a:t>
+            </a:r>
+            <a:r>
+              <a:rPr lang="en-US" altLang="zh-CN" sz="1600" dirty="0">
+                <a:latin typeface="Times New Roman" panose="02020603050405020304" pitchFamily="18" charset="0"/>
+                <a:cs typeface="Times New Roman" panose="02020603050405020304" pitchFamily="18" charset="0"/>
+              </a:rPr>
+              <a:t> Xu: “SWS: A Complexity-Optimized Solution for Spatial-Temporal Kernel Density Visualization” </a:t>
+            </a:r>
+            <a:r>
+              <a:rPr lang="en-US" altLang="zh-CN" sz="1600" b="1" dirty="0">
+                <a:latin typeface="Times New Roman" panose="02020603050405020304" pitchFamily="18" charset="0"/>
+                <a:cs typeface="Times New Roman" panose="02020603050405020304" pitchFamily="18" charset="0"/>
+              </a:rPr>
+              <a:t>PVLDB 2022 </a:t>
+            </a:r>
+            <a:r>
+              <a:rPr lang="en-US" altLang="zh-CN" sz="1600" dirty="0">
+                <a:latin typeface="Times New Roman" panose="02020603050405020304" pitchFamily="18" charset="0"/>
+                <a:cs typeface="Times New Roman" panose="02020603050405020304" pitchFamily="18" charset="0"/>
+              </a:rPr>
+              <a:t>(vol 15), pages 814-827.</a:t>
+            </a:r>
+          </a:p>
+          <a:p>
+            <a:pPr marL="0" indent="0">
+              <a:buNone/>
+            </a:pPr>
+            <a:r>
+              <a:rPr lang="en-US" altLang="zh-CN" sz="1600" dirty="0">
+                <a:latin typeface="Times New Roman" panose="02020603050405020304" pitchFamily="18" charset="0"/>
+                <a:cs typeface="Times New Roman" panose="02020603050405020304" pitchFamily="18" charset="0"/>
+              </a:rPr>
+              <a:t>[h] </a:t>
+            </a:r>
+            <a:r>
+              <a:rPr lang="en-US" altLang="zh-CN" sz="1600" b="1" dirty="0">
+                <a:latin typeface="Times New Roman" panose="02020603050405020304" pitchFamily="18" charset="0"/>
+                <a:cs typeface="Times New Roman" panose="02020603050405020304" pitchFamily="18" charset="0"/>
+              </a:rPr>
+              <a:t>Tsz Nam Chan</a:t>
+            </a:r>
+            <a:r>
+              <a:rPr lang="en-US" altLang="zh-CN" sz="1600" dirty="0">
+                <a:latin typeface="Times New Roman" panose="02020603050405020304" pitchFamily="18" charset="0"/>
+                <a:cs typeface="Times New Roman" panose="02020603050405020304" pitchFamily="18" charset="0"/>
+              </a:rPr>
+              <a:t>, Pak Lon Ip, Leong Hou U, Byron Choi, </a:t>
+            </a:r>
+            <a:r>
+              <a:rPr lang="en-US" altLang="zh-CN" sz="1600" dirty="0" err="1">
+                <a:latin typeface="Times New Roman" panose="02020603050405020304" pitchFamily="18" charset="0"/>
+                <a:cs typeface="Times New Roman" panose="02020603050405020304" pitchFamily="18" charset="0"/>
+              </a:rPr>
+              <a:t>Jianliang</a:t>
+            </a:r>
+            <a:r>
+              <a:rPr lang="en-US" altLang="zh-CN" sz="1600" dirty="0">
+                <a:latin typeface="Times New Roman" panose="02020603050405020304" pitchFamily="18" charset="0"/>
+                <a:cs typeface="Times New Roman" panose="02020603050405020304" pitchFamily="18" charset="0"/>
+              </a:rPr>
+              <a:t> Xu: “SAFE: A Share-and-Aggregate Bandwidth Exploration Framework for Kernel Density Visualization” </a:t>
+            </a:r>
+            <a:r>
+              <a:rPr lang="en-US" altLang="zh-CN" sz="1600" b="1" dirty="0">
+                <a:latin typeface="Times New Roman" panose="02020603050405020304" pitchFamily="18" charset="0"/>
+                <a:cs typeface="Times New Roman" panose="02020603050405020304" pitchFamily="18" charset="0"/>
+              </a:rPr>
+              <a:t>PVLDB 2022</a:t>
+            </a:r>
+            <a:r>
+              <a:rPr lang="en-US" altLang="zh-CN" sz="1600" dirty="0">
+                <a:latin typeface="Times New Roman" panose="02020603050405020304" pitchFamily="18" charset="0"/>
+                <a:cs typeface="Times New Roman" panose="02020603050405020304" pitchFamily="18" charset="0"/>
+              </a:rPr>
+              <a:t> (vol 15), pages 513-526.</a:t>
+            </a:r>
+          </a:p>
+          <a:p>
+            <a:pPr marL="0" indent="0">
+              <a:buNone/>
+            </a:pPr>
+            <a:r>
+              <a:rPr lang="en-US" altLang="zh-CN" sz="1600" dirty="0">
+                <a:latin typeface="Times New Roman" panose="02020603050405020304" pitchFamily="18" charset="0"/>
+                <a:cs typeface="Times New Roman" panose="02020603050405020304" pitchFamily="18" charset="0"/>
+              </a:rPr>
+              <a:t>[</a:t>
+            </a:r>
+            <a:r>
+              <a:rPr lang="en-US" altLang="zh-CN" sz="1600" dirty="0" err="1">
+                <a:latin typeface="Times New Roman" panose="02020603050405020304" pitchFamily="18" charset="0"/>
+                <a:cs typeface="Times New Roman" panose="02020603050405020304" pitchFamily="18" charset="0"/>
+              </a:rPr>
+              <a:t>i</a:t>
+            </a:r>
+            <a:r>
+              <a:rPr lang="en-US" altLang="zh-CN" sz="1600" dirty="0">
+                <a:latin typeface="Times New Roman" panose="02020603050405020304" pitchFamily="18" charset="0"/>
+                <a:cs typeface="Times New Roman" panose="02020603050405020304" pitchFamily="18" charset="0"/>
+              </a:rPr>
+              <a:t>] </a:t>
+            </a:r>
+            <a:r>
+              <a:rPr lang="en-US" altLang="zh-CN" sz="1600" b="1" dirty="0">
+                <a:latin typeface="Times New Roman" panose="02020603050405020304" pitchFamily="18" charset="0"/>
+                <a:cs typeface="Times New Roman" panose="02020603050405020304" pitchFamily="18" charset="0"/>
+              </a:rPr>
+              <a:t>Tsz Nam Chan</a:t>
+            </a:r>
+            <a:r>
+              <a:rPr lang="en-US" altLang="zh-CN" sz="1600" dirty="0">
+                <a:latin typeface="Times New Roman" panose="02020603050405020304" pitchFamily="18" charset="0"/>
+                <a:cs typeface="Times New Roman" panose="02020603050405020304" pitchFamily="18" charset="0"/>
+              </a:rPr>
+              <a:t>, Leong Hou U, Byron Choi, </a:t>
+            </a:r>
+            <a:r>
+              <a:rPr lang="en-US" altLang="zh-CN" sz="1600" dirty="0" err="1">
+                <a:latin typeface="Times New Roman" panose="02020603050405020304" pitchFamily="18" charset="0"/>
+                <a:cs typeface="Times New Roman" panose="02020603050405020304" pitchFamily="18" charset="0"/>
+              </a:rPr>
+              <a:t>Jianliang</a:t>
+            </a:r>
+            <a:r>
+              <a:rPr lang="en-US" altLang="zh-CN" sz="1600" dirty="0">
+                <a:latin typeface="Times New Roman" panose="02020603050405020304" pitchFamily="18" charset="0"/>
+                <a:cs typeface="Times New Roman" panose="02020603050405020304" pitchFamily="18" charset="0"/>
+              </a:rPr>
+              <a:t> Xu: “SLAM: Efficient Sweep Line Algorithms for Kernel Density Visualization” </a:t>
+            </a:r>
+            <a:r>
+              <a:rPr lang="en-US" altLang="zh-CN" sz="1600" b="1" dirty="0">
+                <a:latin typeface="Times New Roman" panose="02020603050405020304" pitchFamily="18" charset="0"/>
+                <a:cs typeface="Times New Roman" panose="02020603050405020304" pitchFamily="18" charset="0"/>
+              </a:rPr>
+              <a:t>SIGMOD 2022</a:t>
+            </a:r>
+            <a:r>
+              <a:rPr lang="en-US" altLang="zh-CN" sz="1600" dirty="0">
+                <a:latin typeface="Times New Roman" panose="02020603050405020304" pitchFamily="18" charset="0"/>
+                <a:cs typeface="Times New Roman" panose="02020603050405020304" pitchFamily="18" charset="0"/>
+              </a:rPr>
+              <a:t>, pages 2120-2134.</a:t>
+            </a:r>
+          </a:p>
+        </p:txBody>
+      </p:sp>
+      <p:sp>
+        <p:nvSpPr>
+          <p:cNvPr id="4" name="灯片编号占位符 3">
+            <a:extLst>
+              <a:ext uri="{FF2B5EF4-FFF2-40B4-BE49-F238E27FC236}">
+                <a16:creationId xmlns:a16="http://schemas.microsoft.com/office/drawing/2014/main" id="{3253271A-0DF1-4E39-9566-F3ED45CD683A}"/>
+              </a:ext>
+            </a:extLst>
+          </p:cNvPr>
+          <p:cNvSpPr>
+            <a:spLocks noGrp="1"/>
+          </p:cNvSpPr>
+          <p:nvPr>
+            <p:ph type="sldNum" sz="quarter" idx="12"/>
+          </p:nvPr>
+        </p:nvSpPr>
+        <p:spPr/>
+        <p:txBody>
+          <a:bodyPr/>
+          <a:lstStyle/>
+          <a:p>
+            <a:fld id="{3BAA0D2F-30BB-43E9-B553-3D3588F912D8}" type="slidenum">
+              <a:rPr lang="zh-CN" altLang="en-US" smtClean="0"/>
+              <a:t>15</a:t>
+            </a:fld>
+            <a:endParaRPr lang="zh-CN" altLang="en-US"/>
+          </a:p>
+        </p:txBody>
+      </p:sp>
+      <p:sp>
+        <p:nvSpPr>
+          <p:cNvPr id="5" name="文本框 4">
+            <a:extLst>
+              <a:ext uri="{FF2B5EF4-FFF2-40B4-BE49-F238E27FC236}">
+                <a16:creationId xmlns:a16="http://schemas.microsoft.com/office/drawing/2014/main" id="{197EF022-58BF-437B-8CF4-0933D58A235D}"/>
+              </a:ext>
+            </a:extLst>
+          </p:cNvPr>
+          <p:cNvSpPr txBox="1"/>
+          <p:nvPr/>
+        </p:nvSpPr>
+        <p:spPr>
+          <a:xfrm rot="5400000">
+            <a:off x="5565606" y="6371739"/>
+            <a:ext cx="492443" cy="461665"/>
+          </a:xfrm>
+          <a:prstGeom prst="rect">
+            <a:avLst/>
+          </a:prstGeom>
+          <a:noFill/>
+        </p:spPr>
+        <p:txBody>
+          <a:bodyPr wrap="none" rtlCol="0">
+            <a:spAutoFit/>
+          </a:bodyPr>
+          <a:lstStyle/>
+          <a:p>
+            <a:r>
+              <a:rPr lang="en-US" altLang="zh-CN" sz="2400" b="1" dirty="0">
+                <a:latin typeface="Times New Roman" panose="02020603050405020304" pitchFamily="18" charset="0"/>
+                <a:cs typeface="Times New Roman" panose="02020603050405020304" pitchFamily="18" charset="0"/>
+              </a:rPr>
+              <a:t>…</a:t>
+            </a:r>
+            <a:endParaRPr lang="zh-CN" altLang="en-US" sz="2400" b="1" dirty="0">
+              <a:latin typeface="Times New Roman" panose="02020603050405020304" pitchFamily="18" charset="0"/>
+              <a:cs typeface="Times New Roman" panose="02020603050405020304" pitchFamily="18" charset="0"/>
+            </a:endParaRPr>
+          </a:p>
+        </p:txBody>
+      </p:sp>
+    </p:spTree>
+    <p:extLst>
+      <p:ext uri="{BB962C8B-B14F-4D97-AF65-F5344CB8AC3E}">
+        <p14:creationId xmlns:p14="http://schemas.microsoft.com/office/powerpoint/2010/main" val="332620596"/>
+      </p:ext>
+    </p:extLst>
+  </p:cSld>
+  <p:clrMapOvr>
+    <a:masterClrMapping/>
+  </p:clrMapOvr>
+</p:sld>
+</file>
+
 <file path=ppt/slides/slide16.xml><?xml version="1.0" encoding="utf-8"?>
 <p:sld xmlns:a="http://schemas.openxmlformats.org/drawingml/2006/main" xmlns:r="http://schemas.openxmlformats.org/officeDocument/2006/relationships" xmlns:p="http://schemas.openxmlformats.org/presentationml/2006/main">
   <p:cSld>
@@ -7454,7 +8024,7 @@
           <p:cNvPr id="2" name="标题 1">
             <a:extLst>
               <a:ext uri="{FF2B5EF4-FFF2-40B4-BE49-F238E27FC236}">
-                <a16:creationId xmlns:a16="http://schemas.microsoft.com/office/drawing/2014/main" id="{841FA60D-996E-4DD3-81BC-806C2D18AEA9}"/>
+                <a16:creationId xmlns:a16="http://schemas.microsoft.com/office/drawing/2014/main" id="{98C7BBEB-DFE3-465D-B3FB-33EB876AA1BE}"/>
               </a:ext>
             </a:extLst>
           </p:cNvPr>
@@ -7463,50 +8033,48 @@
           </p:cNvSpPr>
           <p:nvPr>
             <p:ph type="title"/>
+          </p:nvPr>
+        </p:nvSpPr>
+        <p:spPr/>
+        <p:txBody>
+          <a:bodyPr/>
+          <a:lstStyle/>
+          <a:p>
+            <a:pPr algn="ctr"/>
+            <a:r>
+              <a:rPr lang="en-US" altLang="zh-CN" dirty="0">
+                <a:latin typeface="Times New Roman" panose="02020603050405020304" pitchFamily="18" charset="0"/>
+                <a:cs typeface="Times New Roman" panose="02020603050405020304" pitchFamily="18" charset="0"/>
+              </a:rPr>
+              <a:t>Somethings that You Should Do</a:t>
+            </a:r>
+            <a:endParaRPr lang="zh-CN" altLang="en-US" dirty="0">
+              <a:latin typeface="Times New Roman" panose="02020603050405020304" pitchFamily="18" charset="0"/>
+              <a:cs typeface="Times New Roman" panose="02020603050405020304" pitchFamily="18" charset="0"/>
+            </a:endParaRPr>
+          </a:p>
+        </p:txBody>
+      </p:sp>
+      <p:sp>
+        <p:nvSpPr>
+          <p:cNvPr id="3" name="内容占位符 2">
+            <a:extLst>
+              <a:ext uri="{FF2B5EF4-FFF2-40B4-BE49-F238E27FC236}">
+                <a16:creationId xmlns:a16="http://schemas.microsoft.com/office/drawing/2014/main" id="{F041FFEC-5DF9-40C4-BF62-21730B5A2054}"/>
+              </a:ext>
+            </a:extLst>
+          </p:cNvPr>
+          <p:cNvSpPr>
+            <a:spLocks noGrp="1"/>
+          </p:cNvSpPr>
+          <p:nvPr>
+            <p:ph idx="1"/>
           </p:nvPr>
         </p:nvSpPr>
         <p:spPr>
           <a:xfrm>
-            <a:off x="838200" y="0"/>
-            <a:ext cx="10515600" cy="1325563"/>
-          </a:xfrm>
-        </p:spPr>
-        <p:txBody>
-          <a:bodyPr/>
-          <a:lstStyle/>
-          <a:p>
-            <a:pPr algn="ctr"/>
-            <a:r>
-              <a:rPr lang="en-US" altLang="zh-CN" dirty="0">
-                <a:latin typeface="Times New Roman" panose="02020603050405020304" pitchFamily="18" charset="0"/>
-                <a:cs typeface="Times New Roman" panose="02020603050405020304" pitchFamily="18" charset="0"/>
-              </a:rPr>
-              <a:t>Future Work with Good Quality</a:t>
-            </a:r>
-            <a:endParaRPr lang="zh-CN" altLang="en-US" dirty="0"/>
-          </a:p>
-        </p:txBody>
-      </p:sp>
-      <p:sp>
-        <p:nvSpPr>
-          <p:cNvPr id="3" name="内容占位符 2">
-            <a:extLst>
-              <a:ext uri="{FF2B5EF4-FFF2-40B4-BE49-F238E27FC236}">
-                <a16:creationId xmlns:a16="http://schemas.microsoft.com/office/drawing/2014/main" id="{C3CAB320-5387-4E0E-A470-50E299F8FEC7}"/>
-              </a:ext>
-            </a:extLst>
-          </p:cNvPr>
-          <p:cNvSpPr>
-            <a:spLocks noGrp="1"/>
-          </p:cNvSpPr>
-          <p:nvPr>
-            <p:ph idx="1"/>
-          </p:nvPr>
-        </p:nvSpPr>
-        <p:spPr>
-          <a:xfrm>
-            <a:off x="784860" y="1325563"/>
-            <a:ext cx="10515600" cy="5326380"/>
+            <a:off x="838200" y="1690688"/>
+            <a:ext cx="10805160" cy="5014912"/>
           </a:xfrm>
         </p:spPr>
         <p:txBody>
@@ -7515,524 +8083,72 @@
           </a:bodyPr>
           <a:lstStyle/>
           <a:p>
-            <a:pPr marL="0" indent="0">
-              <a:buNone/>
-            </a:pPr>
-            <a:r>
-              <a:rPr lang="en-US" altLang="zh-CN" sz="1600" dirty="0">
-                <a:latin typeface="Times New Roman" panose="02020603050405020304" pitchFamily="18" charset="0"/>
-                <a:cs typeface="Times New Roman" panose="02020603050405020304" pitchFamily="18" charset="0"/>
-              </a:rPr>
-              <a:t>[a] </a:t>
-            </a:r>
-            <a:r>
-              <a:rPr lang="sv-SE" altLang="zh-CN" sz="1600" b="1" dirty="0">
-                <a:latin typeface="Times New Roman" panose="02020603050405020304" pitchFamily="18" charset="0"/>
-                <a:cs typeface="Times New Roman" panose="02020603050405020304" pitchFamily="18" charset="0"/>
-              </a:rPr>
-              <a:t>Tsz Nam Chan</a:t>
-            </a:r>
-            <a:r>
-              <a:rPr lang="sv-SE" altLang="zh-CN" sz="1600" dirty="0">
-                <a:latin typeface="Times New Roman" panose="02020603050405020304" pitchFamily="18" charset="0"/>
-                <a:cs typeface="Times New Roman" panose="02020603050405020304" pitchFamily="18" charset="0"/>
-              </a:rPr>
-              <a:t>, Man Lung Yiu, Leong Hou U: “KARL: Fast Kernel Aggregation Queries” </a:t>
-            </a:r>
-            <a:r>
-              <a:rPr lang="sv-SE" altLang="zh-CN" sz="1600" b="1" dirty="0">
-                <a:latin typeface="Times New Roman" panose="02020603050405020304" pitchFamily="18" charset="0"/>
-                <a:cs typeface="Times New Roman" panose="02020603050405020304" pitchFamily="18" charset="0"/>
-              </a:rPr>
-              <a:t>ICDE 2019</a:t>
-            </a:r>
-            <a:r>
-              <a:rPr lang="sv-SE" altLang="zh-CN" sz="1600" dirty="0">
-                <a:latin typeface="Times New Roman" panose="02020603050405020304" pitchFamily="18" charset="0"/>
-                <a:cs typeface="Times New Roman" panose="02020603050405020304" pitchFamily="18" charset="0"/>
-              </a:rPr>
-              <a:t>, pages 542-553</a:t>
-            </a:r>
-            <a:r>
-              <a:rPr lang="en-US" altLang="zh-CN" sz="1600" dirty="0">
-                <a:latin typeface="Times New Roman" panose="02020603050405020304" pitchFamily="18" charset="0"/>
-                <a:cs typeface="Times New Roman" panose="02020603050405020304" pitchFamily="18" charset="0"/>
-              </a:rPr>
-              <a:t>.</a:t>
-            </a:r>
-          </a:p>
-          <a:p>
-            <a:pPr marL="0" indent="0">
-              <a:buNone/>
-            </a:pPr>
-            <a:r>
-              <a:rPr lang="en-US" altLang="zh-CN" sz="1600" dirty="0">
-                <a:latin typeface="Times New Roman" panose="02020603050405020304" pitchFamily="18" charset="0"/>
-                <a:cs typeface="Times New Roman" panose="02020603050405020304" pitchFamily="18" charset="0"/>
-              </a:rPr>
-              <a:t>[b] </a:t>
-            </a:r>
-            <a:r>
-              <a:rPr lang="en-US" altLang="zh-CN" sz="1600" b="1" dirty="0">
-                <a:latin typeface="Times New Roman" panose="02020603050405020304" pitchFamily="18" charset="0"/>
-                <a:cs typeface="Times New Roman" panose="02020603050405020304" pitchFamily="18" charset="0"/>
-              </a:rPr>
-              <a:t>Tsz Nam Chan</a:t>
-            </a:r>
-            <a:r>
-              <a:rPr lang="en-US" altLang="zh-CN" sz="1600" dirty="0">
-                <a:latin typeface="Times New Roman" panose="02020603050405020304" pitchFamily="18" charset="0"/>
-                <a:cs typeface="Times New Roman" panose="02020603050405020304" pitchFamily="18" charset="0"/>
-              </a:rPr>
-              <a:t>, Reynold Cheng, Man Lung </a:t>
-            </a:r>
-            <a:r>
-              <a:rPr lang="en-US" altLang="zh-CN" sz="1600" dirty="0" err="1">
-                <a:latin typeface="Times New Roman" panose="02020603050405020304" pitchFamily="18" charset="0"/>
-                <a:cs typeface="Times New Roman" panose="02020603050405020304" pitchFamily="18" charset="0"/>
-              </a:rPr>
-              <a:t>Yiu</a:t>
-            </a:r>
-            <a:r>
-              <a:rPr lang="en-US" altLang="zh-CN" sz="1600" dirty="0">
-                <a:latin typeface="Times New Roman" panose="02020603050405020304" pitchFamily="18" charset="0"/>
-                <a:cs typeface="Times New Roman" panose="02020603050405020304" pitchFamily="18" charset="0"/>
-              </a:rPr>
-              <a:t>: “QUAD: Quadratic-Bound-Based Kernel Density Visualization” </a:t>
-            </a:r>
-            <a:r>
-              <a:rPr lang="en-US" altLang="zh-CN" sz="1600" b="1" dirty="0">
-                <a:latin typeface="Times New Roman" panose="02020603050405020304" pitchFamily="18" charset="0"/>
-                <a:cs typeface="Times New Roman" panose="02020603050405020304" pitchFamily="18" charset="0"/>
-              </a:rPr>
-              <a:t>SIGMOD 2020</a:t>
-            </a:r>
-            <a:r>
-              <a:rPr lang="en-US" altLang="zh-CN" sz="1600" dirty="0">
-                <a:latin typeface="Times New Roman" panose="02020603050405020304" pitchFamily="18" charset="0"/>
-                <a:cs typeface="Times New Roman" panose="02020603050405020304" pitchFamily="18" charset="0"/>
-              </a:rPr>
-              <a:t>, pages 35-50.</a:t>
-            </a:r>
-          </a:p>
-          <a:p>
-            <a:pPr marL="0" indent="0">
-              <a:buNone/>
-            </a:pPr>
-            <a:r>
-              <a:rPr lang="en-US" altLang="zh-CN" sz="1600" dirty="0">
-                <a:latin typeface="Times New Roman" panose="02020603050405020304" pitchFamily="18" charset="0"/>
-                <a:cs typeface="Times New Roman" panose="02020603050405020304" pitchFamily="18" charset="0"/>
-              </a:rPr>
-              <a:t>[c] </a:t>
-            </a:r>
-            <a:r>
-              <a:rPr lang="en-US" altLang="zh-CN" sz="1600" b="1" dirty="0">
-                <a:latin typeface="Times New Roman" panose="02020603050405020304" pitchFamily="18" charset="0"/>
-                <a:cs typeface="Times New Roman" panose="02020603050405020304" pitchFamily="18" charset="0"/>
-              </a:rPr>
-              <a:t>Tsz Nam Chan</a:t>
-            </a:r>
-            <a:r>
-              <a:rPr lang="en-US" altLang="zh-CN" sz="1600" dirty="0">
-                <a:latin typeface="Times New Roman" panose="02020603050405020304" pitchFamily="18" charset="0"/>
-                <a:cs typeface="Times New Roman" panose="02020603050405020304" pitchFamily="18" charset="0"/>
-              </a:rPr>
-              <a:t>, Leong Hou U, Reynold Cheng, Man Lung </a:t>
-            </a:r>
-            <a:r>
-              <a:rPr lang="en-US" altLang="zh-CN" sz="1600" dirty="0" err="1">
-                <a:latin typeface="Times New Roman" panose="02020603050405020304" pitchFamily="18" charset="0"/>
-                <a:cs typeface="Times New Roman" panose="02020603050405020304" pitchFamily="18" charset="0"/>
-              </a:rPr>
-              <a:t>Yiu</a:t>
-            </a:r>
-            <a:r>
-              <a:rPr lang="en-US" altLang="zh-CN" sz="1600" dirty="0">
-                <a:latin typeface="Times New Roman" panose="02020603050405020304" pitchFamily="18" charset="0"/>
-                <a:cs typeface="Times New Roman" panose="02020603050405020304" pitchFamily="18" charset="0"/>
-              </a:rPr>
-              <a:t>, </a:t>
-            </a:r>
-            <a:r>
-              <a:rPr lang="en-US" altLang="zh-CN" sz="1600" dirty="0" err="1">
-                <a:latin typeface="Times New Roman" panose="02020603050405020304" pitchFamily="18" charset="0"/>
-                <a:cs typeface="Times New Roman" panose="02020603050405020304" pitchFamily="18" charset="0"/>
-              </a:rPr>
-              <a:t>Shivansh</a:t>
-            </a:r>
-            <a:r>
-              <a:rPr lang="en-US" altLang="zh-CN" sz="1600" dirty="0">
-                <a:latin typeface="Times New Roman" panose="02020603050405020304" pitchFamily="18" charset="0"/>
-                <a:cs typeface="Times New Roman" panose="02020603050405020304" pitchFamily="18" charset="0"/>
-              </a:rPr>
-              <a:t> Mittal: “Efficient Algorithms for Kernel Aggregation Queries” </a:t>
-            </a:r>
-            <a:r>
-              <a:rPr lang="en-US" altLang="zh-CN" sz="1600" b="1" dirty="0">
-                <a:latin typeface="Times New Roman" panose="02020603050405020304" pitchFamily="18" charset="0"/>
-                <a:cs typeface="Times New Roman" panose="02020603050405020304" pitchFamily="18" charset="0"/>
-              </a:rPr>
-              <a:t>IEEE TKDE 2022</a:t>
-            </a:r>
-            <a:r>
-              <a:rPr lang="en-US" altLang="zh-CN" sz="1600" dirty="0">
-                <a:latin typeface="Times New Roman" panose="02020603050405020304" pitchFamily="18" charset="0"/>
-                <a:cs typeface="Times New Roman" panose="02020603050405020304" pitchFamily="18" charset="0"/>
-              </a:rPr>
-              <a:t> (vol 34), pages 2726-2739.</a:t>
-            </a:r>
-          </a:p>
-          <a:p>
-            <a:pPr marL="0" indent="0">
-              <a:buNone/>
-            </a:pPr>
-            <a:r>
-              <a:rPr lang="en-US" altLang="zh-CN" sz="1600" dirty="0">
-                <a:latin typeface="Times New Roman" panose="02020603050405020304" pitchFamily="18" charset="0"/>
-                <a:cs typeface="Times New Roman" panose="02020603050405020304" pitchFamily="18" charset="0"/>
-              </a:rPr>
-              <a:t>[d] </a:t>
-            </a:r>
-            <a:r>
-              <a:rPr lang="en-US" altLang="zh-CN" sz="1600" b="1" dirty="0">
-                <a:latin typeface="Times New Roman" panose="02020603050405020304" pitchFamily="18" charset="0"/>
-                <a:cs typeface="Times New Roman" panose="02020603050405020304" pitchFamily="18" charset="0"/>
-              </a:rPr>
-              <a:t>Tsz Nam Chan</a:t>
-            </a:r>
-            <a:r>
-              <a:rPr lang="en-US" altLang="zh-CN" sz="1600" dirty="0">
-                <a:latin typeface="Times New Roman" panose="02020603050405020304" pitchFamily="18" charset="0"/>
-                <a:cs typeface="Times New Roman" panose="02020603050405020304" pitchFamily="18" charset="0"/>
-              </a:rPr>
-              <a:t>, </a:t>
-            </a:r>
-            <a:r>
-              <a:rPr lang="en-US" altLang="zh-CN" sz="1600" dirty="0" err="1">
-                <a:latin typeface="Times New Roman" panose="02020603050405020304" pitchFamily="18" charset="0"/>
-                <a:cs typeface="Times New Roman" panose="02020603050405020304" pitchFamily="18" charset="0"/>
-              </a:rPr>
-              <a:t>Zhe</a:t>
-            </a:r>
-            <a:r>
-              <a:rPr lang="en-US" altLang="zh-CN" sz="1600" dirty="0">
-                <a:latin typeface="Times New Roman" panose="02020603050405020304" pitchFamily="18" charset="0"/>
-                <a:cs typeface="Times New Roman" panose="02020603050405020304" pitchFamily="18" charset="0"/>
-              </a:rPr>
-              <a:t> Li, Leong Hou U, Reynold Cheng: “PLAME: Piecewise-Linear Approximate Measure for Additive Kernel SVM” </a:t>
-            </a:r>
-            <a:r>
-              <a:rPr lang="en-US" altLang="zh-CN" sz="1600" b="1" dirty="0">
-                <a:latin typeface="Times New Roman" panose="02020603050405020304" pitchFamily="18" charset="0"/>
-                <a:cs typeface="Times New Roman" panose="02020603050405020304" pitchFamily="18" charset="0"/>
-              </a:rPr>
-              <a:t>IEEE TKDE 2023</a:t>
-            </a:r>
-            <a:r>
-              <a:rPr lang="en-US" altLang="zh-CN" sz="1600" dirty="0">
-                <a:latin typeface="Times New Roman" panose="02020603050405020304" pitchFamily="18" charset="0"/>
-                <a:cs typeface="Times New Roman" panose="02020603050405020304" pitchFamily="18" charset="0"/>
-              </a:rPr>
-              <a:t> (vol. 35), pages 9985-9997.</a:t>
-            </a:r>
-          </a:p>
-          <a:p>
-            <a:pPr marL="0" indent="0">
-              <a:buNone/>
-            </a:pPr>
-            <a:r>
-              <a:rPr lang="en-US" altLang="zh-CN" sz="1600" dirty="0">
-                <a:latin typeface="Times New Roman" panose="02020603050405020304" pitchFamily="18" charset="0"/>
-                <a:cs typeface="Times New Roman" panose="02020603050405020304" pitchFamily="18" charset="0"/>
-              </a:rPr>
-              <a:t>[e] </a:t>
-            </a:r>
-            <a:r>
-              <a:rPr lang="en-US" altLang="zh-CN" sz="1600" b="1" dirty="0">
-                <a:latin typeface="Times New Roman" panose="02020603050405020304" pitchFamily="18" charset="0"/>
-                <a:cs typeface="Times New Roman" panose="02020603050405020304" pitchFamily="18" charset="0"/>
-              </a:rPr>
-              <a:t>Tsz Nam Chan</a:t>
-            </a:r>
-            <a:r>
-              <a:rPr lang="en-US" altLang="zh-CN" sz="1600" dirty="0">
-                <a:latin typeface="Times New Roman" panose="02020603050405020304" pitchFamily="18" charset="0"/>
-                <a:cs typeface="Times New Roman" panose="02020603050405020304" pitchFamily="18" charset="0"/>
-              </a:rPr>
-              <a:t>, Pak Lon Ip, Leong Hou U, Weng Hou Tong, </a:t>
-            </a:r>
-            <a:r>
-              <a:rPr lang="en-US" altLang="zh-CN" sz="1600" dirty="0" err="1">
-                <a:latin typeface="Times New Roman" panose="02020603050405020304" pitchFamily="18" charset="0"/>
-                <a:cs typeface="Times New Roman" panose="02020603050405020304" pitchFamily="18" charset="0"/>
-              </a:rPr>
-              <a:t>Shivansh</a:t>
-            </a:r>
-            <a:r>
-              <a:rPr lang="en-US" altLang="zh-CN" sz="1600" dirty="0">
-                <a:latin typeface="Times New Roman" panose="02020603050405020304" pitchFamily="18" charset="0"/>
-                <a:cs typeface="Times New Roman" panose="02020603050405020304" pitchFamily="18" charset="0"/>
-              </a:rPr>
-              <a:t> Mittal, Ye Li, Reynold Cheng: “KDV-Explorer: A Near Real-Time Kernel Density Visualization System for Spatial Analysis” </a:t>
-            </a:r>
-            <a:r>
-              <a:rPr lang="en-US" altLang="zh-CN" sz="1600" b="1" dirty="0">
-                <a:latin typeface="Times New Roman" panose="02020603050405020304" pitchFamily="18" charset="0"/>
-                <a:cs typeface="Times New Roman" panose="02020603050405020304" pitchFamily="18" charset="0"/>
-              </a:rPr>
-              <a:t>PVLDB 2021</a:t>
-            </a:r>
-            <a:r>
-              <a:rPr lang="en-US" altLang="zh-CN" sz="1600" dirty="0">
-                <a:latin typeface="Times New Roman" panose="02020603050405020304" pitchFamily="18" charset="0"/>
-                <a:cs typeface="Times New Roman" panose="02020603050405020304" pitchFamily="18" charset="0"/>
-              </a:rPr>
-              <a:t> (vol 14), pages 2655-2658 (Demo track).</a:t>
-            </a:r>
-          </a:p>
-          <a:p>
-            <a:pPr marL="0" indent="0">
-              <a:buNone/>
-            </a:pPr>
-            <a:r>
-              <a:rPr lang="en-US" altLang="zh-CN" sz="1600" dirty="0">
-                <a:latin typeface="Times New Roman" panose="02020603050405020304" pitchFamily="18" charset="0"/>
-                <a:cs typeface="Times New Roman" panose="02020603050405020304" pitchFamily="18" charset="0"/>
-              </a:rPr>
-              <a:t>[f] </a:t>
-            </a:r>
-            <a:r>
-              <a:rPr lang="en-US" altLang="zh-CN" sz="1600" b="1" dirty="0">
-                <a:latin typeface="Times New Roman" panose="02020603050405020304" pitchFamily="18" charset="0"/>
-                <a:cs typeface="Times New Roman" panose="02020603050405020304" pitchFamily="18" charset="0"/>
-              </a:rPr>
-              <a:t>Tsz Nam Chan</a:t>
-            </a:r>
-            <a:r>
-              <a:rPr lang="en-US" altLang="zh-CN" sz="1600" dirty="0">
-                <a:latin typeface="Times New Roman" panose="02020603050405020304" pitchFamily="18" charset="0"/>
-                <a:cs typeface="Times New Roman" panose="02020603050405020304" pitchFamily="18" charset="0"/>
-              </a:rPr>
-              <a:t>, </a:t>
-            </a:r>
-            <a:r>
-              <a:rPr lang="en-US" altLang="zh-CN" sz="1600" dirty="0" err="1">
-                <a:latin typeface="Times New Roman" panose="02020603050405020304" pitchFamily="18" charset="0"/>
-                <a:cs typeface="Times New Roman" panose="02020603050405020304" pitchFamily="18" charset="0"/>
-              </a:rPr>
-              <a:t>Zhe</a:t>
-            </a:r>
-            <a:r>
-              <a:rPr lang="en-US" altLang="zh-CN" sz="1600" dirty="0">
-                <a:latin typeface="Times New Roman" panose="02020603050405020304" pitchFamily="18" charset="0"/>
-                <a:cs typeface="Times New Roman" panose="02020603050405020304" pitchFamily="18" charset="0"/>
-              </a:rPr>
-              <a:t> Li, Leong Hou U, </a:t>
-            </a:r>
-            <a:r>
-              <a:rPr lang="en-US" altLang="zh-CN" sz="1600" dirty="0" err="1">
-                <a:latin typeface="Times New Roman" panose="02020603050405020304" pitchFamily="18" charset="0"/>
-                <a:cs typeface="Times New Roman" panose="02020603050405020304" pitchFamily="18" charset="0"/>
-              </a:rPr>
-              <a:t>Jianliang</a:t>
-            </a:r>
-            <a:r>
-              <a:rPr lang="en-US" altLang="zh-CN" sz="1600" dirty="0">
-                <a:latin typeface="Times New Roman" panose="02020603050405020304" pitchFamily="18" charset="0"/>
-                <a:cs typeface="Times New Roman" panose="02020603050405020304" pitchFamily="18" charset="0"/>
-              </a:rPr>
-              <a:t> Xu, Reynold Cheng: “Fast Augmentation Algorithms for Network Kernel Density Visualization” </a:t>
-            </a:r>
-            <a:r>
-              <a:rPr lang="en-US" altLang="zh-CN" sz="1600" b="1" dirty="0">
-                <a:latin typeface="Times New Roman" panose="02020603050405020304" pitchFamily="18" charset="0"/>
-                <a:cs typeface="Times New Roman" panose="02020603050405020304" pitchFamily="18" charset="0"/>
-              </a:rPr>
-              <a:t>PVLDB 2021</a:t>
-            </a:r>
-            <a:r>
-              <a:rPr lang="en-US" altLang="zh-CN" sz="1600" dirty="0">
-                <a:latin typeface="Times New Roman" panose="02020603050405020304" pitchFamily="18" charset="0"/>
-                <a:cs typeface="Times New Roman" panose="02020603050405020304" pitchFamily="18" charset="0"/>
-              </a:rPr>
-              <a:t> (vol 14), pages 1503-1516.</a:t>
-            </a:r>
-          </a:p>
-          <a:p>
-            <a:pPr marL="0" indent="0">
-              <a:buNone/>
-            </a:pPr>
-            <a:r>
-              <a:rPr lang="en-US" altLang="zh-CN" sz="1600" dirty="0">
-                <a:latin typeface="Times New Roman" panose="02020603050405020304" pitchFamily="18" charset="0"/>
-                <a:cs typeface="Times New Roman" panose="02020603050405020304" pitchFamily="18" charset="0"/>
-              </a:rPr>
-              <a:t>[g] </a:t>
-            </a:r>
-            <a:r>
-              <a:rPr lang="en-US" altLang="zh-CN" sz="1600" b="1" dirty="0">
-                <a:latin typeface="Times New Roman" panose="02020603050405020304" pitchFamily="18" charset="0"/>
-                <a:cs typeface="Times New Roman" panose="02020603050405020304" pitchFamily="18" charset="0"/>
-              </a:rPr>
-              <a:t>Tsz Nam Chan</a:t>
-            </a:r>
-            <a:r>
-              <a:rPr lang="en-US" altLang="zh-CN" sz="1600" dirty="0">
-                <a:latin typeface="Times New Roman" panose="02020603050405020304" pitchFamily="18" charset="0"/>
-                <a:cs typeface="Times New Roman" panose="02020603050405020304" pitchFamily="18" charset="0"/>
-              </a:rPr>
-              <a:t>, Pak Lon Ip, Leong Hou U, Byron Choi, </a:t>
-            </a:r>
-            <a:r>
-              <a:rPr lang="en-US" altLang="zh-CN" sz="1600" dirty="0" err="1">
-                <a:latin typeface="Times New Roman" panose="02020603050405020304" pitchFamily="18" charset="0"/>
-                <a:cs typeface="Times New Roman" panose="02020603050405020304" pitchFamily="18" charset="0"/>
-              </a:rPr>
-              <a:t>Jianliang</a:t>
-            </a:r>
-            <a:r>
-              <a:rPr lang="en-US" altLang="zh-CN" sz="1600" dirty="0">
-                <a:latin typeface="Times New Roman" panose="02020603050405020304" pitchFamily="18" charset="0"/>
-                <a:cs typeface="Times New Roman" panose="02020603050405020304" pitchFamily="18" charset="0"/>
-              </a:rPr>
-              <a:t> Xu: “SWS: A Complexity-Optimized Solution for Spatial-Temporal Kernel Density Visualization” </a:t>
-            </a:r>
-            <a:r>
-              <a:rPr lang="en-US" altLang="zh-CN" sz="1600" b="1" dirty="0">
-                <a:latin typeface="Times New Roman" panose="02020603050405020304" pitchFamily="18" charset="0"/>
-                <a:cs typeface="Times New Roman" panose="02020603050405020304" pitchFamily="18" charset="0"/>
-              </a:rPr>
-              <a:t>PVLDB 2022 </a:t>
-            </a:r>
-            <a:r>
-              <a:rPr lang="en-US" altLang="zh-CN" sz="1600" dirty="0">
-                <a:latin typeface="Times New Roman" panose="02020603050405020304" pitchFamily="18" charset="0"/>
-                <a:cs typeface="Times New Roman" panose="02020603050405020304" pitchFamily="18" charset="0"/>
-              </a:rPr>
-              <a:t>(vol 15), pages 814-827.</a:t>
-            </a:r>
-          </a:p>
-          <a:p>
-            <a:pPr marL="0" indent="0">
-              <a:buNone/>
-            </a:pPr>
-            <a:r>
-              <a:rPr lang="en-US" altLang="zh-CN" sz="1600" dirty="0">
-                <a:latin typeface="Times New Roman" panose="02020603050405020304" pitchFamily="18" charset="0"/>
-                <a:cs typeface="Times New Roman" panose="02020603050405020304" pitchFamily="18" charset="0"/>
-              </a:rPr>
-              <a:t>[h] </a:t>
-            </a:r>
-            <a:r>
-              <a:rPr lang="en-US" altLang="zh-CN" sz="1600" b="1" dirty="0">
-                <a:latin typeface="Times New Roman" panose="02020603050405020304" pitchFamily="18" charset="0"/>
-                <a:cs typeface="Times New Roman" panose="02020603050405020304" pitchFamily="18" charset="0"/>
-              </a:rPr>
-              <a:t>Tsz Nam Chan</a:t>
-            </a:r>
-            <a:r>
-              <a:rPr lang="en-US" altLang="zh-CN" sz="1600" dirty="0">
-                <a:latin typeface="Times New Roman" panose="02020603050405020304" pitchFamily="18" charset="0"/>
-                <a:cs typeface="Times New Roman" panose="02020603050405020304" pitchFamily="18" charset="0"/>
-              </a:rPr>
-              <a:t>, Pak Lon Ip, Leong Hou U, Byron Choi, </a:t>
-            </a:r>
-            <a:r>
-              <a:rPr lang="en-US" altLang="zh-CN" sz="1600" dirty="0" err="1">
-                <a:latin typeface="Times New Roman" panose="02020603050405020304" pitchFamily="18" charset="0"/>
-                <a:cs typeface="Times New Roman" panose="02020603050405020304" pitchFamily="18" charset="0"/>
-              </a:rPr>
-              <a:t>Jianliang</a:t>
-            </a:r>
-            <a:r>
-              <a:rPr lang="en-US" altLang="zh-CN" sz="1600" dirty="0">
-                <a:latin typeface="Times New Roman" panose="02020603050405020304" pitchFamily="18" charset="0"/>
-                <a:cs typeface="Times New Roman" panose="02020603050405020304" pitchFamily="18" charset="0"/>
-              </a:rPr>
-              <a:t> Xu: “SAFE: A Share-and-Aggregate Bandwidth Exploration Framework for Kernel Density Visualization” </a:t>
-            </a:r>
-            <a:r>
-              <a:rPr lang="en-US" altLang="zh-CN" sz="1600" b="1" dirty="0">
-                <a:latin typeface="Times New Roman" panose="02020603050405020304" pitchFamily="18" charset="0"/>
-                <a:cs typeface="Times New Roman" panose="02020603050405020304" pitchFamily="18" charset="0"/>
-              </a:rPr>
-              <a:t>PVLDB 2022</a:t>
-            </a:r>
-            <a:r>
-              <a:rPr lang="en-US" altLang="zh-CN" sz="1600" dirty="0">
-                <a:latin typeface="Times New Roman" panose="02020603050405020304" pitchFamily="18" charset="0"/>
-                <a:cs typeface="Times New Roman" panose="02020603050405020304" pitchFamily="18" charset="0"/>
-              </a:rPr>
-              <a:t> (vol 15), pages 513-526.</a:t>
-            </a:r>
-          </a:p>
-          <a:p>
-            <a:pPr marL="0" indent="0">
-              <a:buNone/>
-            </a:pPr>
-            <a:r>
-              <a:rPr lang="en-US" altLang="zh-CN" sz="1600" dirty="0">
-                <a:latin typeface="Times New Roman" panose="02020603050405020304" pitchFamily="18" charset="0"/>
-                <a:cs typeface="Times New Roman" panose="02020603050405020304" pitchFamily="18" charset="0"/>
-              </a:rPr>
-              <a:t>[</a:t>
-            </a:r>
-            <a:r>
-              <a:rPr lang="en-US" altLang="zh-CN" sz="1600" dirty="0" err="1">
-                <a:latin typeface="Times New Roman" panose="02020603050405020304" pitchFamily="18" charset="0"/>
-                <a:cs typeface="Times New Roman" panose="02020603050405020304" pitchFamily="18" charset="0"/>
-              </a:rPr>
-              <a:t>i</a:t>
-            </a:r>
-            <a:r>
-              <a:rPr lang="en-US" altLang="zh-CN" sz="1600" dirty="0">
-                <a:latin typeface="Times New Roman" panose="02020603050405020304" pitchFamily="18" charset="0"/>
-                <a:cs typeface="Times New Roman" panose="02020603050405020304" pitchFamily="18" charset="0"/>
-              </a:rPr>
-              <a:t>] </a:t>
-            </a:r>
-            <a:r>
-              <a:rPr lang="en-US" altLang="zh-CN" sz="1600" b="1" dirty="0">
-                <a:latin typeface="Times New Roman" panose="02020603050405020304" pitchFamily="18" charset="0"/>
-                <a:cs typeface="Times New Roman" panose="02020603050405020304" pitchFamily="18" charset="0"/>
-              </a:rPr>
-              <a:t>Tsz Nam Chan</a:t>
-            </a:r>
-            <a:r>
-              <a:rPr lang="en-US" altLang="zh-CN" sz="1600" dirty="0">
-                <a:latin typeface="Times New Roman" panose="02020603050405020304" pitchFamily="18" charset="0"/>
-                <a:cs typeface="Times New Roman" panose="02020603050405020304" pitchFamily="18" charset="0"/>
-              </a:rPr>
-              <a:t>, Leong Hou U, Byron Choi, </a:t>
-            </a:r>
-            <a:r>
-              <a:rPr lang="en-US" altLang="zh-CN" sz="1600" dirty="0" err="1">
-                <a:latin typeface="Times New Roman" panose="02020603050405020304" pitchFamily="18" charset="0"/>
-                <a:cs typeface="Times New Roman" panose="02020603050405020304" pitchFamily="18" charset="0"/>
-              </a:rPr>
-              <a:t>Jianliang</a:t>
-            </a:r>
-            <a:r>
-              <a:rPr lang="en-US" altLang="zh-CN" sz="1600" dirty="0">
-                <a:latin typeface="Times New Roman" panose="02020603050405020304" pitchFamily="18" charset="0"/>
-                <a:cs typeface="Times New Roman" panose="02020603050405020304" pitchFamily="18" charset="0"/>
-              </a:rPr>
-              <a:t> Xu: “SLAM: Efficient Sweep Line Algorithms for Kernel Density Visualization” </a:t>
-            </a:r>
-            <a:r>
-              <a:rPr lang="en-US" altLang="zh-CN" sz="1600" b="1" dirty="0">
-                <a:latin typeface="Times New Roman" panose="02020603050405020304" pitchFamily="18" charset="0"/>
-                <a:cs typeface="Times New Roman" panose="02020603050405020304" pitchFamily="18" charset="0"/>
-              </a:rPr>
-              <a:t>SIGMOD 2022</a:t>
-            </a:r>
-            <a:r>
-              <a:rPr lang="en-US" altLang="zh-CN" sz="1600" dirty="0">
-                <a:latin typeface="Times New Roman" panose="02020603050405020304" pitchFamily="18" charset="0"/>
-                <a:cs typeface="Times New Roman" panose="02020603050405020304" pitchFamily="18" charset="0"/>
-              </a:rPr>
-              <a:t>, pages 2120-2134.</a:t>
+            <a:r>
+              <a:rPr lang="en-US" altLang="zh-CN" dirty="0">
+                <a:latin typeface="Times New Roman" panose="02020603050405020304" pitchFamily="18" charset="0"/>
+                <a:cs typeface="Times New Roman" panose="02020603050405020304" pitchFamily="18" charset="0"/>
+              </a:rPr>
+              <a:t>Ask some basic questions and answer them for a research topic/problem. </a:t>
+            </a:r>
+          </a:p>
+          <a:p>
+            <a:endParaRPr lang="en-US" altLang="zh-CN" dirty="0">
+              <a:latin typeface="Times New Roman" panose="02020603050405020304" pitchFamily="18" charset="0"/>
+              <a:cs typeface="Times New Roman" panose="02020603050405020304" pitchFamily="18" charset="0"/>
+            </a:endParaRPr>
+          </a:p>
+          <a:p>
+            <a:r>
+              <a:rPr lang="en-US" altLang="zh-CN" dirty="0">
+                <a:latin typeface="Times New Roman" panose="02020603050405020304" pitchFamily="18" charset="0"/>
+                <a:cs typeface="Times New Roman" panose="02020603050405020304" pitchFamily="18" charset="0"/>
+              </a:rPr>
+              <a:t>Assume that your audience has limited background (e.g., a student who has just finished the bachelor degree).</a:t>
+            </a:r>
+          </a:p>
+          <a:p>
+            <a:endParaRPr lang="en-US" altLang="zh-CN" dirty="0">
+              <a:latin typeface="Times New Roman" panose="02020603050405020304" pitchFamily="18" charset="0"/>
+              <a:cs typeface="Times New Roman" panose="02020603050405020304" pitchFamily="18" charset="0"/>
+            </a:endParaRPr>
+          </a:p>
+          <a:p>
+            <a:r>
+              <a:rPr lang="en-US" altLang="zh-CN" dirty="0">
+                <a:latin typeface="Times New Roman" panose="02020603050405020304" pitchFamily="18" charset="0"/>
+                <a:cs typeface="Times New Roman" panose="02020603050405020304" pitchFamily="18" charset="0"/>
+              </a:rPr>
+              <a:t>Present the core ideas and the weakness of the state-of-the-art solutions.</a:t>
+            </a:r>
+          </a:p>
+          <a:p>
+            <a:endParaRPr lang="en-US" altLang="zh-CN" dirty="0">
+              <a:latin typeface="Times New Roman" panose="02020603050405020304" pitchFamily="18" charset="0"/>
+              <a:cs typeface="Times New Roman" panose="02020603050405020304" pitchFamily="18" charset="0"/>
+            </a:endParaRPr>
+          </a:p>
+          <a:p>
+            <a:r>
+              <a:rPr lang="en-US" altLang="zh-CN" dirty="0">
+                <a:latin typeface="Times New Roman" panose="02020603050405020304" pitchFamily="18" charset="0"/>
+                <a:cs typeface="Times New Roman" panose="02020603050405020304" pitchFamily="18" charset="0"/>
+              </a:rPr>
+              <a:t>Present the core ideas of your solution and the goodness of your solution.</a:t>
+            </a:r>
+          </a:p>
+          <a:p>
+            <a:endParaRPr lang="en-US" altLang="zh-CN" dirty="0">
+              <a:latin typeface="Times New Roman" panose="02020603050405020304" pitchFamily="18" charset="0"/>
+              <a:cs typeface="Times New Roman" panose="02020603050405020304" pitchFamily="18" charset="0"/>
+            </a:endParaRPr>
+          </a:p>
+          <a:p>
+            <a:r>
+              <a:rPr lang="en-US" altLang="zh-CN" dirty="0">
+                <a:latin typeface="Times New Roman" panose="02020603050405020304" pitchFamily="18" charset="0"/>
+                <a:cs typeface="Times New Roman" panose="02020603050405020304" pitchFamily="18" charset="0"/>
+              </a:rPr>
+              <a:t>Draw more figures and examples (or figure examples) to explain.</a:t>
             </a:r>
           </a:p>
         </p:txBody>
@@ -8042,7 +8158,7 @@
           <p:cNvPr id="4" name="灯片编号占位符 3">
             <a:extLst>
               <a:ext uri="{FF2B5EF4-FFF2-40B4-BE49-F238E27FC236}">
-                <a16:creationId xmlns:a16="http://schemas.microsoft.com/office/drawing/2014/main" id="{3253271A-0DF1-4E39-9566-F3ED45CD683A}"/>
+                <a16:creationId xmlns:a16="http://schemas.microsoft.com/office/drawing/2014/main" id="{5556DDAD-3727-4652-B842-C6DF374E1B01}"/>
               </a:ext>
             </a:extLst>
           </p:cNvPr>
@@ -8066,52 +8182,10 @@
           </a:p>
         </p:txBody>
       </p:sp>
-      <p:sp>
-        <p:nvSpPr>
-          <p:cNvPr id="5" name="文本框 4">
-            <a:extLst>
-              <a:ext uri="{FF2B5EF4-FFF2-40B4-BE49-F238E27FC236}">
-                <a16:creationId xmlns:a16="http://schemas.microsoft.com/office/drawing/2014/main" id="{197EF022-58BF-437B-8CF4-0933D58A235D}"/>
-              </a:ext>
-            </a:extLst>
-          </p:cNvPr>
-          <p:cNvSpPr txBox="1"/>
-          <p:nvPr/>
-        </p:nvSpPr>
-        <p:spPr>
-          <a:xfrm rot="5400000">
-            <a:off x="5565606" y="6371739"/>
-            <a:ext cx="492443" cy="461665"/>
-          </a:xfrm>
-          <a:prstGeom prst="rect">
-            <a:avLst/>
-          </a:prstGeom>
-          <a:noFill/>
-        </p:spPr>
-        <p:txBody>
-          <a:bodyPr wrap="none" rtlCol="0">
-            <a:spAutoFit/>
-          </a:bodyPr>
-          <a:lstStyle/>
-          <a:p>
-            <a:r>
-              <a:rPr lang="en-US" altLang="zh-CN" sz="2400" b="1" dirty="0">
-                <a:latin typeface="Times New Roman" panose="02020603050405020304" pitchFamily="18" charset="0"/>
-                <a:cs typeface="Times New Roman" panose="02020603050405020304" pitchFamily="18" charset="0"/>
-              </a:rPr>
-              <a:t>…</a:t>
-            </a:r>
-            <a:endParaRPr lang="zh-CN" altLang="en-US" sz="2400" b="1" dirty="0">
-              <a:latin typeface="Times New Roman" panose="02020603050405020304" pitchFamily="18" charset="0"/>
-              <a:cs typeface="Times New Roman" panose="02020603050405020304" pitchFamily="18" charset="0"/>
-            </a:endParaRPr>
-          </a:p>
-        </p:txBody>
-      </p:sp>
     </p:spTree>
     <p:extLst>
       <p:ext uri="{BB962C8B-B14F-4D97-AF65-F5344CB8AC3E}">
-        <p14:creationId xmlns:p14="http://schemas.microsoft.com/office/powerpoint/2010/main" val="332620596"/>
+        <p14:creationId xmlns:p14="http://schemas.microsoft.com/office/powerpoint/2010/main" val="2094499499"/>
       </p:ext>
     </p:extLst>
   </p:cSld>
@@ -8143,7 +8217,7 @@
           <p:cNvPr id="2" name="标题 1">
             <a:extLst>
               <a:ext uri="{FF2B5EF4-FFF2-40B4-BE49-F238E27FC236}">
-                <a16:creationId xmlns:a16="http://schemas.microsoft.com/office/drawing/2014/main" id="{98C7BBEB-DFE3-465D-B3FB-33EB876AA1BE}"/>
+                <a16:creationId xmlns:a16="http://schemas.microsoft.com/office/drawing/2014/main" id="{A85352E2-B44A-4C3F-8664-47E7800DADA3}"/>
               </a:ext>
             </a:extLst>
           </p:cNvPr>
@@ -8165,12 +8239,9 @@
                 <a:latin typeface="Times New Roman" panose="02020603050405020304" pitchFamily="18" charset="0"/>
                 <a:cs typeface="Times New Roman" panose="02020603050405020304" pitchFamily="18" charset="0"/>
               </a:rPr>
-              <a:t>Somethings that You Should Do</a:t>
-            </a:r>
-            <a:endParaRPr lang="zh-CN" altLang="en-US" dirty="0">
-              <a:latin typeface="Times New Roman" panose="02020603050405020304" pitchFamily="18" charset="0"/>
-              <a:cs typeface="Times New Roman" panose="02020603050405020304" pitchFamily="18" charset="0"/>
-            </a:endParaRPr>
+              <a:t>Somethings that You Should Not Do</a:t>
+            </a:r>
+            <a:endParaRPr lang="zh-CN" altLang="en-US" dirty="0"/>
           </a:p>
         </p:txBody>
       </p:sp>
@@ -8179,7 +8250,7 @@
           <p:cNvPr id="3" name="内容占位符 2">
             <a:extLst>
               <a:ext uri="{FF2B5EF4-FFF2-40B4-BE49-F238E27FC236}">
-                <a16:creationId xmlns:a16="http://schemas.microsoft.com/office/drawing/2014/main" id="{F041FFEC-5DF9-40C4-BF62-21730B5A2054}"/>
+                <a16:creationId xmlns:a16="http://schemas.microsoft.com/office/drawing/2014/main" id="{E6719344-7BD5-44EB-9E35-B0764CFA9464}"/>
               </a:ext>
             </a:extLst>
           </p:cNvPr>
@@ -8192,14 +8263,12 @@
         </p:nvSpPr>
         <p:spPr>
           <a:xfrm>
-            <a:off x="838200" y="1690688"/>
-            <a:ext cx="10805160" cy="5014912"/>
+            <a:off x="838200" y="1825624"/>
+            <a:ext cx="10515600" cy="4864735"/>
           </a:xfrm>
         </p:spPr>
         <p:txBody>
-          <a:bodyPr>
-            <a:normAutofit/>
-          </a:bodyPr>
+          <a:bodyPr/>
           <a:lstStyle/>
           <a:p>
             <a:r>
@@ -8207,7 +8276,7 @@
                 <a:latin typeface="Times New Roman" panose="02020603050405020304" pitchFamily="18" charset="0"/>
                 <a:cs typeface="Times New Roman" panose="02020603050405020304" pitchFamily="18" charset="0"/>
               </a:rPr>
-              <a:t>Ask some basic questions and answer them for a research topic/problem. </a:t>
+              <a:t>Overcomplicate somethings.</a:t>
             </a:r>
           </a:p>
           <a:p>
@@ -8222,7 +8291,7 @@
                 <a:latin typeface="Times New Roman" panose="02020603050405020304" pitchFamily="18" charset="0"/>
                 <a:cs typeface="Times New Roman" panose="02020603050405020304" pitchFamily="18" charset="0"/>
               </a:rPr>
-              <a:t>Assume that your audience has limited background (e.g., a student who has just finished the bachelor degree).</a:t>
+              <a:t>Assume the audience can understand what you are talking about.</a:t>
             </a:r>
           </a:p>
           <a:p>
@@ -8237,7 +8306,7 @@
                 <a:latin typeface="Times New Roman" panose="02020603050405020304" pitchFamily="18" charset="0"/>
                 <a:cs typeface="Times New Roman" panose="02020603050405020304" pitchFamily="18" charset="0"/>
               </a:rPr>
-              <a:t>Present the core ideas and the weakness of the state-of-the-art solutions.</a:t>
+              <a:t>Present somethings that you do not fully understand.</a:t>
             </a:r>
           </a:p>
           <a:p>
@@ -8252,7 +8321,7 @@
                 <a:latin typeface="Times New Roman" panose="02020603050405020304" pitchFamily="18" charset="0"/>
                 <a:cs typeface="Times New Roman" panose="02020603050405020304" pitchFamily="18" charset="0"/>
               </a:rPr>
-              <a:t>Present the core ideas of your solution and the goodness of your solution.</a:t>
+              <a:t>Avoid using examples and figures.</a:t>
             </a:r>
           </a:p>
           <a:p>
@@ -8267,8 +8336,14 @@
                 <a:latin typeface="Times New Roman" panose="02020603050405020304" pitchFamily="18" charset="0"/>
                 <a:cs typeface="Times New Roman" panose="02020603050405020304" pitchFamily="18" charset="0"/>
               </a:rPr>
-              <a:t>Draw more figures and examples (or figure examples) to explain.</a:t>
-            </a:r>
+              <a:t>Put everything into the slides.</a:t>
+            </a:r>
+          </a:p>
+          <a:p>
+            <a:endParaRPr lang="en-US" altLang="zh-CN" dirty="0">
+              <a:latin typeface="Times New Roman" panose="02020603050405020304" pitchFamily="18" charset="0"/>
+              <a:cs typeface="Times New Roman" panose="02020603050405020304" pitchFamily="18" charset="0"/>
+            </a:endParaRPr>
           </a:p>
         </p:txBody>
       </p:sp>
@@ -8277,7 +8352,7 @@
           <p:cNvPr id="4" name="灯片编号占位符 3">
             <a:extLst>
               <a:ext uri="{FF2B5EF4-FFF2-40B4-BE49-F238E27FC236}">
-                <a16:creationId xmlns:a16="http://schemas.microsoft.com/office/drawing/2014/main" id="{5556DDAD-3727-4652-B842-C6DF374E1B01}"/>
+                <a16:creationId xmlns:a16="http://schemas.microsoft.com/office/drawing/2014/main" id="{6B0D8111-B884-498B-8D31-ADEB30EB9E5E}"/>
               </a:ext>
             </a:extLst>
           </p:cNvPr>
@@ -8304,7 +8379,7 @@
     </p:spTree>
     <p:extLst>
       <p:ext uri="{BB962C8B-B14F-4D97-AF65-F5344CB8AC3E}">
-        <p14:creationId xmlns:p14="http://schemas.microsoft.com/office/powerpoint/2010/main" val="2094499499"/>
+        <p14:creationId xmlns:p14="http://schemas.microsoft.com/office/powerpoint/2010/main" val="278260570"/>
       </p:ext>
     </p:extLst>
   </p:cSld>
@@ -8336,7 +8411,7 @@
           <p:cNvPr id="2" name="标题 1">
             <a:extLst>
               <a:ext uri="{FF2B5EF4-FFF2-40B4-BE49-F238E27FC236}">
-                <a16:creationId xmlns:a16="http://schemas.microsoft.com/office/drawing/2014/main" id="{A85352E2-B44A-4C3F-8664-47E7800DADA3}"/>
+                <a16:creationId xmlns:a16="http://schemas.microsoft.com/office/drawing/2014/main" id="{FDF7CBAF-037D-4061-994E-8C32D6AAED84}"/>
               </a:ext>
             </a:extLst>
           </p:cNvPr>
@@ -8345,79 +8420,68 @@
           </p:cNvSpPr>
           <p:nvPr>
             <p:ph type="title"/>
-          </p:nvPr>
-        </p:nvSpPr>
-        <p:spPr/>
-        <p:txBody>
-          <a:bodyPr/>
-          <a:lstStyle/>
-          <a:p>
-            <a:pPr algn="ctr"/>
-            <a:r>
-              <a:rPr lang="en-US" altLang="zh-CN" dirty="0">
-                <a:latin typeface="Times New Roman" panose="02020603050405020304" pitchFamily="18" charset="0"/>
-                <a:cs typeface="Times New Roman" panose="02020603050405020304" pitchFamily="18" charset="0"/>
-              </a:rPr>
-              <a:t>Somethings that You Should Not Do</a:t>
-            </a:r>
-            <a:endParaRPr lang="zh-CN" altLang="en-US" dirty="0"/>
-          </a:p>
-        </p:txBody>
-      </p:sp>
-      <p:sp>
-        <p:nvSpPr>
-          <p:cNvPr id="3" name="内容占位符 2">
-            <a:extLst>
-              <a:ext uri="{FF2B5EF4-FFF2-40B4-BE49-F238E27FC236}">
-                <a16:creationId xmlns:a16="http://schemas.microsoft.com/office/drawing/2014/main" id="{E6719344-7BD5-44EB-9E35-B0764CFA9464}"/>
-              </a:ext>
-            </a:extLst>
-          </p:cNvPr>
-          <p:cNvSpPr>
-            <a:spLocks noGrp="1"/>
-          </p:cNvSpPr>
-          <p:nvPr>
-            <p:ph idx="1"/>
           </p:nvPr>
         </p:nvSpPr>
         <p:spPr>
           <a:xfrm>
-            <a:off x="838200" y="1825624"/>
-            <a:ext cx="10515600" cy="4864735"/>
+            <a:off x="838200" y="189865"/>
+            <a:ext cx="10515600" cy="1325563"/>
           </a:xfrm>
         </p:spPr>
         <p:txBody>
           <a:bodyPr/>
           <a:lstStyle/>
           <a:p>
+            <a:pPr algn="ctr"/>
             <a:r>
               <a:rPr lang="en-US" altLang="zh-CN" dirty="0">
                 <a:latin typeface="Times New Roman" panose="02020603050405020304" pitchFamily="18" charset="0"/>
                 <a:cs typeface="Times New Roman" panose="02020603050405020304" pitchFamily="18" charset="0"/>
               </a:rPr>
-              <a:t>Overcomplicate somethings.</a:t>
-            </a:r>
-          </a:p>
-          <a:p>
-            <a:endParaRPr lang="en-US" altLang="zh-CN" dirty="0">
+              <a:t>Some Quotes</a:t>
+            </a:r>
+            <a:endParaRPr lang="zh-CN" altLang="en-US" dirty="0">
               <a:latin typeface="Times New Roman" panose="02020603050405020304" pitchFamily="18" charset="0"/>
               <a:cs typeface="Times New Roman" panose="02020603050405020304" pitchFamily="18" charset="0"/>
             </a:endParaRPr>
           </a:p>
+        </p:txBody>
+      </p:sp>
+      <p:sp>
+        <p:nvSpPr>
+          <p:cNvPr id="3" name="内容占位符 2">
+            <a:extLst>
+              <a:ext uri="{FF2B5EF4-FFF2-40B4-BE49-F238E27FC236}">
+                <a16:creationId xmlns:a16="http://schemas.microsoft.com/office/drawing/2014/main" id="{8A91FD46-7F35-4F8A-93A3-AF85E8D7054F}"/>
+              </a:ext>
+            </a:extLst>
+          </p:cNvPr>
+          <p:cNvSpPr>
+            <a:spLocks noGrp="1"/>
+          </p:cNvSpPr>
+          <p:nvPr>
+            <p:ph idx="1"/>
+          </p:nvPr>
+        </p:nvSpPr>
+        <p:spPr>
+          <a:xfrm>
+            <a:off x="171450" y="1606868"/>
+            <a:ext cx="11955780" cy="5555932"/>
+          </a:xfrm>
+        </p:spPr>
+        <p:txBody>
+          <a:bodyPr>
+            <a:normAutofit/>
+          </a:bodyPr>
+          <a:lstStyle/>
           <a:p>
             <a:r>
               <a:rPr lang="en-US" altLang="zh-CN" dirty="0">
                 <a:latin typeface="Times New Roman" panose="02020603050405020304" pitchFamily="18" charset="0"/>
                 <a:cs typeface="Times New Roman" panose="02020603050405020304" pitchFamily="18" charset="0"/>
               </a:rPr>
-              <a:t>Assume the audience can understand what you are talking about.</a:t>
-            </a:r>
-          </a:p>
-          <a:p>
-            <a:endParaRPr lang="en-US" altLang="zh-CN" dirty="0">
-              <a:latin typeface="Times New Roman" panose="02020603050405020304" pitchFamily="18" charset="0"/>
-              <a:cs typeface="Times New Roman" panose="02020603050405020304" pitchFamily="18" charset="0"/>
-            </a:endParaRPr>
+              <a:t>“Most people are not as knowledgeable as you think they are.”</a:t>
+            </a:r>
           </a:p>
           <a:p>
             <a:r>
@@ -8425,14 +8489,8 @@
                 <a:latin typeface="Times New Roman" panose="02020603050405020304" pitchFamily="18" charset="0"/>
                 <a:cs typeface="Times New Roman" panose="02020603050405020304" pitchFamily="18" charset="0"/>
               </a:rPr>
-              <a:t>Present somethings that you do not fully understand.</a:t>
-            </a:r>
-          </a:p>
-          <a:p>
-            <a:endParaRPr lang="en-US" altLang="zh-CN" dirty="0">
-              <a:latin typeface="Times New Roman" panose="02020603050405020304" pitchFamily="18" charset="0"/>
-              <a:cs typeface="Times New Roman" panose="02020603050405020304" pitchFamily="18" charset="0"/>
-            </a:endParaRPr>
+              <a:t>“A presentation is like a class – if the audience does not understand it is your fault, not theirs.”</a:t>
+            </a:r>
           </a:p>
           <a:p>
             <a:r>
@@ -8440,14 +8498,8 @@
                 <a:latin typeface="Times New Roman" panose="02020603050405020304" pitchFamily="18" charset="0"/>
                 <a:cs typeface="Times New Roman" panose="02020603050405020304" pitchFamily="18" charset="0"/>
               </a:rPr>
-              <a:t>Avoid using examples and figures.</a:t>
-            </a:r>
-          </a:p>
-          <a:p>
-            <a:endParaRPr lang="en-US" altLang="zh-CN" dirty="0">
-              <a:latin typeface="Times New Roman" panose="02020603050405020304" pitchFamily="18" charset="0"/>
-              <a:cs typeface="Times New Roman" panose="02020603050405020304" pitchFamily="18" charset="0"/>
-            </a:endParaRPr>
+              <a:t>“Present only things that you understand clearly – if something still looks complex, skip it.”</a:t>
+            </a:r>
           </a:p>
           <a:p>
             <a:r>
@@ -8455,14 +8507,55 @@
                 <a:latin typeface="Times New Roman" panose="02020603050405020304" pitchFamily="18" charset="0"/>
                 <a:cs typeface="Times New Roman" panose="02020603050405020304" pitchFamily="18" charset="0"/>
               </a:rPr>
-              <a:t>Put everything into the slides.</a:t>
-            </a:r>
-          </a:p>
-          <a:p>
-            <a:endParaRPr lang="en-US" altLang="zh-CN" dirty="0">
-              <a:latin typeface="Times New Roman" panose="02020603050405020304" pitchFamily="18" charset="0"/>
-              <a:cs typeface="Times New Roman" panose="02020603050405020304" pitchFamily="18" charset="0"/>
-            </a:endParaRPr>
+              <a:t>“Spend a lot of time on good examples”</a:t>
+            </a:r>
+          </a:p>
+          <a:p>
+            <a:r>
+              <a:rPr lang="en-US" altLang="zh-CN" dirty="0">
+                <a:latin typeface="Times New Roman" panose="02020603050405020304" pitchFamily="18" charset="0"/>
+                <a:cs typeface="Times New Roman" panose="02020603050405020304" pitchFamily="18" charset="0"/>
+              </a:rPr>
+              <a:t>“Presentation is as important (if not more) than the actual work. Presentation is easier to improve.”</a:t>
+            </a:r>
+          </a:p>
+          <a:p>
+            <a:r>
+              <a:rPr lang="en-US" altLang="zh-CN" dirty="0">
+                <a:latin typeface="Times New Roman" panose="02020603050405020304" pitchFamily="18" charset="0"/>
+                <a:cs typeface="Times New Roman" panose="02020603050405020304" pitchFamily="18" charset="0"/>
+              </a:rPr>
+              <a:t>By Dimitris </a:t>
+            </a:r>
+            <a:r>
+              <a:rPr lang="en-US" altLang="zh-CN" dirty="0" err="1">
+                <a:latin typeface="Times New Roman" panose="02020603050405020304" pitchFamily="18" charset="0"/>
+                <a:cs typeface="Times New Roman" panose="02020603050405020304" pitchFamily="18" charset="0"/>
+              </a:rPr>
+              <a:t>Papadias</a:t>
+            </a:r>
+            <a:r>
+              <a:rPr lang="en-US" altLang="zh-CN" dirty="0">
+                <a:latin typeface="Times New Roman" panose="02020603050405020304" pitchFamily="18" charset="0"/>
+                <a:cs typeface="Times New Roman" panose="02020603050405020304" pitchFamily="18" charset="0"/>
+              </a:rPr>
+              <a:t> (a full professor in HKUST) </a:t>
+            </a:r>
+            <a:r>
+              <a:rPr lang="en-US" altLang="zh-CN" dirty="0">
+                <a:latin typeface="Times New Roman" panose="02020603050405020304" pitchFamily="18" charset="0"/>
+                <a:cs typeface="Times New Roman" panose="02020603050405020304" pitchFamily="18" charset="0"/>
+                <a:hlinkClick r:id="rId2"/>
+              </a:rPr>
+              <a:t>https://www.cse.ust.hk/~dimitris/Instructions%20for%20PhD%20Students.pdf</a:t>
+            </a:r>
+            <a:r>
+              <a:rPr lang="en-US" altLang="zh-CN" dirty="0">
+                <a:latin typeface="Times New Roman" panose="02020603050405020304" pitchFamily="18" charset="0"/>
+                <a:cs typeface="Times New Roman" panose="02020603050405020304" pitchFamily="18" charset="0"/>
+              </a:rPr>
+              <a:t> (Strongly suggest you to read the slides.)</a:t>
+            </a:r>
           </a:p>
         </p:txBody>
       </p:sp>
@@ -8471,7 +8564,7 @@
           <p:cNvPr id="4" name="灯片编号占位符 3">
             <a:extLst>
               <a:ext uri="{FF2B5EF4-FFF2-40B4-BE49-F238E27FC236}">
-                <a16:creationId xmlns:a16="http://schemas.microsoft.com/office/drawing/2014/main" id="{6B0D8111-B884-498B-8D31-ADEB30EB9E5E}"/>
+                <a16:creationId xmlns:a16="http://schemas.microsoft.com/office/drawing/2014/main" id="{9F32A0D2-4145-476A-B58D-ACAF91BDFC1F}"/>
               </a:ext>
             </a:extLst>
           </p:cNvPr>
@@ -8498,7 +8591,7 @@
     </p:spTree>
     <p:extLst>
       <p:ext uri="{BB962C8B-B14F-4D97-AF65-F5344CB8AC3E}">
-        <p14:creationId xmlns:p14="http://schemas.microsoft.com/office/powerpoint/2010/main" val="278260570"/>
+        <p14:creationId xmlns:p14="http://schemas.microsoft.com/office/powerpoint/2010/main" val="1737253198"/>
       </p:ext>
     </p:extLst>
   </p:cSld>
@@ -8527,10 +8620,10 @@
       </p:grpSpPr>
       <p:sp>
         <p:nvSpPr>
-          <p:cNvPr id="2" name="标题 1">
-            <a:extLst>
-              <a:ext uri="{FF2B5EF4-FFF2-40B4-BE49-F238E27FC236}">
-                <a16:creationId xmlns:a16="http://schemas.microsoft.com/office/drawing/2014/main" id="{FDF7CBAF-037D-4061-994E-8C32D6AAED84}"/>
+          <p:cNvPr id="2" name="Title 1">
+            <a:extLst>
+              <a:ext uri="{FF2B5EF4-FFF2-40B4-BE49-F238E27FC236}">
+                <a16:creationId xmlns:a16="http://schemas.microsoft.com/office/drawing/2014/main" id="{A617A9F7-C689-4C3E-70CB-FD36ADAD8FF0}"/>
               </a:ext>
             </a:extLst>
           </p:cNvPr>
@@ -8541,149 +8634,110 @@
             <p:ph type="title"/>
           </p:nvPr>
         </p:nvSpPr>
-        <p:spPr>
-          <a:xfrm>
-            <a:off x="838200" y="189865"/>
-            <a:ext cx="10515600" cy="1325563"/>
-          </a:xfrm>
-        </p:spPr>
+        <p:spPr/>
         <p:txBody>
           <a:bodyPr/>
           <a:lstStyle/>
           <a:p>
             <a:pPr algn="ctr"/>
             <a:r>
-              <a:rPr lang="en-US" altLang="zh-CN" dirty="0">
-                <a:latin typeface="Times New Roman" panose="02020603050405020304" pitchFamily="18" charset="0"/>
-                <a:cs typeface="Times New Roman" panose="02020603050405020304" pitchFamily="18" charset="0"/>
-              </a:rPr>
-              <a:t>Some Quotes</a:t>
-            </a:r>
-            <a:endParaRPr lang="zh-CN" altLang="en-US" dirty="0">
+              <a:rPr lang="en-HK" altLang="zh-CN" dirty="0">
+                <a:latin typeface="Times New Roman" panose="02020603050405020304" pitchFamily="18" charset="0"/>
+                <a:cs typeface="Times New Roman" panose="02020603050405020304" pitchFamily="18" charset="0"/>
+              </a:rPr>
+              <a:t>More Suggestions: Topic-finding</a:t>
+            </a:r>
+            <a:endParaRPr lang="zh-CN" altLang="en-US" dirty="0"/>
+          </a:p>
+        </p:txBody>
+      </p:sp>
+      <p:sp>
+        <p:nvSpPr>
+          <p:cNvPr id="3" name="Content Placeholder 2">
+            <a:extLst>
+              <a:ext uri="{FF2B5EF4-FFF2-40B4-BE49-F238E27FC236}">
+                <a16:creationId xmlns:a16="http://schemas.microsoft.com/office/drawing/2014/main" id="{96603E86-22A9-00D1-7A6E-03E1843C38DA}"/>
+              </a:ext>
+            </a:extLst>
+          </p:cNvPr>
+          <p:cNvSpPr>
+            <a:spLocks noGrp="1"/>
+          </p:cNvSpPr>
+          <p:nvPr>
+            <p:ph idx="1"/>
+          </p:nvPr>
+        </p:nvSpPr>
+        <p:spPr/>
+        <p:txBody>
+          <a:bodyPr/>
+          <a:lstStyle/>
+          <a:p>
+            <a:r>
+              <a:rPr lang="en-HK" altLang="zh-CN" dirty="0">
+                <a:latin typeface="Times New Roman" panose="02020603050405020304" pitchFamily="18" charset="0"/>
+                <a:cs typeface="Times New Roman" panose="02020603050405020304" pitchFamily="18" charset="0"/>
+              </a:rPr>
+              <a:t>Topic-finding may not be job-oriented.</a:t>
+            </a:r>
+          </a:p>
+          <a:p>
+            <a:endParaRPr lang="en-HK" altLang="zh-CN" dirty="0">
               <a:latin typeface="Times New Roman" panose="02020603050405020304" pitchFamily="18" charset="0"/>
               <a:cs typeface="Times New Roman" panose="02020603050405020304" pitchFamily="18" charset="0"/>
             </a:endParaRPr>
           </a:p>
-        </p:txBody>
-      </p:sp>
-      <p:sp>
-        <p:nvSpPr>
-          <p:cNvPr id="3" name="内容占位符 2">
-            <a:extLst>
-              <a:ext uri="{FF2B5EF4-FFF2-40B4-BE49-F238E27FC236}">
-                <a16:creationId xmlns:a16="http://schemas.microsoft.com/office/drawing/2014/main" id="{8A91FD46-7F35-4F8A-93A3-AF85E8D7054F}"/>
-              </a:ext>
-            </a:extLst>
-          </p:cNvPr>
-          <p:cNvSpPr>
-            <a:spLocks noGrp="1"/>
-          </p:cNvSpPr>
-          <p:nvPr>
-            <p:ph idx="1"/>
-          </p:nvPr>
-        </p:nvSpPr>
-        <p:spPr>
-          <a:xfrm>
-            <a:off x="171450" y="1606868"/>
-            <a:ext cx="11955780" cy="5555932"/>
-          </a:xfrm>
-        </p:spPr>
-        <p:txBody>
-          <a:bodyPr>
-            <a:normAutofit/>
-          </a:bodyPr>
-          <a:lstStyle/>
-          <a:p>
-            <a:r>
-              <a:rPr lang="en-US" altLang="zh-CN" dirty="0">
-                <a:latin typeface="Times New Roman" panose="02020603050405020304" pitchFamily="18" charset="0"/>
-                <a:cs typeface="Times New Roman" panose="02020603050405020304" pitchFamily="18" charset="0"/>
-              </a:rPr>
-              <a:t>“Most people are not as knowledgeable as you think they are.”</a:t>
-            </a:r>
-          </a:p>
-          <a:p>
-            <a:r>
-              <a:rPr lang="en-US" altLang="zh-CN" dirty="0">
-                <a:latin typeface="Times New Roman" panose="02020603050405020304" pitchFamily="18" charset="0"/>
-                <a:cs typeface="Times New Roman" panose="02020603050405020304" pitchFamily="18" charset="0"/>
-              </a:rPr>
-              <a:t>“A presentation is like a class – if the audience does not understand it is your fault, not theirs.”</a:t>
-            </a:r>
-          </a:p>
-          <a:p>
-            <a:r>
-              <a:rPr lang="en-US" altLang="zh-CN" dirty="0">
-                <a:latin typeface="Times New Roman" panose="02020603050405020304" pitchFamily="18" charset="0"/>
-                <a:cs typeface="Times New Roman" panose="02020603050405020304" pitchFamily="18" charset="0"/>
-              </a:rPr>
-              <a:t>“Present only things that you understand clearly – if something still looks complex, skip it.”</a:t>
-            </a:r>
-          </a:p>
-          <a:p>
-            <a:r>
-              <a:rPr lang="en-US" altLang="zh-CN" dirty="0">
-                <a:latin typeface="Times New Roman" panose="02020603050405020304" pitchFamily="18" charset="0"/>
-                <a:cs typeface="Times New Roman" panose="02020603050405020304" pitchFamily="18" charset="0"/>
-              </a:rPr>
-              <a:t>“Spend a lot of time on good examples”</a:t>
-            </a:r>
-          </a:p>
-          <a:p>
-            <a:r>
-              <a:rPr lang="en-US" altLang="zh-CN" dirty="0">
-                <a:latin typeface="Times New Roman" panose="02020603050405020304" pitchFamily="18" charset="0"/>
-                <a:cs typeface="Times New Roman" panose="02020603050405020304" pitchFamily="18" charset="0"/>
-              </a:rPr>
-              <a:t>“Presentation is as important (if not more) than the actual work. Presentation is easier to improve.”</a:t>
-            </a:r>
-          </a:p>
-          <a:p>
-            <a:r>
-              <a:rPr lang="en-US" altLang="zh-CN" dirty="0">
-                <a:latin typeface="Times New Roman" panose="02020603050405020304" pitchFamily="18" charset="0"/>
-                <a:cs typeface="Times New Roman" panose="02020603050405020304" pitchFamily="18" charset="0"/>
-              </a:rPr>
-              <a:t>By Dimitris </a:t>
-            </a:r>
-            <a:r>
-              <a:rPr lang="en-US" altLang="zh-CN" dirty="0" err="1">
-                <a:latin typeface="Times New Roman" panose="02020603050405020304" pitchFamily="18" charset="0"/>
-                <a:cs typeface="Times New Roman" panose="02020603050405020304" pitchFamily="18" charset="0"/>
-              </a:rPr>
-              <a:t>Papadias</a:t>
-            </a:r>
-            <a:r>
-              <a:rPr lang="en-US" altLang="zh-CN" dirty="0">
-                <a:latin typeface="Times New Roman" panose="02020603050405020304" pitchFamily="18" charset="0"/>
-                <a:cs typeface="Times New Roman" panose="02020603050405020304" pitchFamily="18" charset="0"/>
-              </a:rPr>
-              <a:t> (a full professor in HKUST) </a:t>
-            </a:r>
-            <a:r>
-              <a:rPr lang="en-US" altLang="zh-CN" dirty="0">
-                <a:latin typeface="Times New Roman" panose="02020603050405020304" pitchFamily="18" charset="0"/>
-                <a:cs typeface="Times New Roman" panose="02020603050405020304" pitchFamily="18" charset="0"/>
-                <a:hlinkClick r:id="rId2"/>
-              </a:rPr>
-              <a:t>https://www.cse.ust.hk/~dimitris/Instructions%20for%20PhD%20Students.pdf</a:t>
-            </a:r>
-            <a:r>
-              <a:rPr lang="en-US" altLang="zh-CN" dirty="0">
-                <a:latin typeface="Times New Roman" panose="02020603050405020304" pitchFamily="18" charset="0"/>
-                <a:cs typeface="Times New Roman" panose="02020603050405020304" pitchFamily="18" charset="0"/>
-              </a:rPr>
-              <a:t> (Strongly suggest you to read the slides.)</a:t>
-            </a:r>
-          </a:p>
-        </p:txBody>
-      </p:sp>
-      <p:sp>
-        <p:nvSpPr>
-          <p:cNvPr id="4" name="灯片编号占位符 3">
-            <a:extLst>
-              <a:ext uri="{FF2B5EF4-FFF2-40B4-BE49-F238E27FC236}">
-                <a16:creationId xmlns:a16="http://schemas.microsoft.com/office/drawing/2014/main" id="{9F32A0D2-4145-476A-B58D-ACAF91BDFC1F}"/>
+          <a:p>
+            <a:r>
+              <a:rPr lang="en-HK" altLang="zh-CN" dirty="0">
+                <a:latin typeface="Times New Roman" panose="02020603050405020304" pitchFamily="18" charset="0"/>
+                <a:cs typeface="Times New Roman" panose="02020603050405020304" pitchFamily="18" charset="0"/>
+              </a:rPr>
+              <a:t>Topic-finding may not be trendy.</a:t>
+            </a:r>
+          </a:p>
+          <a:p>
+            <a:endParaRPr lang="en-HK" altLang="zh-CN" dirty="0">
+              <a:latin typeface="Times New Roman" panose="02020603050405020304" pitchFamily="18" charset="0"/>
+              <a:cs typeface="Times New Roman" panose="02020603050405020304" pitchFamily="18" charset="0"/>
+            </a:endParaRPr>
+          </a:p>
+          <a:p>
+            <a:r>
+              <a:rPr lang="en-HK" altLang="zh-CN" dirty="0">
+                <a:latin typeface="Times New Roman" panose="02020603050405020304" pitchFamily="18" charset="0"/>
+                <a:cs typeface="Times New Roman" panose="02020603050405020304" pitchFamily="18" charset="0"/>
+              </a:rPr>
+              <a:t>Find the topic that you must really enjoy for.</a:t>
+            </a:r>
+          </a:p>
+          <a:p>
+            <a:pPr lvl="1"/>
+            <a:r>
+              <a:rPr lang="en-HK" altLang="zh-CN" dirty="0">
+                <a:latin typeface="Times New Roman" panose="02020603050405020304" pitchFamily="18" charset="0"/>
+                <a:cs typeface="Times New Roman" panose="02020603050405020304" pitchFamily="18" charset="0"/>
+              </a:rPr>
+              <a:t>You need to handle this topic for the future four years.</a:t>
+            </a:r>
+          </a:p>
+          <a:p>
+            <a:pPr lvl="1"/>
+            <a:r>
+              <a:rPr lang="en-HK" altLang="zh-CN" dirty="0">
+                <a:latin typeface="Times New Roman" panose="02020603050405020304" pitchFamily="18" charset="0"/>
+                <a:cs typeface="Times New Roman" panose="02020603050405020304" pitchFamily="18" charset="0"/>
+              </a:rPr>
+              <a:t>Keep asking whether you enjoy that topic.</a:t>
+            </a:r>
+          </a:p>
+        </p:txBody>
+      </p:sp>
+      <p:sp>
+        <p:nvSpPr>
+          <p:cNvPr id="4" name="Slide Number Placeholder 3">
+            <a:extLst>
+              <a:ext uri="{FF2B5EF4-FFF2-40B4-BE49-F238E27FC236}">
+                <a16:creationId xmlns:a16="http://schemas.microsoft.com/office/drawing/2014/main" id="{E6F3C9D2-1AA7-51B8-6559-7A1855827659}"/>
               </a:ext>
             </a:extLst>
           </p:cNvPr>
@@ -8710,7 +8764,7 @@
     </p:spTree>
     <p:extLst>
       <p:ext uri="{BB962C8B-B14F-4D97-AF65-F5344CB8AC3E}">
-        <p14:creationId xmlns:p14="http://schemas.microsoft.com/office/powerpoint/2010/main" val="1737253198"/>
+        <p14:creationId xmlns:p14="http://schemas.microsoft.com/office/powerpoint/2010/main" val="1835884901"/>
       </p:ext>
     </p:extLst>
   </p:cSld>
@@ -8972,6 +9026,969 @@
     <p:extLst>
       <p:ext uri="{BB962C8B-B14F-4D97-AF65-F5344CB8AC3E}">
         <p14:creationId xmlns:p14="http://schemas.microsoft.com/office/powerpoint/2010/main" val="181210367"/>
+      </p:ext>
+    </p:extLst>
+  </p:cSld>
+  <p:clrMapOvr>
+    <a:masterClrMapping/>
+  </p:clrMapOvr>
+</p:sld>
+</file>
+
+<file path=ppt/slides/slide20.xml><?xml version="1.0" encoding="utf-8"?>
+<p:sld xmlns:a="http://schemas.openxmlformats.org/drawingml/2006/main" xmlns:r="http://schemas.openxmlformats.org/officeDocument/2006/relationships" xmlns:p="http://schemas.openxmlformats.org/presentationml/2006/main">
+  <p:cSld>
+    <p:spTree>
+      <p:nvGrpSpPr>
+        <p:cNvPr id="1" name=""/>
+        <p:cNvGrpSpPr/>
+        <p:nvPr/>
+      </p:nvGrpSpPr>
+      <p:grpSpPr>
+        <a:xfrm>
+          <a:off x="0" y="0"/>
+          <a:ext cx="0" cy="0"/>
+          <a:chOff x="0" y="0"/>
+          <a:chExt cx="0" cy="0"/>
+        </a:xfrm>
+      </p:grpSpPr>
+      <p:sp>
+        <p:nvSpPr>
+          <p:cNvPr id="2" name="Title 1">
+            <a:extLst>
+              <a:ext uri="{FF2B5EF4-FFF2-40B4-BE49-F238E27FC236}">
+                <a16:creationId xmlns:a16="http://schemas.microsoft.com/office/drawing/2014/main" id="{25FF97A1-CB46-5D87-C030-504777D61C92}"/>
+              </a:ext>
+            </a:extLst>
+          </p:cNvPr>
+          <p:cNvSpPr>
+            <a:spLocks noGrp="1"/>
+          </p:cNvSpPr>
+          <p:nvPr>
+            <p:ph type="title"/>
+          </p:nvPr>
+        </p:nvSpPr>
+        <p:spPr>
+          <a:xfrm>
+            <a:off x="838200" y="355745"/>
+            <a:ext cx="10515600" cy="1325563"/>
+          </a:xfrm>
+        </p:spPr>
+        <p:txBody>
+          <a:bodyPr/>
+          <a:lstStyle/>
+          <a:p>
+            <a:pPr algn="ctr"/>
+            <a:r>
+              <a:rPr lang="en-HK" altLang="zh-CN" dirty="0">
+                <a:latin typeface="Times New Roman" panose="02020603050405020304" pitchFamily="18" charset="0"/>
+                <a:cs typeface="Times New Roman" panose="02020603050405020304" pitchFamily="18" charset="0"/>
+              </a:rPr>
+              <a:t>More Suggestions: Writing Attitude</a:t>
+            </a:r>
+            <a:endParaRPr lang="zh-CN" altLang="en-US" dirty="0"/>
+          </a:p>
+        </p:txBody>
+      </p:sp>
+      <p:sp>
+        <p:nvSpPr>
+          <p:cNvPr id="3" name="Content Placeholder 2">
+            <a:extLst>
+              <a:ext uri="{FF2B5EF4-FFF2-40B4-BE49-F238E27FC236}">
+                <a16:creationId xmlns:a16="http://schemas.microsoft.com/office/drawing/2014/main" id="{00CC9329-620E-19D2-AA6D-9DFEF56D6BF8}"/>
+              </a:ext>
+            </a:extLst>
+          </p:cNvPr>
+          <p:cNvSpPr>
+            <a:spLocks noGrp="1"/>
+          </p:cNvSpPr>
+          <p:nvPr>
+            <p:ph idx="1"/>
+          </p:nvPr>
+        </p:nvSpPr>
+        <p:spPr>
+          <a:xfrm>
+            <a:off x="838200" y="1535618"/>
+            <a:ext cx="10515600" cy="4606203"/>
+          </a:xfrm>
+        </p:spPr>
+        <p:txBody>
+          <a:bodyPr/>
+          <a:lstStyle/>
+          <a:p>
+            <a:r>
+              <a:rPr lang="en-HK" altLang="zh-CN" dirty="0">
+                <a:latin typeface="Times New Roman" panose="02020603050405020304" pitchFamily="18" charset="0"/>
+                <a:cs typeface="Times New Roman" panose="02020603050405020304" pitchFamily="18" charset="0"/>
+              </a:rPr>
+              <a:t>Write every day no matter what you feel.</a:t>
+            </a:r>
+          </a:p>
+          <a:p>
+            <a:endParaRPr lang="en-HK" altLang="zh-CN" dirty="0">
+              <a:latin typeface="Times New Roman" panose="02020603050405020304" pitchFamily="18" charset="0"/>
+              <a:cs typeface="Times New Roman" panose="02020603050405020304" pitchFamily="18" charset="0"/>
+            </a:endParaRPr>
+          </a:p>
+          <a:p>
+            <a:r>
+              <a:rPr lang="en-HK" altLang="zh-CN" dirty="0">
+                <a:latin typeface="Times New Roman" panose="02020603050405020304" pitchFamily="18" charset="0"/>
+                <a:cs typeface="Times New Roman" panose="02020603050405020304" pitchFamily="18" charset="0"/>
+              </a:rPr>
+              <a:t>Write the draft even though you have no idea.</a:t>
+            </a:r>
+          </a:p>
+          <a:p>
+            <a:pPr lvl="1"/>
+            <a:r>
+              <a:rPr lang="en-HK" altLang="zh-CN" dirty="0">
+                <a:latin typeface="Times New Roman" panose="02020603050405020304" pitchFamily="18" charset="0"/>
+                <a:cs typeface="Times New Roman" panose="02020603050405020304" pitchFamily="18" charset="0"/>
+              </a:rPr>
+              <a:t>Write introduction</a:t>
+            </a:r>
+          </a:p>
+          <a:p>
+            <a:pPr lvl="1"/>
+            <a:r>
+              <a:rPr lang="en-HK" altLang="zh-CN" dirty="0">
+                <a:latin typeface="Times New Roman" panose="02020603050405020304" pitchFamily="18" charset="0"/>
+                <a:cs typeface="Times New Roman" panose="02020603050405020304" pitchFamily="18" charset="0"/>
+              </a:rPr>
+              <a:t>Write related work</a:t>
+            </a:r>
+          </a:p>
+          <a:p>
+            <a:pPr lvl="1"/>
+            <a:r>
+              <a:rPr lang="en-HK" altLang="zh-CN" dirty="0">
+                <a:latin typeface="Times New Roman" panose="02020603050405020304" pitchFamily="18" charset="0"/>
+                <a:cs typeface="Times New Roman" panose="02020603050405020304" pitchFamily="18" charset="0"/>
+              </a:rPr>
+              <a:t>Writing helps you for concentration (for thinking ideas).</a:t>
+            </a:r>
+          </a:p>
+          <a:p>
+            <a:pPr lvl="1"/>
+            <a:endParaRPr lang="en-HK" altLang="zh-CN" dirty="0">
+              <a:latin typeface="Times New Roman" panose="02020603050405020304" pitchFamily="18" charset="0"/>
+              <a:cs typeface="Times New Roman" panose="02020603050405020304" pitchFamily="18" charset="0"/>
+            </a:endParaRPr>
+          </a:p>
+          <a:p>
+            <a:r>
+              <a:rPr lang="en-HK" altLang="zh-CN" dirty="0">
+                <a:latin typeface="Times New Roman" panose="02020603050405020304" pitchFamily="18" charset="0"/>
+                <a:cs typeface="Times New Roman" panose="02020603050405020304" pitchFamily="18" charset="0"/>
+              </a:rPr>
+              <a:t>Love and believe your work.</a:t>
+            </a:r>
+          </a:p>
+          <a:p>
+            <a:pPr lvl="1"/>
+            <a:r>
+              <a:rPr lang="en-HK" altLang="zh-CN" dirty="0">
+                <a:latin typeface="Times New Roman" panose="02020603050405020304" pitchFamily="18" charset="0"/>
+                <a:cs typeface="Times New Roman" panose="02020603050405020304" pitchFamily="18" charset="0"/>
+              </a:rPr>
+              <a:t>Do not give up your idea early. (Writing can help!)</a:t>
+            </a:r>
+          </a:p>
+          <a:p>
+            <a:pPr lvl="1"/>
+            <a:r>
+              <a:rPr lang="en-US" altLang="zh-CN" dirty="0">
+                <a:latin typeface="Times New Roman" panose="02020603050405020304" pitchFamily="18" charset="0"/>
+                <a:cs typeface="Times New Roman" panose="02020603050405020304" pitchFamily="18" charset="0"/>
+              </a:rPr>
+              <a:t>Find ways to save your ideas</a:t>
+            </a:r>
+            <a:r>
+              <a:rPr lang="en-HK" altLang="zh-CN" dirty="0">
+                <a:latin typeface="Times New Roman" panose="02020603050405020304" pitchFamily="18" charset="0"/>
+                <a:cs typeface="Times New Roman" panose="02020603050405020304" pitchFamily="18" charset="0"/>
+              </a:rPr>
+              <a:t>.</a:t>
+            </a:r>
+          </a:p>
+        </p:txBody>
+      </p:sp>
+      <p:sp>
+        <p:nvSpPr>
+          <p:cNvPr id="4" name="Slide Number Placeholder 3">
+            <a:extLst>
+              <a:ext uri="{FF2B5EF4-FFF2-40B4-BE49-F238E27FC236}">
+                <a16:creationId xmlns:a16="http://schemas.microsoft.com/office/drawing/2014/main" id="{8D92F8ED-B6C1-1623-0519-43621255DC90}"/>
+              </a:ext>
+            </a:extLst>
+          </p:cNvPr>
+          <p:cNvSpPr>
+            <a:spLocks noGrp="1"/>
+          </p:cNvSpPr>
+          <p:nvPr>
+            <p:ph type="sldNum" sz="quarter" idx="12"/>
+          </p:nvPr>
+        </p:nvSpPr>
+        <p:spPr/>
+        <p:txBody>
+          <a:bodyPr/>
+          <a:lstStyle/>
+          <a:p>
+            <a:fld id="{3BAA0D2F-30BB-43E9-B553-3D3588F912D8}" type="slidenum">
+              <a:rPr lang="zh-CN" altLang="en-US" smtClean="0"/>
+              <a:t>20</a:t>
+            </a:fld>
+            <a:endParaRPr lang="zh-CN" altLang="en-US"/>
+          </a:p>
+        </p:txBody>
+      </p:sp>
+    </p:spTree>
+    <p:extLst>
+      <p:ext uri="{BB962C8B-B14F-4D97-AF65-F5344CB8AC3E}">
+        <p14:creationId xmlns:p14="http://schemas.microsoft.com/office/powerpoint/2010/main" val="3365848389"/>
+      </p:ext>
+    </p:extLst>
+  </p:cSld>
+  <p:clrMapOvr>
+    <a:masterClrMapping/>
+  </p:clrMapOvr>
+</p:sld>
+</file>
+
+<file path=ppt/slides/slide21.xml><?xml version="1.0" encoding="utf-8"?>
+<p:sld xmlns:a="http://schemas.openxmlformats.org/drawingml/2006/main" xmlns:r="http://schemas.openxmlformats.org/officeDocument/2006/relationships" xmlns:p="http://schemas.openxmlformats.org/presentationml/2006/main">
+  <p:cSld>
+    <p:spTree>
+      <p:nvGrpSpPr>
+        <p:cNvPr id="1" name=""/>
+        <p:cNvGrpSpPr/>
+        <p:nvPr/>
+      </p:nvGrpSpPr>
+      <p:grpSpPr>
+        <a:xfrm>
+          <a:off x="0" y="0"/>
+          <a:ext cx="0" cy="0"/>
+          <a:chOff x="0" y="0"/>
+          <a:chExt cx="0" cy="0"/>
+        </a:xfrm>
+      </p:grpSpPr>
+      <p:sp>
+        <p:nvSpPr>
+          <p:cNvPr id="2" name="Title 1">
+            <a:extLst>
+              <a:ext uri="{FF2B5EF4-FFF2-40B4-BE49-F238E27FC236}">
+                <a16:creationId xmlns:a16="http://schemas.microsoft.com/office/drawing/2014/main" id="{033471FF-E1B3-F6AA-C24E-630427B81941}"/>
+              </a:ext>
+            </a:extLst>
+          </p:cNvPr>
+          <p:cNvSpPr>
+            <a:spLocks noGrp="1"/>
+          </p:cNvSpPr>
+          <p:nvPr>
+            <p:ph type="title"/>
+          </p:nvPr>
+        </p:nvSpPr>
+        <p:spPr/>
+        <p:txBody>
+          <a:bodyPr/>
+          <a:lstStyle/>
+          <a:p>
+            <a:pPr algn="ctr"/>
+            <a:r>
+              <a:rPr lang="en-HK" altLang="zh-CN" dirty="0">
+                <a:latin typeface="Times New Roman" panose="02020603050405020304" pitchFamily="18" charset="0"/>
+                <a:cs typeface="Times New Roman" panose="02020603050405020304" pitchFamily="18" charset="0"/>
+              </a:rPr>
+              <a:t>More Suggestions: Braveness</a:t>
+            </a:r>
+            <a:endParaRPr lang="zh-CN" altLang="en-US" dirty="0"/>
+          </a:p>
+        </p:txBody>
+      </p:sp>
+      <p:sp>
+        <p:nvSpPr>
+          <p:cNvPr id="3" name="Content Placeholder 2">
+            <a:extLst>
+              <a:ext uri="{FF2B5EF4-FFF2-40B4-BE49-F238E27FC236}">
+                <a16:creationId xmlns:a16="http://schemas.microsoft.com/office/drawing/2014/main" id="{591898BA-BB68-0CBB-B0A8-F7F30E29D78A}"/>
+              </a:ext>
+            </a:extLst>
+          </p:cNvPr>
+          <p:cNvSpPr>
+            <a:spLocks noGrp="1"/>
+          </p:cNvSpPr>
+          <p:nvPr>
+            <p:ph idx="1"/>
+          </p:nvPr>
+        </p:nvSpPr>
+        <p:spPr/>
+        <p:txBody>
+          <a:bodyPr/>
+          <a:lstStyle/>
+          <a:p>
+            <a:r>
+              <a:rPr lang="en-US" altLang="zh-CN" dirty="0">
+                <a:latin typeface="Times New Roman" panose="02020603050405020304" pitchFamily="18" charset="0"/>
+                <a:cs typeface="Times New Roman" panose="02020603050405020304" pitchFamily="18" charset="0"/>
+              </a:rPr>
+              <a:t>Be brave.</a:t>
+            </a:r>
+            <a:endParaRPr lang="en-US" altLang="zh-CN" dirty="0">
+              <a:latin typeface="Times New Roman" panose="02020603050405020304" pitchFamily="18" charset="0"/>
+              <a:cs typeface="Times New Roman" panose="02020603050405020304" pitchFamily="18" charset="0"/>
+              <a:sym typeface="Wingdings" panose="05000000000000000000" pitchFamily="2" charset="2"/>
+            </a:endParaRPr>
+          </a:p>
+          <a:p>
+            <a:pPr lvl="1"/>
+            <a:r>
+              <a:rPr lang="en-US" altLang="zh-CN" dirty="0">
+                <a:latin typeface="Times New Roman" panose="02020603050405020304" pitchFamily="18" charset="0"/>
+                <a:cs typeface="Times New Roman" panose="02020603050405020304" pitchFamily="18" charset="0"/>
+              </a:rPr>
+              <a:t>Academic freedom</a:t>
+            </a:r>
+            <a:r>
+              <a:rPr lang="zh-CN" altLang="en-US" dirty="0">
+                <a:latin typeface="Times New Roman" panose="02020603050405020304" pitchFamily="18" charset="0"/>
+                <a:cs typeface="Times New Roman" panose="02020603050405020304" pitchFamily="18" charset="0"/>
+              </a:rPr>
+              <a:t> </a:t>
+            </a:r>
+            <a:r>
+              <a:rPr lang="en-US" altLang="zh-CN" dirty="0">
+                <a:latin typeface="Times New Roman" panose="02020603050405020304" pitchFamily="18" charset="0"/>
+                <a:cs typeface="Times New Roman" panose="02020603050405020304" pitchFamily="18" charset="0"/>
+              </a:rPr>
+              <a:t>protects</a:t>
+            </a:r>
+            <a:r>
+              <a:rPr lang="zh-CN" altLang="en-US" dirty="0">
+                <a:latin typeface="Times New Roman" panose="02020603050405020304" pitchFamily="18" charset="0"/>
+                <a:cs typeface="Times New Roman" panose="02020603050405020304" pitchFamily="18" charset="0"/>
+              </a:rPr>
+              <a:t> </a:t>
+            </a:r>
+            <a:r>
+              <a:rPr lang="en-US" altLang="zh-CN" dirty="0">
+                <a:latin typeface="Times New Roman" panose="02020603050405020304" pitchFamily="18" charset="0"/>
+                <a:cs typeface="Times New Roman" panose="02020603050405020304" pitchFamily="18" charset="0"/>
+              </a:rPr>
+              <a:t>you. </a:t>
+            </a:r>
+            <a:r>
+              <a:rPr lang="en-US" altLang="zh-CN" dirty="0">
+                <a:latin typeface="Times New Roman" panose="02020603050405020304" pitchFamily="18" charset="0"/>
+                <a:cs typeface="Times New Roman" panose="02020603050405020304" pitchFamily="18" charset="0"/>
+                <a:sym typeface="Wingdings" panose="05000000000000000000" pitchFamily="2" charset="2"/>
+              </a:rPr>
+              <a:t></a:t>
+            </a:r>
+            <a:endParaRPr lang="en-US" altLang="zh-CN" dirty="0">
+              <a:latin typeface="Times New Roman" panose="02020603050405020304" pitchFamily="18" charset="0"/>
+              <a:cs typeface="Times New Roman" panose="02020603050405020304" pitchFamily="18" charset="0"/>
+            </a:endParaRPr>
+          </a:p>
+          <a:p>
+            <a:pPr lvl="2"/>
+            <a:r>
+              <a:rPr lang="en-US" altLang="zh-CN" dirty="0">
+                <a:latin typeface="Times New Roman" panose="02020603050405020304" pitchFamily="18" charset="0"/>
+                <a:cs typeface="Times New Roman" panose="02020603050405020304" pitchFamily="18" charset="0"/>
+                <a:sym typeface="Wingdings" panose="05000000000000000000" pitchFamily="2" charset="2"/>
+              </a:rPr>
+              <a:t>No one will laugh at you.</a:t>
+            </a:r>
+          </a:p>
+          <a:p>
+            <a:pPr lvl="2"/>
+            <a:r>
+              <a:rPr lang="en-US" altLang="zh-CN" dirty="0">
+                <a:latin typeface="Times New Roman" panose="02020603050405020304" pitchFamily="18" charset="0"/>
+                <a:cs typeface="Times New Roman" panose="02020603050405020304" pitchFamily="18" charset="0"/>
+              </a:rPr>
+              <a:t>No one will blame you even if you are wrong.</a:t>
+            </a:r>
+          </a:p>
+          <a:p>
+            <a:pPr lvl="2"/>
+            <a:r>
+              <a:rPr lang="en-US" altLang="zh-CN" dirty="0">
+                <a:latin typeface="Times New Roman" panose="02020603050405020304" pitchFamily="18" charset="0"/>
+                <a:cs typeface="Times New Roman" panose="02020603050405020304" pitchFamily="18" charset="0"/>
+              </a:rPr>
+              <a:t>If they laugh at you or blame you, you can simply say this is academic freedom (I can say whatever I say as long as they are ethical, or they do not break the law.).</a:t>
+            </a:r>
+          </a:p>
+          <a:p>
+            <a:pPr lvl="1"/>
+            <a:r>
+              <a:rPr lang="en-US" altLang="zh-CN" dirty="0">
+                <a:latin typeface="Times New Roman" panose="02020603050405020304" pitchFamily="18" charset="0"/>
+                <a:cs typeface="Times New Roman" panose="02020603050405020304" pitchFamily="18" charset="0"/>
+                <a:sym typeface="Wingdings" panose="05000000000000000000" pitchFamily="2" charset="2"/>
+              </a:rPr>
+              <a:t>Don’t be afraid if it is wrong.</a:t>
+            </a:r>
+            <a:endParaRPr lang="en-US" altLang="zh-CN" dirty="0">
+              <a:latin typeface="Times New Roman" panose="02020603050405020304" pitchFamily="18" charset="0"/>
+              <a:cs typeface="Times New Roman" panose="02020603050405020304" pitchFamily="18" charset="0"/>
+            </a:endParaRPr>
+          </a:p>
+          <a:p>
+            <a:pPr lvl="2"/>
+            <a:r>
+              <a:rPr lang="en-US" altLang="zh-CN" dirty="0">
+                <a:latin typeface="Times New Roman" panose="02020603050405020304" pitchFamily="18" charset="0"/>
+                <a:cs typeface="Times New Roman" panose="02020603050405020304" pitchFamily="18" charset="0"/>
+              </a:rPr>
+              <a:t>“Everything you say” is only based on the best of your knowledge at that time.</a:t>
+            </a:r>
+          </a:p>
+          <a:p>
+            <a:pPr lvl="2"/>
+            <a:r>
+              <a:rPr lang="en-US" altLang="zh-CN" dirty="0">
+                <a:latin typeface="Times New Roman" panose="02020603050405020304" pitchFamily="18" charset="0"/>
+                <a:cs typeface="Times New Roman" panose="02020603050405020304" pitchFamily="18" charset="0"/>
+              </a:rPr>
+              <a:t>You only need to say “I am sorry.” or “I learn it.” when it turns out to be wrong.</a:t>
+            </a:r>
+            <a:endParaRPr lang="zh-CN" altLang="en-US" dirty="0"/>
+          </a:p>
+        </p:txBody>
+      </p:sp>
+      <p:sp>
+        <p:nvSpPr>
+          <p:cNvPr id="4" name="Slide Number Placeholder 3">
+            <a:extLst>
+              <a:ext uri="{FF2B5EF4-FFF2-40B4-BE49-F238E27FC236}">
+                <a16:creationId xmlns:a16="http://schemas.microsoft.com/office/drawing/2014/main" id="{BB70F608-1147-D7CB-C843-4AC4879069AD}"/>
+              </a:ext>
+            </a:extLst>
+          </p:cNvPr>
+          <p:cNvSpPr>
+            <a:spLocks noGrp="1"/>
+          </p:cNvSpPr>
+          <p:nvPr>
+            <p:ph type="sldNum" sz="quarter" idx="12"/>
+          </p:nvPr>
+        </p:nvSpPr>
+        <p:spPr/>
+        <p:txBody>
+          <a:bodyPr/>
+          <a:lstStyle/>
+          <a:p>
+            <a:fld id="{3BAA0D2F-30BB-43E9-B553-3D3588F912D8}" type="slidenum">
+              <a:rPr lang="zh-CN" altLang="en-US" smtClean="0"/>
+              <a:t>21</a:t>
+            </a:fld>
+            <a:endParaRPr lang="zh-CN" altLang="en-US"/>
+          </a:p>
+        </p:txBody>
+      </p:sp>
+    </p:spTree>
+    <p:extLst>
+      <p:ext uri="{BB962C8B-B14F-4D97-AF65-F5344CB8AC3E}">
+        <p14:creationId xmlns:p14="http://schemas.microsoft.com/office/powerpoint/2010/main" val="427670734"/>
+      </p:ext>
+    </p:extLst>
+  </p:cSld>
+  <p:clrMapOvr>
+    <a:masterClrMapping/>
+  </p:clrMapOvr>
+</p:sld>
+</file>
+
+<file path=ppt/slides/slide22.xml><?xml version="1.0" encoding="utf-8"?>
+<p:sld xmlns:a="http://schemas.openxmlformats.org/drawingml/2006/main" xmlns:r="http://schemas.openxmlformats.org/officeDocument/2006/relationships" xmlns:p="http://schemas.openxmlformats.org/presentationml/2006/main">
+  <p:cSld>
+    <p:spTree>
+      <p:nvGrpSpPr>
+        <p:cNvPr id="1" name=""/>
+        <p:cNvGrpSpPr/>
+        <p:nvPr/>
+      </p:nvGrpSpPr>
+      <p:grpSpPr>
+        <a:xfrm>
+          <a:off x="0" y="0"/>
+          <a:ext cx="0" cy="0"/>
+          <a:chOff x="0" y="0"/>
+          <a:chExt cx="0" cy="0"/>
+        </a:xfrm>
+      </p:grpSpPr>
+      <p:sp>
+        <p:nvSpPr>
+          <p:cNvPr id="2" name="Title 1">
+            <a:extLst>
+              <a:ext uri="{FF2B5EF4-FFF2-40B4-BE49-F238E27FC236}">
+                <a16:creationId xmlns:a16="http://schemas.microsoft.com/office/drawing/2014/main" id="{8892C78A-24BE-64F4-2C1E-E5CBF2291CD1}"/>
+              </a:ext>
+            </a:extLst>
+          </p:cNvPr>
+          <p:cNvSpPr>
+            <a:spLocks noGrp="1"/>
+          </p:cNvSpPr>
+          <p:nvPr>
+            <p:ph type="title"/>
+          </p:nvPr>
+        </p:nvSpPr>
+        <p:spPr>
+          <a:xfrm>
+            <a:off x="838200" y="-109545"/>
+            <a:ext cx="10515600" cy="1325563"/>
+          </a:xfrm>
+        </p:spPr>
+        <p:txBody>
+          <a:bodyPr/>
+          <a:lstStyle/>
+          <a:p>
+            <a:pPr algn="ctr"/>
+            <a:r>
+              <a:rPr lang="en-HK" altLang="zh-CN" dirty="0">
+                <a:latin typeface="Times New Roman" panose="02020603050405020304" pitchFamily="18" charset="0"/>
+                <a:cs typeface="Times New Roman" panose="02020603050405020304" pitchFamily="18" charset="0"/>
+              </a:rPr>
+              <a:t>More Suggestions: Submission</a:t>
+            </a:r>
+            <a:endParaRPr lang="zh-CN" altLang="en-US" dirty="0">
+              <a:latin typeface="Times New Roman" panose="02020603050405020304" pitchFamily="18" charset="0"/>
+              <a:cs typeface="Times New Roman" panose="02020603050405020304" pitchFamily="18" charset="0"/>
+            </a:endParaRPr>
+          </a:p>
+        </p:txBody>
+      </p:sp>
+      <mc:AlternateContent xmlns:mc="http://schemas.openxmlformats.org/markup-compatibility/2006">
+        <mc:Choice xmlns:a14="http://schemas.microsoft.com/office/drawing/2010/main" Requires="a14">
+          <p:sp>
+            <p:nvSpPr>
+              <p:cNvPr id="3" name="Content Placeholder 2">
+                <a:extLst>
+                  <a:ext uri="{FF2B5EF4-FFF2-40B4-BE49-F238E27FC236}">
+                    <a16:creationId xmlns:a16="http://schemas.microsoft.com/office/drawing/2014/main" id="{B939E21E-DBD7-3230-4A4B-59F878DC13A6}"/>
+                  </a:ext>
+                </a:extLst>
+              </p:cNvPr>
+              <p:cNvSpPr>
+                <a:spLocks noGrp="1"/>
+              </p:cNvSpPr>
+              <p:nvPr>
+                <p:ph idx="1"/>
+              </p:nvPr>
+            </p:nvSpPr>
+            <p:spPr>
+              <a:xfrm>
+                <a:off x="838199" y="1072132"/>
+                <a:ext cx="10827327" cy="6076809"/>
+              </a:xfrm>
+            </p:spPr>
+            <p:txBody>
+              <a:bodyPr>
+                <a:normAutofit/>
+              </a:bodyPr>
+              <a:lstStyle/>
+              <a:p>
+                <a:r>
+                  <a:rPr lang="en-HK" altLang="zh-CN" dirty="0">
+                    <a:latin typeface="Times New Roman" panose="02020603050405020304" pitchFamily="18" charset="0"/>
+                    <a:cs typeface="Times New Roman" panose="02020603050405020304" pitchFamily="18" charset="0"/>
+                  </a:rPr>
+                  <a:t>Research papers should be expected to be rejected when we submit them each time.</a:t>
+                </a:r>
+              </a:p>
+              <a:p>
+                <a:pPr lvl="1"/>
+                <a:r>
+                  <a:rPr lang="en-HK" altLang="zh-CN" dirty="0">
+                    <a:latin typeface="Times New Roman" panose="02020603050405020304" pitchFamily="18" charset="0"/>
+                    <a:cs typeface="Times New Roman" panose="02020603050405020304" pitchFamily="18" charset="0"/>
+                  </a:rPr>
+                  <a:t>The acceptance rate of every top-tier conference is smaller than 50%.</a:t>
+                </a:r>
+              </a:p>
+              <a:p>
+                <a:endParaRPr lang="en-HK" altLang="zh-CN" dirty="0">
+                  <a:latin typeface="Times New Roman" panose="02020603050405020304" pitchFamily="18" charset="0"/>
+                  <a:cs typeface="Times New Roman" panose="02020603050405020304" pitchFamily="18" charset="0"/>
+                </a:endParaRPr>
+              </a:p>
+              <a:p>
+                <a:r>
+                  <a:rPr lang="en-HK" altLang="zh-CN" dirty="0">
+                    <a:latin typeface="Times New Roman" panose="02020603050405020304" pitchFamily="18" charset="0"/>
+                    <a:cs typeface="Times New Roman" panose="02020603050405020304" pitchFamily="18" charset="0"/>
+                  </a:rPr>
+                  <a:t>Research papers can always be accepted ultimately.</a:t>
+                </a:r>
+              </a:p>
+              <a:p>
+                <a:pPr lvl="1"/>
+                <a:r>
+                  <a:rPr lang="en-HK" altLang="zh-CN" dirty="0">
+                    <a:latin typeface="Times New Roman" panose="02020603050405020304" pitchFamily="18" charset="0"/>
+                    <a:cs typeface="Times New Roman" panose="02020603050405020304" pitchFamily="18" charset="0"/>
+                  </a:rPr>
+                  <a:t>If the probability of acceptance </a:t>
+                </a:r>
+                <a14:m>
+                  <m:oMath xmlns:m="http://schemas.openxmlformats.org/officeDocument/2006/math">
+                    <m:r>
+                      <a:rPr lang="en-HK" altLang="zh-CN" b="0" i="1" smtClean="0">
+                        <a:latin typeface="Cambria Math" panose="02040503050406030204" pitchFamily="18" charset="0"/>
+                        <a:cs typeface="Times New Roman" panose="02020603050405020304" pitchFamily="18" charset="0"/>
+                      </a:rPr>
+                      <m:t>𝑝</m:t>
+                    </m:r>
+                  </m:oMath>
+                </a14:m>
+                <a:r>
+                  <a:rPr lang="en-HK" altLang="zh-CN" dirty="0">
+                    <a:latin typeface="Times New Roman" panose="02020603050405020304" pitchFamily="18" charset="0"/>
+                    <a:cs typeface="Times New Roman" panose="02020603050405020304" pitchFamily="18" charset="0"/>
+                  </a:rPr>
+                  <a:t> is not zero, the probability of acceptance is:</a:t>
+                </a:r>
+              </a:p>
+              <a:p>
+                <a:pPr marL="457200" lvl="1" indent="0">
+                  <a:buNone/>
+                </a:pPr>
+                <a14:m>
+                  <m:oMathPara xmlns:m="http://schemas.openxmlformats.org/officeDocument/2006/math">
+                    <m:oMathParaPr>
+                      <m:jc m:val="centerGroup"/>
+                    </m:oMathParaPr>
+                    <m:oMath xmlns:m="http://schemas.openxmlformats.org/officeDocument/2006/math">
+                      <m:r>
+                        <a:rPr lang="en-HK" altLang="zh-CN" b="0" i="1" smtClean="0">
+                          <a:latin typeface="Cambria Math" panose="02040503050406030204" pitchFamily="18" charset="0"/>
+                          <a:cs typeface="Times New Roman" panose="02020603050405020304" pitchFamily="18" charset="0"/>
+                        </a:rPr>
+                        <m:t>𝑝</m:t>
+                      </m:r>
+                      <m:r>
+                        <a:rPr lang="en-HK" altLang="zh-CN" b="0" i="1" smtClean="0">
+                          <a:latin typeface="Cambria Math" panose="02040503050406030204" pitchFamily="18" charset="0"/>
+                          <a:cs typeface="Times New Roman" panose="02020603050405020304" pitchFamily="18" charset="0"/>
+                        </a:rPr>
+                        <m:t>+</m:t>
+                      </m:r>
+                      <m:d>
+                        <m:dPr>
+                          <m:ctrlPr>
+                            <a:rPr lang="en-HK" altLang="zh-CN" b="0" i="1" smtClean="0">
+                              <a:latin typeface="Cambria Math" panose="02040503050406030204" pitchFamily="18" charset="0"/>
+                              <a:cs typeface="Times New Roman" panose="02020603050405020304" pitchFamily="18" charset="0"/>
+                            </a:rPr>
+                          </m:ctrlPr>
+                        </m:dPr>
+                        <m:e>
+                          <m:r>
+                            <a:rPr lang="en-HK" altLang="zh-CN" b="0" i="1" smtClean="0">
+                              <a:latin typeface="Cambria Math" panose="02040503050406030204" pitchFamily="18" charset="0"/>
+                              <a:cs typeface="Times New Roman" panose="02020603050405020304" pitchFamily="18" charset="0"/>
+                            </a:rPr>
+                            <m:t>1−</m:t>
+                          </m:r>
+                          <m:r>
+                            <a:rPr lang="en-HK" altLang="zh-CN" b="0" i="1" smtClean="0">
+                              <a:latin typeface="Cambria Math" panose="02040503050406030204" pitchFamily="18" charset="0"/>
+                              <a:cs typeface="Times New Roman" panose="02020603050405020304" pitchFamily="18" charset="0"/>
+                            </a:rPr>
+                            <m:t>𝑝</m:t>
+                          </m:r>
+                        </m:e>
+                      </m:d>
+                      <m:r>
+                        <a:rPr lang="en-HK" altLang="zh-CN" b="0" i="1" smtClean="0">
+                          <a:latin typeface="Cambria Math" panose="02040503050406030204" pitchFamily="18" charset="0"/>
+                          <a:cs typeface="Times New Roman" panose="02020603050405020304" pitchFamily="18" charset="0"/>
+                        </a:rPr>
+                        <m:t>𝑝</m:t>
+                      </m:r>
+                      <m:r>
+                        <a:rPr lang="en-HK" altLang="zh-CN" b="0" i="1" smtClean="0">
+                          <a:latin typeface="Cambria Math" panose="02040503050406030204" pitchFamily="18" charset="0"/>
+                          <a:cs typeface="Times New Roman" panose="02020603050405020304" pitchFamily="18" charset="0"/>
+                        </a:rPr>
+                        <m:t>+</m:t>
+                      </m:r>
+                      <m:sSup>
+                        <m:sSupPr>
+                          <m:ctrlPr>
+                            <a:rPr lang="en-HK" altLang="zh-CN" b="0" i="1" smtClean="0">
+                              <a:latin typeface="Cambria Math" panose="02040503050406030204" pitchFamily="18" charset="0"/>
+                              <a:cs typeface="Times New Roman" panose="02020603050405020304" pitchFamily="18" charset="0"/>
+                            </a:rPr>
+                          </m:ctrlPr>
+                        </m:sSupPr>
+                        <m:e>
+                          <m:d>
+                            <m:dPr>
+                              <m:ctrlPr>
+                                <a:rPr lang="en-HK" altLang="zh-CN" i="1">
+                                  <a:latin typeface="Cambria Math" panose="02040503050406030204" pitchFamily="18" charset="0"/>
+                                  <a:cs typeface="Times New Roman" panose="02020603050405020304" pitchFamily="18" charset="0"/>
+                                </a:rPr>
+                              </m:ctrlPr>
+                            </m:dPr>
+                            <m:e>
+                              <m:r>
+                                <a:rPr lang="en-HK" altLang="zh-CN" i="1">
+                                  <a:latin typeface="Cambria Math" panose="02040503050406030204" pitchFamily="18" charset="0"/>
+                                  <a:cs typeface="Times New Roman" panose="02020603050405020304" pitchFamily="18" charset="0"/>
+                                </a:rPr>
+                                <m:t>1−</m:t>
+                              </m:r>
+                              <m:r>
+                                <a:rPr lang="en-HK" altLang="zh-CN" i="1">
+                                  <a:latin typeface="Cambria Math" panose="02040503050406030204" pitchFamily="18" charset="0"/>
+                                  <a:cs typeface="Times New Roman" panose="02020603050405020304" pitchFamily="18" charset="0"/>
+                                </a:rPr>
+                                <m:t>𝑝</m:t>
+                              </m:r>
+                            </m:e>
+                          </m:d>
+                        </m:e>
+                        <m:sup>
+                          <m:r>
+                            <a:rPr lang="en-HK" altLang="zh-CN" b="0" i="1" smtClean="0">
+                              <a:latin typeface="Cambria Math" panose="02040503050406030204" pitchFamily="18" charset="0"/>
+                              <a:cs typeface="Times New Roman" panose="02020603050405020304" pitchFamily="18" charset="0"/>
+                            </a:rPr>
+                            <m:t>2</m:t>
+                          </m:r>
+                        </m:sup>
+                      </m:sSup>
+                      <m:r>
+                        <a:rPr lang="en-HK" altLang="zh-CN" b="0" i="1" smtClean="0">
+                          <a:latin typeface="Cambria Math" panose="02040503050406030204" pitchFamily="18" charset="0"/>
+                          <a:cs typeface="Times New Roman" panose="02020603050405020304" pitchFamily="18" charset="0"/>
+                        </a:rPr>
+                        <m:t>𝑝</m:t>
+                      </m:r>
+                      <m:r>
+                        <a:rPr lang="en-HK" altLang="zh-CN" b="0" i="1" smtClean="0">
+                          <a:latin typeface="Cambria Math" panose="02040503050406030204" pitchFamily="18" charset="0"/>
+                          <a:cs typeface="Times New Roman" panose="02020603050405020304" pitchFamily="18" charset="0"/>
+                        </a:rPr>
+                        <m:t>+…=</m:t>
+                      </m:r>
+                      <m:f>
+                        <m:fPr>
+                          <m:ctrlPr>
+                            <a:rPr lang="en-HK" altLang="zh-CN" b="0" i="1" smtClean="0">
+                              <a:latin typeface="Cambria Math" panose="02040503050406030204" pitchFamily="18" charset="0"/>
+                              <a:cs typeface="Times New Roman" panose="02020603050405020304" pitchFamily="18" charset="0"/>
+                            </a:rPr>
+                          </m:ctrlPr>
+                        </m:fPr>
+                        <m:num>
+                          <m:r>
+                            <a:rPr lang="en-HK" altLang="zh-CN" b="0" i="1" smtClean="0">
+                              <a:latin typeface="Cambria Math" panose="02040503050406030204" pitchFamily="18" charset="0"/>
+                              <a:cs typeface="Times New Roman" panose="02020603050405020304" pitchFamily="18" charset="0"/>
+                            </a:rPr>
+                            <m:t>1</m:t>
+                          </m:r>
+                        </m:num>
+                        <m:den>
+                          <m:r>
+                            <a:rPr lang="en-HK" altLang="zh-CN" b="0" i="1" smtClean="0">
+                              <a:latin typeface="Cambria Math" panose="02040503050406030204" pitchFamily="18" charset="0"/>
+                              <a:cs typeface="Times New Roman" panose="02020603050405020304" pitchFamily="18" charset="0"/>
+                            </a:rPr>
+                            <m:t>1−</m:t>
+                          </m:r>
+                          <m:d>
+                            <m:dPr>
+                              <m:ctrlPr>
+                                <a:rPr lang="en-HK" altLang="zh-CN" b="0" i="1" smtClean="0">
+                                  <a:latin typeface="Cambria Math" panose="02040503050406030204" pitchFamily="18" charset="0"/>
+                                  <a:cs typeface="Times New Roman" panose="02020603050405020304" pitchFamily="18" charset="0"/>
+                                </a:rPr>
+                              </m:ctrlPr>
+                            </m:dPr>
+                            <m:e>
+                              <m:r>
+                                <a:rPr lang="en-HK" altLang="zh-CN" b="0" i="1" smtClean="0">
+                                  <a:latin typeface="Cambria Math" panose="02040503050406030204" pitchFamily="18" charset="0"/>
+                                  <a:cs typeface="Times New Roman" panose="02020603050405020304" pitchFamily="18" charset="0"/>
+                                </a:rPr>
+                                <m:t>1−</m:t>
+                              </m:r>
+                              <m:r>
+                                <a:rPr lang="en-HK" altLang="zh-CN" b="0" i="1" smtClean="0">
+                                  <a:latin typeface="Cambria Math" panose="02040503050406030204" pitchFamily="18" charset="0"/>
+                                  <a:cs typeface="Times New Roman" panose="02020603050405020304" pitchFamily="18" charset="0"/>
+                                </a:rPr>
+                                <m:t>𝑝</m:t>
+                              </m:r>
+                            </m:e>
+                          </m:d>
+                        </m:den>
+                      </m:f>
+                      <m:r>
+                        <a:rPr lang="en-HK" altLang="zh-CN" b="0" i="1" smtClean="0">
+                          <a:latin typeface="Cambria Math" panose="02040503050406030204" pitchFamily="18" charset="0"/>
+                          <a:cs typeface="Times New Roman" panose="02020603050405020304" pitchFamily="18" charset="0"/>
+                        </a:rPr>
+                        <m:t>𝑝</m:t>
+                      </m:r>
+                      <m:r>
+                        <a:rPr lang="en-HK" altLang="zh-CN" b="0" i="1" smtClean="0">
+                          <a:latin typeface="Cambria Math" panose="02040503050406030204" pitchFamily="18" charset="0"/>
+                          <a:cs typeface="Times New Roman" panose="02020603050405020304" pitchFamily="18" charset="0"/>
+                        </a:rPr>
+                        <m:t>=1</m:t>
+                      </m:r>
+                    </m:oMath>
+                  </m:oMathPara>
+                </a14:m>
+                <a:endParaRPr lang="en-HK" altLang="zh-CN" dirty="0">
+                  <a:latin typeface="Times New Roman" panose="02020603050405020304" pitchFamily="18" charset="0"/>
+                  <a:cs typeface="Times New Roman" panose="02020603050405020304" pitchFamily="18" charset="0"/>
+                </a:endParaRPr>
+              </a:p>
+              <a:p>
+                <a:endParaRPr lang="en-HK" altLang="zh-CN" dirty="0">
+                  <a:latin typeface="Times New Roman" panose="02020603050405020304" pitchFamily="18" charset="0"/>
+                  <a:cs typeface="Times New Roman" panose="02020603050405020304" pitchFamily="18" charset="0"/>
+                </a:endParaRPr>
+              </a:p>
+              <a:p>
+                <a:r>
+                  <a:rPr lang="en-HK" altLang="zh-CN" dirty="0">
+                    <a:latin typeface="Times New Roman" panose="02020603050405020304" pitchFamily="18" charset="0"/>
+                    <a:cs typeface="Times New Roman" panose="02020603050405020304" pitchFamily="18" charset="0"/>
+                  </a:rPr>
+                  <a:t>Keep submitting papers to top venues.</a:t>
+                </a:r>
+              </a:p>
+              <a:p>
+                <a:pPr lvl="1"/>
+                <a:r>
+                  <a:rPr lang="en-HK" altLang="zh-CN" dirty="0">
+                    <a:latin typeface="Times New Roman" panose="02020603050405020304" pitchFamily="18" charset="0"/>
+                    <a:cs typeface="Times New Roman" panose="02020603050405020304" pitchFamily="18" charset="0"/>
+                  </a:rPr>
+                  <a:t>Those comments from top venues can help you increase </a:t>
+                </a:r>
+                <a14:m>
+                  <m:oMath xmlns:m="http://schemas.openxmlformats.org/officeDocument/2006/math">
+                    <m:r>
+                      <a:rPr lang="en-HK" altLang="zh-CN" b="0" i="1" smtClean="0">
+                        <a:latin typeface="Cambria Math" panose="02040503050406030204" pitchFamily="18" charset="0"/>
+                        <a:cs typeface="Times New Roman" panose="02020603050405020304" pitchFamily="18" charset="0"/>
+                      </a:rPr>
+                      <m:t>𝑝</m:t>
+                    </m:r>
+                  </m:oMath>
+                </a14:m>
+                <a:r>
+                  <a:rPr lang="en-HK" altLang="zh-CN" dirty="0">
+                    <a:latin typeface="Times New Roman" panose="02020603050405020304" pitchFamily="18" charset="0"/>
+                    <a:cs typeface="Times New Roman" panose="02020603050405020304" pitchFamily="18" charset="0"/>
+                  </a:rPr>
+                  <a:t>.</a:t>
+                </a:r>
+              </a:p>
+              <a:p>
+                <a:endParaRPr lang="en-HK" altLang="zh-CN" dirty="0">
+                  <a:latin typeface="Times New Roman" panose="02020603050405020304" pitchFamily="18" charset="0"/>
+                  <a:cs typeface="Times New Roman" panose="02020603050405020304" pitchFamily="18" charset="0"/>
+                </a:endParaRPr>
+              </a:p>
+              <a:p>
+                <a:r>
+                  <a:rPr lang="en-HK" altLang="zh-CN" dirty="0">
+                    <a:latin typeface="Times New Roman" panose="02020603050405020304" pitchFamily="18" charset="0"/>
+                    <a:cs typeface="Times New Roman" panose="02020603050405020304" pitchFamily="18" charset="0"/>
+                  </a:rPr>
+                  <a:t>Avoid submitting papers to bad venues. (AIM HIGH)</a:t>
+                </a:r>
+              </a:p>
+            </p:txBody>
+          </p:sp>
+        </mc:Choice>
+        <mc:Fallback>
+          <p:sp>
+            <p:nvSpPr>
+              <p:cNvPr id="3" name="Content Placeholder 2">
+                <a:extLst>
+                  <a:ext uri="{FF2B5EF4-FFF2-40B4-BE49-F238E27FC236}">
+                    <a16:creationId xmlns:a16="http://schemas.microsoft.com/office/drawing/2014/main" id="{B939E21E-DBD7-3230-4A4B-59F878DC13A6}"/>
+                  </a:ext>
+                </a:extLst>
+              </p:cNvPr>
+              <p:cNvSpPr>
+                <a:spLocks noGrp="1" noRot="1" noChangeAspect="1" noMove="1" noResize="1" noEditPoints="1" noAdjustHandles="1" noChangeArrowheads="1" noChangeShapeType="1" noTextEdit="1"/>
+              </p:cNvSpPr>
+              <p:nvPr>
+                <p:ph idx="1"/>
+              </p:nvPr>
+            </p:nvSpPr>
+            <p:spPr>
+              <a:xfrm>
+                <a:off x="838199" y="1072132"/>
+                <a:ext cx="10827327" cy="6076809"/>
+              </a:xfrm>
+              <a:blipFill>
+                <a:blip r:embed="rId2"/>
+                <a:stretch>
+                  <a:fillRect l="-957" t="-1805" r="-1294"/>
+                </a:stretch>
+              </a:blipFill>
+            </p:spPr>
+            <p:txBody>
+              <a:bodyPr/>
+              <a:lstStyle/>
+              <a:p>
+                <a:r>
+                  <a:rPr lang="zh-CN" altLang="en-US">
+                    <a:noFill/>
+                  </a:rPr>
+                  <a:t> </a:t>
+                </a:r>
+              </a:p>
+            </p:txBody>
+          </p:sp>
+        </mc:Fallback>
+      </mc:AlternateContent>
+      <p:sp>
+        <p:nvSpPr>
+          <p:cNvPr id="4" name="Slide Number Placeholder 3">
+            <a:extLst>
+              <a:ext uri="{FF2B5EF4-FFF2-40B4-BE49-F238E27FC236}">
+                <a16:creationId xmlns:a16="http://schemas.microsoft.com/office/drawing/2014/main" id="{2F4EF25E-10BF-0D57-95CA-E9E32DA20F6C}"/>
+              </a:ext>
+            </a:extLst>
+          </p:cNvPr>
+          <p:cNvSpPr>
+            <a:spLocks noGrp="1"/>
+          </p:cNvSpPr>
+          <p:nvPr>
+            <p:ph type="sldNum" sz="quarter" idx="12"/>
+          </p:nvPr>
+        </p:nvSpPr>
+        <p:spPr/>
+        <p:txBody>
+          <a:bodyPr/>
+          <a:lstStyle/>
+          <a:p>
+            <a:fld id="{3BAA0D2F-30BB-43E9-B553-3D3588F912D8}" type="slidenum">
+              <a:rPr lang="zh-CN" altLang="en-US" smtClean="0"/>
+              <a:t>22</a:t>
+            </a:fld>
+            <a:endParaRPr lang="zh-CN" altLang="en-US"/>
+          </a:p>
+        </p:txBody>
+      </p:sp>
+    </p:spTree>
+    <p:extLst>
+      <p:ext uri="{BB962C8B-B14F-4D97-AF65-F5344CB8AC3E}">
+        <p14:creationId xmlns:p14="http://schemas.microsoft.com/office/powerpoint/2010/main" val="3528638172"/>
       </p:ext>
     </p:extLst>
   </p:cSld>
@@ -9322,7 +10339,7 @@
                 <a:latin typeface="Times New Roman" panose="02020603050405020304" pitchFamily="18" charset="0"/>
                 <a:cs typeface="Times New Roman" panose="02020603050405020304" pitchFamily="18" charset="0"/>
               </a:rPr>
-              <a:t>Describe the problem in details.</a:t>
+              <a:t>Describe the problem in detail.</a:t>
             </a:r>
           </a:p>
           <a:p>

--- a/publication/Think_Present_Papers.pptx
+++ b/publication/Think_Present_Papers.pptx
@@ -5,7 +5,7 @@
     <p:sldMasterId id="2147483648" r:id="rId1"/>
   </p:sldMasterIdLst>
   <p:notesMasterIdLst>
-    <p:notesMasterId r:id="rId24"/>
+    <p:notesMasterId r:id="rId26"/>
   </p:notesMasterIdLst>
   <p:sldIdLst>
     <p:sldId id="257" r:id="rId2"/>
@@ -30,6 +30,8 @@
     <p:sldId id="277" r:id="rId21"/>
     <p:sldId id="278" r:id="rId22"/>
     <p:sldId id="276" r:id="rId23"/>
+    <p:sldId id="280" r:id="rId24"/>
+    <p:sldId id="281" r:id="rId25"/>
   </p:sldIdLst>
   <p:sldSz cx="12192000" cy="6858000"/>
   <p:notesSz cx="6858000" cy="9144000"/>
@@ -218,7 +220,7 @@
           <a:p>
             <a:fld id="{A0C0608D-E44C-4031-91FF-9325BA57F2A8}" type="datetimeFigureOut">
               <a:rPr lang="zh-CN" altLang="en-US" smtClean="0"/>
-              <a:t>2024/11/26</a:t>
+              <a:t>2024/11/27</a:t>
             </a:fld>
             <a:endParaRPr lang="zh-CN" altLang="en-US"/>
           </a:p>
@@ -632,7 +634,7 @@
           <a:p>
             <a:fld id="{C7D552E7-C7D2-4C79-97EB-7694FD71FEDD}" type="datetime1">
               <a:rPr lang="zh-CN" altLang="en-US" smtClean="0"/>
-              <a:t>2024/11/26</a:t>
+              <a:t>2024/11/27</a:t>
             </a:fld>
             <a:endParaRPr lang="zh-CN" altLang="en-US"/>
           </a:p>
@@ -830,7 +832,7 @@
           <a:p>
             <a:fld id="{37A1C8DC-8C49-4FF7-8951-4E0A9FFDD7B7}" type="datetime1">
               <a:rPr lang="zh-CN" altLang="en-US" smtClean="0"/>
-              <a:t>2024/11/26</a:t>
+              <a:t>2024/11/27</a:t>
             </a:fld>
             <a:endParaRPr lang="zh-CN" altLang="en-US"/>
           </a:p>
@@ -1038,7 +1040,7 @@
           <a:p>
             <a:fld id="{9C3BBBDC-A7C5-498F-9775-B6E9892BD622}" type="datetime1">
               <a:rPr lang="zh-CN" altLang="en-US" smtClean="0"/>
-              <a:t>2024/11/26</a:t>
+              <a:t>2024/11/27</a:t>
             </a:fld>
             <a:endParaRPr lang="zh-CN" altLang="en-US"/>
           </a:p>
@@ -1236,7 +1238,7 @@
           <a:p>
             <a:fld id="{B094EDAE-BCBD-46AB-A839-945DBD830FDF}" type="datetime1">
               <a:rPr lang="zh-CN" altLang="en-US" smtClean="0"/>
-              <a:t>2024/11/26</a:t>
+              <a:t>2024/11/27</a:t>
             </a:fld>
             <a:endParaRPr lang="zh-CN" altLang="en-US"/>
           </a:p>
@@ -1511,7 +1513,7 @@
           <a:p>
             <a:fld id="{C11BD931-76A9-45D5-B8A1-F26CC07CFEDA}" type="datetime1">
               <a:rPr lang="zh-CN" altLang="en-US" smtClean="0"/>
-              <a:t>2024/11/26</a:t>
+              <a:t>2024/11/27</a:t>
             </a:fld>
             <a:endParaRPr lang="zh-CN" altLang="en-US"/>
           </a:p>
@@ -1776,7 +1778,7 @@
           <a:p>
             <a:fld id="{DF6313B0-F3B1-403E-9010-3E3FCB25A33D}" type="datetime1">
               <a:rPr lang="zh-CN" altLang="en-US" smtClean="0"/>
-              <a:t>2024/11/26</a:t>
+              <a:t>2024/11/27</a:t>
             </a:fld>
             <a:endParaRPr lang="zh-CN" altLang="en-US"/>
           </a:p>
@@ -2188,7 +2190,7 @@
           <a:p>
             <a:fld id="{914D7020-8D1C-400B-9570-0B7047CFC6F0}" type="datetime1">
               <a:rPr lang="zh-CN" altLang="en-US" smtClean="0"/>
-              <a:t>2024/11/26</a:t>
+              <a:t>2024/11/27</a:t>
             </a:fld>
             <a:endParaRPr lang="zh-CN" altLang="en-US"/>
           </a:p>
@@ -2329,7 +2331,7 @@
           <a:p>
             <a:fld id="{5C024216-52A2-43F7-842B-AB96EDE6D665}" type="datetime1">
               <a:rPr lang="zh-CN" altLang="en-US" smtClean="0"/>
-              <a:t>2024/11/26</a:t>
+              <a:t>2024/11/27</a:t>
             </a:fld>
             <a:endParaRPr lang="zh-CN" altLang="en-US"/>
           </a:p>
@@ -2442,7 +2444,7 @@
           <a:p>
             <a:fld id="{96070F17-EF4C-4477-BF8A-0D56F9EF64D9}" type="datetime1">
               <a:rPr lang="zh-CN" altLang="en-US" smtClean="0"/>
-              <a:t>2024/11/26</a:t>
+              <a:t>2024/11/27</a:t>
             </a:fld>
             <a:endParaRPr lang="zh-CN" altLang="en-US"/>
           </a:p>
@@ -2753,7 +2755,7 @@
           <a:p>
             <a:fld id="{89468DBF-22EE-417D-864F-7B5C15A69409}" type="datetime1">
               <a:rPr lang="zh-CN" altLang="en-US" smtClean="0"/>
-              <a:t>2024/11/26</a:t>
+              <a:t>2024/11/27</a:t>
             </a:fld>
             <a:endParaRPr lang="zh-CN" altLang="en-US"/>
           </a:p>
@@ -3041,7 +3043,7 @@
           <a:p>
             <a:fld id="{BA140EE1-9319-4CC8-A024-71AF38819C7D}" type="datetime1">
               <a:rPr lang="zh-CN" altLang="en-US" smtClean="0"/>
-              <a:t>2024/11/26</a:t>
+              <a:t>2024/11/27</a:t>
             </a:fld>
             <a:endParaRPr lang="zh-CN" altLang="en-US"/>
           </a:p>
@@ -3282,7 +3284,7 @@
           <a:p>
             <a:fld id="{48210126-6AE4-44B5-9E5A-7F34F837E0B0}" type="datetime1">
               <a:rPr lang="zh-CN" altLang="en-US" smtClean="0"/>
-              <a:t>2024/11/26</a:t>
+              <a:t>2024/11/27</a:t>
             </a:fld>
             <a:endParaRPr lang="zh-CN" altLang="en-US"/>
           </a:p>
@@ -9559,8 +9561,8 @@
           </a:p>
         </p:txBody>
       </p:sp>
-      <mc:AlternateContent xmlns:mc="http://schemas.openxmlformats.org/markup-compatibility/2006">
-        <mc:Choice xmlns:a14="http://schemas.microsoft.com/office/drawing/2010/main" Requires="a14">
+      <mc:AlternateContent xmlns:mc="http://schemas.openxmlformats.org/markup-compatibility/2006" xmlns:a14="http://schemas.microsoft.com/office/drawing/2010/main">
+        <mc:Choice Requires="a14">
           <p:sp>
             <p:nvSpPr>
               <p:cNvPr id="3" name="Content Placeholder 2">
@@ -9912,7 +9914,7 @@
             </p:txBody>
           </p:sp>
         </mc:Choice>
-        <mc:Fallback>
+        <mc:Fallback xmlns="">
           <p:sp>
             <p:nvSpPr>
               <p:cNvPr id="3" name="Content Placeholder 2">
@@ -9989,6 +9991,433 @@
     <p:extLst>
       <p:ext uri="{BB962C8B-B14F-4D97-AF65-F5344CB8AC3E}">
         <p14:creationId xmlns:p14="http://schemas.microsoft.com/office/powerpoint/2010/main" val="3528638172"/>
+      </p:ext>
+    </p:extLst>
+  </p:cSld>
+  <p:clrMapOvr>
+    <a:masterClrMapping/>
+  </p:clrMapOvr>
+</p:sld>
+</file>
+
+<file path=ppt/slides/slide23.xml><?xml version="1.0" encoding="utf-8"?>
+<p:sld xmlns:a="http://schemas.openxmlformats.org/drawingml/2006/main" xmlns:r="http://schemas.openxmlformats.org/officeDocument/2006/relationships" xmlns:p="http://schemas.openxmlformats.org/presentationml/2006/main">
+  <p:cSld>
+    <p:spTree>
+      <p:nvGrpSpPr>
+        <p:cNvPr id="1" name=""/>
+        <p:cNvGrpSpPr/>
+        <p:nvPr/>
+      </p:nvGrpSpPr>
+      <p:grpSpPr>
+        <a:xfrm>
+          <a:off x="0" y="0"/>
+          <a:ext cx="0" cy="0"/>
+          <a:chOff x="0" y="0"/>
+          <a:chExt cx="0" cy="0"/>
+        </a:xfrm>
+      </p:grpSpPr>
+      <p:sp>
+        <p:nvSpPr>
+          <p:cNvPr id="2" name="Title 1">
+            <a:extLst>
+              <a:ext uri="{FF2B5EF4-FFF2-40B4-BE49-F238E27FC236}">
+                <a16:creationId xmlns:a16="http://schemas.microsoft.com/office/drawing/2014/main" id="{C81ED1E3-847D-8B8A-8047-C15BBF8F888A}"/>
+              </a:ext>
+            </a:extLst>
+          </p:cNvPr>
+          <p:cNvSpPr>
+            <a:spLocks noGrp="1"/>
+          </p:cNvSpPr>
+          <p:nvPr>
+            <p:ph type="title"/>
+          </p:nvPr>
+        </p:nvSpPr>
+        <p:spPr>
+          <a:xfrm>
+            <a:off x="838200" y="15498"/>
+            <a:ext cx="10515600" cy="1325563"/>
+          </a:xfrm>
+        </p:spPr>
+        <p:txBody>
+          <a:bodyPr/>
+          <a:lstStyle/>
+          <a:p>
+            <a:pPr algn="ctr"/>
+            <a:r>
+              <a:rPr lang="en-HK" altLang="zh-CN" dirty="0">
+                <a:latin typeface="Times New Roman" panose="02020603050405020304" pitchFamily="18" charset="0"/>
+                <a:cs typeface="Times New Roman" panose="02020603050405020304" pitchFamily="18" charset="0"/>
+              </a:rPr>
+              <a:t>How to be Productive?</a:t>
+            </a:r>
+            <a:endParaRPr lang="zh-CN" altLang="en-US" dirty="0">
+              <a:latin typeface="Times New Roman" panose="02020603050405020304" pitchFamily="18" charset="0"/>
+              <a:cs typeface="Times New Roman" panose="02020603050405020304" pitchFamily="18" charset="0"/>
+            </a:endParaRPr>
+          </a:p>
+        </p:txBody>
+      </p:sp>
+      <p:sp>
+        <p:nvSpPr>
+          <p:cNvPr id="4" name="Slide Number Placeholder 3">
+            <a:extLst>
+              <a:ext uri="{FF2B5EF4-FFF2-40B4-BE49-F238E27FC236}">
+                <a16:creationId xmlns:a16="http://schemas.microsoft.com/office/drawing/2014/main" id="{A30D398E-CCC9-24DE-34F4-48B9FD8B16A7}"/>
+              </a:ext>
+            </a:extLst>
+          </p:cNvPr>
+          <p:cNvSpPr>
+            <a:spLocks noGrp="1"/>
+          </p:cNvSpPr>
+          <p:nvPr>
+            <p:ph type="sldNum" sz="quarter" idx="12"/>
+          </p:nvPr>
+        </p:nvSpPr>
+        <p:spPr/>
+        <p:txBody>
+          <a:bodyPr/>
+          <a:lstStyle/>
+          <a:p>
+            <a:fld id="{3BAA0D2F-30BB-43E9-B553-3D3588F912D8}" type="slidenum">
+              <a:rPr lang="zh-CN" altLang="en-US" smtClean="0"/>
+              <a:t>23</a:t>
+            </a:fld>
+            <a:endParaRPr lang="zh-CN" altLang="en-US"/>
+          </a:p>
+        </p:txBody>
+      </p:sp>
+      <p:pic>
+        <p:nvPicPr>
+          <p:cNvPr id="11" name="Picture 10">
+            <a:extLst>
+              <a:ext uri="{FF2B5EF4-FFF2-40B4-BE49-F238E27FC236}">
+                <a16:creationId xmlns:a16="http://schemas.microsoft.com/office/drawing/2014/main" id="{7D49F726-B589-1BD7-DD0D-B5BABB1BBC55}"/>
+              </a:ext>
+            </a:extLst>
+          </p:cNvPr>
+          <p:cNvPicPr>
+            <a:picLocks noChangeAspect="1"/>
+          </p:cNvPicPr>
+          <p:nvPr/>
+        </p:nvPicPr>
+        <p:blipFill>
+          <a:blip r:embed="rId2"/>
+          <a:stretch>
+            <a:fillRect/>
+          </a:stretch>
+        </p:blipFill>
+        <p:spPr>
+          <a:xfrm>
+            <a:off x="0" y="1037267"/>
+            <a:ext cx="12192000" cy="5622878"/>
+          </a:xfrm>
+          <a:prstGeom prst="rect">
+            <a:avLst/>
+          </a:prstGeom>
+        </p:spPr>
+      </p:pic>
+      <p:sp>
+        <p:nvSpPr>
+          <p:cNvPr id="12" name="TextBox 11">
+            <a:extLst>
+              <a:ext uri="{FF2B5EF4-FFF2-40B4-BE49-F238E27FC236}">
+                <a16:creationId xmlns:a16="http://schemas.microsoft.com/office/drawing/2014/main" id="{460B5B3C-2B8B-D271-96C1-60D87CF6DD4E}"/>
+              </a:ext>
+            </a:extLst>
+          </p:cNvPr>
+          <p:cNvSpPr txBox="1"/>
+          <p:nvPr/>
+        </p:nvSpPr>
+        <p:spPr>
+          <a:xfrm>
+            <a:off x="3588325" y="4003964"/>
+            <a:ext cx="2743059" cy="369332"/>
+          </a:xfrm>
+          <a:prstGeom prst="rect">
+            <a:avLst/>
+          </a:prstGeom>
+          <a:noFill/>
+        </p:spPr>
+        <p:txBody>
+          <a:bodyPr wrap="none" rtlCol="0">
+            <a:spAutoFit/>
+          </a:bodyPr>
+          <a:lstStyle/>
+          <a:p>
+            <a:r>
+              <a:rPr lang="en-HK" altLang="zh-CN" dirty="0">
+                <a:latin typeface="Times New Roman" panose="02020603050405020304" pitchFamily="18" charset="0"/>
+                <a:cs typeface="Times New Roman" panose="02020603050405020304" pitchFamily="18" charset="0"/>
+              </a:rPr>
+              <a:t>Accepted in SIGKDD 2025</a:t>
+            </a:r>
+            <a:endParaRPr lang="zh-CN" altLang="en-US" dirty="0">
+              <a:latin typeface="Times New Roman" panose="02020603050405020304" pitchFamily="18" charset="0"/>
+              <a:cs typeface="Times New Roman" panose="02020603050405020304" pitchFamily="18" charset="0"/>
+            </a:endParaRPr>
+          </a:p>
+        </p:txBody>
+      </p:sp>
+      <p:sp>
+        <p:nvSpPr>
+          <p:cNvPr id="13" name="TextBox 12">
+            <a:extLst>
+              <a:ext uri="{FF2B5EF4-FFF2-40B4-BE49-F238E27FC236}">
+                <a16:creationId xmlns:a16="http://schemas.microsoft.com/office/drawing/2014/main" id="{550689A5-B8B1-086F-13C8-826BE86D0762}"/>
+              </a:ext>
+            </a:extLst>
+          </p:cNvPr>
+          <p:cNvSpPr txBox="1"/>
+          <p:nvPr/>
+        </p:nvSpPr>
+        <p:spPr>
+          <a:xfrm>
+            <a:off x="3588324" y="4530437"/>
+            <a:ext cx="2743059" cy="369332"/>
+          </a:xfrm>
+          <a:prstGeom prst="rect">
+            <a:avLst/>
+          </a:prstGeom>
+          <a:noFill/>
+        </p:spPr>
+        <p:txBody>
+          <a:bodyPr wrap="none" rtlCol="0">
+            <a:spAutoFit/>
+          </a:bodyPr>
+          <a:lstStyle/>
+          <a:p>
+            <a:r>
+              <a:rPr lang="en-HK" altLang="zh-CN" dirty="0">
+                <a:latin typeface="Times New Roman" panose="02020603050405020304" pitchFamily="18" charset="0"/>
+                <a:cs typeface="Times New Roman" panose="02020603050405020304" pitchFamily="18" charset="0"/>
+              </a:rPr>
+              <a:t>Accepted in SIGKDD 2024</a:t>
+            </a:r>
+            <a:endParaRPr lang="zh-CN" altLang="en-US" dirty="0">
+              <a:latin typeface="Times New Roman" panose="02020603050405020304" pitchFamily="18" charset="0"/>
+              <a:cs typeface="Times New Roman" panose="02020603050405020304" pitchFamily="18" charset="0"/>
+            </a:endParaRPr>
+          </a:p>
+        </p:txBody>
+      </p:sp>
+      <p:sp>
+        <p:nvSpPr>
+          <p:cNvPr id="14" name="TextBox 13">
+            <a:extLst>
+              <a:ext uri="{FF2B5EF4-FFF2-40B4-BE49-F238E27FC236}">
+                <a16:creationId xmlns:a16="http://schemas.microsoft.com/office/drawing/2014/main" id="{479E582C-D394-3645-D732-4FE24E925F39}"/>
+              </a:ext>
+            </a:extLst>
+          </p:cNvPr>
+          <p:cNvSpPr txBox="1"/>
+          <p:nvPr/>
+        </p:nvSpPr>
+        <p:spPr>
+          <a:xfrm>
+            <a:off x="3588324" y="6136812"/>
+            <a:ext cx="1524776" cy="369332"/>
+          </a:xfrm>
+          <a:prstGeom prst="rect">
+            <a:avLst/>
+          </a:prstGeom>
+          <a:noFill/>
+        </p:spPr>
+        <p:txBody>
+          <a:bodyPr wrap="none" rtlCol="0">
+            <a:spAutoFit/>
+          </a:bodyPr>
+          <a:lstStyle/>
+          <a:p>
+            <a:r>
+              <a:rPr lang="en-HK" altLang="zh-CN" dirty="0">
+                <a:latin typeface="Times New Roman" panose="02020603050405020304" pitchFamily="18" charset="0"/>
+                <a:cs typeface="Times New Roman" panose="02020603050405020304" pitchFamily="18" charset="0"/>
+              </a:rPr>
+              <a:t>Accepted later</a:t>
+            </a:r>
+            <a:endParaRPr lang="zh-CN" altLang="en-US" dirty="0">
+              <a:latin typeface="Times New Roman" panose="02020603050405020304" pitchFamily="18" charset="0"/>
+              <a:cs typeface="Times New Roman" panose="02020603050405020304" pitchFamily="18" charset="0"/>
+            </a:endParaRPr>
+          </a:p>
+        </p:txBody>
+      </p:sp>
+    </p:spTree>
+    <p:extLst>
+      <p:ext uri="{BB962C8B-B14F-4D97-AF65-F5344CB8AC3E}">
+        <p14:creationId xmlns:p14="http://schemas.microsoft.com/office/powerpoint/2010/main" val="2461353861"/>
+      </p:ext>
+    </p:extLst>
+  </p:cSld>
+  <p:clrMapOvr>
+    <a:masterClrMapping/>
+  </p:clrMapOvr>
+</p:sld>
+</file>
+
+<file path=ppt/slides/slide24.xml><?xml version="1.0" encoding="utf-8"?>
+<p:sld xmlns:a="http://schemas.openxmlformats.org/drawingml/2006/main" xmlns:r="http://schemas.openxmlformats.org/officeDocument/2006/relationships" xmlns:p="http://schemas.openxmlformats.org/presentationml/2006/main">
+  <p:cSld>
+    <p:spTree>
+      <p:nvGrpSpPr>
+        <p:cNvPr id="1" name=""/>
+        <p:cNvGrpSpPr/>
+        <p:nvPr/>
+      </p:nvGrpSpPr>
+      <p:grpSpPr>
+        <a:xfrm>
+          <a:off x="0" y="0"/>
+          <a:ext cx="0" cy="0"/>
+          <a:chOff x="0" y="0"/>
+          <a:chExt cx="0" cy="0"/>
+        </a:xfrm>
+      </p:grpSpPr>
+      <p:sp>
+        <p:nvSpPr>
+          <p:cNvPr id="2" name="Title 1">
+            <a:extLst>
+              <a:ext uri="{FF2B5EF4-FFF2-40B4-BE49-F238E27FC236}">
+                <a16:creationId xmlns:a16="http://schemas.microsoft.com/office/drawing/2014/main" id="{B4CB89EA-8452-4B59-3C74-BDA5E995C032}"/>
+              </a:ext>
+            </a:extLst>
+          </p:cNvPr>
+          <p:cNvSpPr>
+            <a:spLocks noGrp="1"/>
+          </p:cNvSpPr>
+          <p:nvPr>
+            <p:ph type="title"/>
+          </p:nvPr>
+        </p:nvSpPr>
+        <p:spPr/>
+        <p:txBody>
+          <a:bodyPr/>
+          <a:lstStyle/>
+          <a:p>
+            <a:pPr algn="ctr"/>
+            <a:r>
+              <a:rPr lang="en-HK" altLang="zh-CN" dirty="0">
+                <a:latin typeface="Times New Roman" panose="02020603050405020304" pitchFamily="18" charset="0"/>
+                <a:cs typeface="Times New Roman" panose="02020603050405020304" pitchFamily="18" charset="0"/>
+              </a:rPr>
+              <a:t>How to be </a:t>
+            </a:r>
+            <a:r>
+              <a:rPr lang="en-HK" altLang="zh-CN">
+                <a:latin typeface="Times New Roman" panose="02020603050405020304" pitchFamily="18" charset="0"/>
+                <a:cs typeface="Times New Roman" panose="02020603050405020304" pitchFamily="18" charset="0"/>
+              </a:rPr>
+              <a:t>Productive?</a:t>
+            </a:r>
+            <a:endParaRPr lang="zh-CN" altLang="en-US" dirty="0"/>
+          </a:p>
+        </p:txBody>
+      </p:sp>
+      <p:sp>
+        <p:nvSpPr>
+          <p:cNvPr id="4" name="Slide Number Placeholder 3">
+            <a:extLst>
+              <a:ext uri="{FF2B5EF4-FFF2-40B4-BE49-F238E27FC236}">
+                <a16:creationId xmlns:a16="http://schemas.microsoft.com/office/drawing/2014/main" id="{CB393F01-0C47-B0FA-89EC-B8763FA5B5C1}"/>
+              </a:ext>
+            </a:extLst>
+          </p:cNvPr>
+          <p:cNvSpPr>
+            <a:spLocks noGrp="1"/>
+          </p:cNvSpPr>
+          <p:nvPr>
+            <p:ph type="sldNum" sz="quarter" idx="12"/>
+          </p:nvPr>
+        </p:nvSpPr>
+        <p:spPr/>
+        <p:txBody>
+          <a:bodyPr/>
+          <a:lstStyle/>
+          <a:p>
+            <a:fld id="{3BAA0D2F-30BB-43E9-B553-3D3588F912D8}" type="slidenum">
+              <a:rPr lang="zh-CN" altLang="en-US" smtClean="0"/>
+              <a:t>24</a:t>
+            </a:fld>
+            <a:endParaRPr lang="zh-CN" altLang="en-US"/>
+          </a:p>
+        </p:txBody>
+      </p:sp>
+      <p:pic>
+        <p:nvPicPr>
+          <p:cNvPr id="6" name="Picture 5">
+            <a:extLst>
+              <a:ext uri="{FF2B5EF4-FFF2-40B4-BE49-F238E27FC236}">
+                <a16:creationId xmlns:a16="http://schemas.microsoft.com/office/drawing/2014/main" id="{7F307DAC-323D-936C-43B4-25FFD6C0C6D4}"/>
+              </a:ext>
+            </a:extLst>
+          </p:cNvPr>
+          <p:cNvPicPr>
+            <a:picLocks noChangeAspect="1"/>
+          </p:cNvPicPr>
+          <p:nvPr/>
+        </p:nvPicPr>
+        <p:blipFill>
+          <a:blip r:embed="rId2"/>
+          <a:stretch>
+            <a:fillRect/>
+          </a:stretch>
+        </p:blipFill>
+        <p:spPr>
+          <a:xfrm>
+            <a:off x="0" y="1690688"/>
+            <a:ext cx="12192000" cy="2595775"/>
+          </a:xfrm>
+          <a:prstGeom prst="rect">
+            <a:avLst/>
+          </a:prstGeom>
+        </p:spPr>
+      </p:pic>
+      <p:sp>
+        <p:nvSpPr>
+          <p:cNvPr id="7" name="TextBox 6">
+            <a:extLst>
+              <a:ext uri="{FF2B5EF4-FFF2-40B4-BE49-F238E27FC236}">
+                <a16:creationId xmlns:a16="http://schemas.microsoft.com/office/drawing/2014/main" id="{E60DC6B1-34FF-8140-F4E1-5FB42739A725}"/>
+              </a:ext>
+            </a:extLst>
+          </p:cNvPr>
+          <p:cNvSpPr txBox="1"/>
+          <p:nvPr/>
+        </p:nvSpPr>
+        <p:spPr>
+          <a:xfrm>
+            <a:off x="5044591" y="3582170"/>
+            <a:ext cx="2473754" cy="369332"/>
+          </a:xfrm>
+          <a:prstGeom prst="rect">
+            <a:avLst/>
+          </a:prstGeom>
+          <a:noFill/>
+        </p:spPr>
+        <p:txBody>
+          <a:bodyPr wrap="none" rtlCol="0">
+            <a:spAutoFit/>
+          </a:bodyPr>
+          <a:lstStyle/>
+          <a:p>
+            <a:r>
+              <a:rPr lang="en-HK" altLang="zh-CN" dirty="0">
+                <a:latin typeface="Times New Roman" panose="02020603050405020304" pitchFamily="18" charset="0"/>
+                <a:cs typeface="Times New Roman" panose="02020603050405020304" pitchFamily="18" charset="0"/>
+              </a:rPr>
+              <a:t>Accepted in ICDM 2024</a:t>
+            </a:r>
+            <a:endParaRPr lang="zh-CN" altLang="en-US" dirty="0">
+              <a:latin typeface="Times New Roman" panose="02020603050405020304" pitchFamily="18" charset="0"/>
+              <a:cs typeface="Times New Roman" panose="02020603050405020304" pitchFamily="18" charset="0"/>
+            </a:endParaRPr>
+          </a:p>
+        </p:txBody>
+      </p:sp>
+    </p:spTree>
+    <p:extLst>
+      <p:ext uri="{BB962C8B-B14F-4D97-AF65-F5344CB8AC3E}">
+        <p14:creationId xmlns:p14="http://schemas.microsoft.com/office/powerpoint/2010/main" val="343617783"/>
       </p:ext>
     </p:extLst>
   </p:cSld>
